--- a/projeto-03/MTN_Satisfaction_Retention_Analysis_Report.pptx
+++ b/projeto-03/MTN_Satisfaction_Retention_Analysis_Report.pptx
@@ -6,11 +6,13 @@
   </p:sldMasterIdLst>
   <p:sldIdLst>
     <p:sldId id="256" r:id="rId2"/>
-    <p:sldId id="257" r:id="rId3"/>
-    <p:sldId id="258" r:id="rId4"/>
-    <p:sldId id="259" r:id="rId5"/>
-    <p:sldId id="260" r:id="rId6"/>
-    <p:sldId id="261" r:id="rId7"/>
+    <p:sldId id="262" r:id="rId3"/>
+    <p:sldId id="263" r:id="rId4"/>
+    <p:sldId id="257" r:id="rId5"/>
+    <p:sldId id="258" r:id="rId6"/>
+    <p:sldId id="259" r:id="rId7"/>
+    <p:sldId id="260" r:id="rId8"/>
+    <p:sldId id="261" r:id="rId9"/>
   </p:sldIdLst>
   <p:sldSz cx="12192000" cy="6858000"/>
   <p:notesSz cx="6858000" cy="9144000"/>
@@ -137,7 +139,21 @@
           <a:bodyPr rot="0" spcFirstLastPara="1" vertOverflow="ellipsis" vert="horz" wrap="square" anchor="ctr" anchorCtr="1"/>
           <a:lstStyle/>
           <a:p>
-            <a:pPr>
+            <a:pPr marL="0" marR="0" lvl="0" indent="0" algn="ctr" defTabSz="914400" rtl="0" eaLnBrk="1" fontAlgn="auto" latinLnBrk="0" hangingPunct="1">
+              <a:lnSpc>
+                <a:spcPct val="100000"/>
+              </a:lnSpc>
+              <a:spcBef>
+                <a:spcPts val="0"/>
+              </a:spcBef>
+              <a:spcAft>
+                <a:spcPts val="0"/>
+              </a:spcAft>
+              <a:buClrTx/>
+              <a:buSzTx/>
+              <a:buFontTx/>
+              <a:buNone/>
+              <a:tabLst/>
               <a:defRPr sz="1862" b="0" i="0" u="none" strike="noStrike" kern="1200" spc="0" baseline="0">
                 <a:solidFill>
                   <a:srgbClr val="201E21"/>
@@ -148,12 +164,16 @@
               </a:defRPr>
             </a:pPr>
             <a:r>
-              <a:rPr lang="en-US" dirty="0">
-                <a:solidFill>
-                  <a:srgbClr val="201E21"/>
-                </a:solidFill>
-              </a:rPr>
-              <a:t>Average Satisfaction Rate</a:t>
+              <a:rPr lang="pt-BR" b="0" dirty="0"/>
+              <a:t>Taxa </a:t>
+            </a:r>
+            <a:r>
+              <a:rPr lang="pt-BR" sz="2000" b="0" dirty="0"/>
+              <a:t>Média</a:t>
+            </a:r>
+            <a:r>
+              <a:rPr lang="pt-BR" b="0" dirty="0"/>
+              <a:t> de Satisfação por Dispositivo</a:t>
             </a:r>
           </a:p>
         </c:rich>
@@ -170,7 +190,21 @@
         <a:bodyPr rot="0" spcFirstLastPara="1" vertOverflow="ellipsis" vert="horz" wrap="square" anchor="ctr" anchorCtr="1"/>
         <a:lstStyle/>
         <a:p>
-          <a:pPr>
+          <a:pPr marL="0" marR="0" lvl="0" indent="0" algn="ctr" defTabSz="914400" rtl="0" eaLnBrk="1" fontAlgn="auto" latinLnBrk="0" hangingPunct="1">
+            <a:lnSpc>
+              <a:spcPct val="100000"/>
+            </a:lnSpc>
+            <a:spcBef>
+              <a:spcPts val="0"/>
+            </a:spcBef>
+            <a:spcAft>
+              <a:spcPts val="0"/>
+            </a:spcAft>
+            <a:buClrTx/>
+            <a:buSzTx/>
+            <a:buFontTx/>
+            <a:buNone/>
+            <a:tabLst/>
             <a:defRPr sz="1862" b="0" i="0" u="none" strike="noStrike" kern="1200" spc="0" baseline="0">
               <a:solidFill>
                 <a:srgbClr val="201E21"/>
@@ -565,15 +599,7 @@
                   <a:schemeClr val="tx1"/>
                 </a:solidFill>
               </a:rPr>
-              <a:t>Influencers of </a:t>
-            </a:r>
-            <a:r>
-              <a:rPr lang="pt-BR" sz="2000" b="0" i="0" u="none" strike="noStrike" kern="1200" spc="0" baseline="0" dirty="0" err="1">
-                <a:solidFill>
-                  <a:schemeClr val="tx1"/>
-                </a:solidFill>
-              </a:rPr>
-              <a:t>Churn</a:t>
+              <a:t>Influenciadores da Rotatividade</a:t>
             </a:r>
             <a:endParaRPr lang="en-US" sz="2000" b="0" i="0" u="none" strike="noStrike" kern="1200" spc="0" baseline="0" dirty="0">
               <a:solidFill>
@@ -661,7 +687,7 @@
             <c:bubble3D val="0"/>
             <c:spPr>
               <a:solidFill>
-                <a:srgbClr val="7F6602"/>
+                <a:srgbClr val="332901"/>
               </a:solidFill>
               <a:ln w="19050">
                 <a:solidFill>
@@ -681,7 +707,7 @@
             <c:bubble3D val="0"/>
             <c:spPr>
               <a:solidFill>
-                <a:srgbClr val="CCA404"/>
+                <a:srgbClr val="7F6602"/>
               </a:solidFill>
               <a:ln w="19050">
                 <a:solidFill>
@@ -701,7 +727,7 @@
             <c:bubble3D val="0"/>
             <c:spPr>
               <a:solidFill>
-                <a:srgbClr val="FFCD05"/>
+                <a:srgbClr val="CCA404"/>
               </a:solidFill>
               <a:ln w="19050">
                 <a:solidFill>
@@ -721,7 +747,7 @@
             <c:bubble3D val="0"/>
             <c:spPr>
               <a:solidFill>
-                <a:srgbClr val="FFDC50"/>
+                <a:srgbClr val="FFCD05"/>
               </a:solidFill>
               <a:ln w="19050">
                 <a:solidFill>
@@ -741,7 +767,7 @@
             <c:bubble3D val="0"/>
             <c:spPr>
               <a:solidFill>
-                <a:srgbClr val="FFEB9B"/>
+                <a:srgbClr val="FFDC50"/>
               </a:solidFill>
               <a:ln w="19050">
                 <a:solidFill>
@@ -906,7 +932,7 @@
               <c:idx val="1"/>
               <c:spPr>
                 <a:solidFill>
-                  <a:srgbClr val="7F6602"/>
+                  <a:srgbClr val="332901"/>
                 </a:solidFill>
                 <a:ln>
                   <a:solidFill>
@@ -927,7 +953,7 @@
                   <a:pPr>
                     <a:defRPr sz="1197" b="0" i="0" u="none" strike="noStrike" kern="1200" baseline="0">
                       <a:solidFill>
-                        <a:srgbClr val="201E21"/>
+                        <a:schemeClr val="bg1"/>
                       </a:solidFill>
                       <a:latin typeface="+mn-lt"/>
                       <a:ea typeface="+mn-ea"/>
@@ -965,7 +991,7 @@
               <c:idx val="2"/>
               <c:spPr>
                 <a:solidFill>
-                  <a:srgbClr val="CCA404"/>
+                  <a:srgbClr val="7F6602"/>
                 </a:solidFill>
                 <a:ln>
                   <a:solidFill>
@@ -986,7 +1012,7 @@
                   <a:pPr>
                     <a:defRPr sz="1197" b="0" i="0" u="none" strike="noStrike" kern="1200" baseline="0">
                       <a:solidFill>
-                        <a:srgbClr val="201E21"/>
+                        <a:schemeClr val="bg1"/>
                       </a:solidFill>
                       <a:latin typeface="+mn-lt"/>
                       <a:ea typeface="+mn-ea"/>
@@ -1024,7 +1050,7 @@
               <c:idx val="3"/>
               <c:spPr>
                 <a:solidFill>
-                  <a:srgbClr val="FFCD05"/>
+                  <a:srgbClr val="CCA404"/>
                 </a:solidFill>
                 <a:ln>
                   <a:solidFill>
@@ -1083,7 +1109,7 @@
               <c:idx val="4"/>
               <c:spPr>
                 <a:solidFill>
-                  <a:srgbClr val="FFDC50"/>
+                  <a:srgbClr val="FFCD05"/>
                 </a:solidFill>
                 <a:ln>
                   <a:solidFill>
@@ -1148,7 +1174,7 @@
               </c:layout>
               <c:spPr>
                 <a:solidFill>
-                  <a:srgbClr val="FFEB9B"/>
+                  <a:srgbClr val="FFDC50"/>
                 </a:solidFill>
                 <a:ln>
                   <a:solidFill>
@@ -2545,6 +2571,1500 @@
 </file>
 
 <file path=ppt/diagrams/colors1.xml><?xml version="1.0" encoding="utf-8"?>
+<dgm:colorsDef xmlns:dgm="http://schemas.openxmlformats.org/drawingml/2006/diagram" xmlns:a="http://schemas.openxmlformats.org/drawingml/2006/main" uniqueId="urn:microsoft.com/office/officeart/2005/8/colors/accent1_2">
+  <dgm:title val=""/>
+  <dgm:desc val=""/>
+  <dgm:catLst>
+    <dgm:cat type="accent1" pri="11200"/>
+  </dgm:catLst>
+  <dgm:styleLbl name="node0">
+    <dgm:fillClrLst meth="repeat">
+      <a:schemeClr val="accent1"/>
+    </dgm:fillClrLst>
+    <dgm:linClrLst meth="repeat">
+      <a:schemeClr val="lt1"/>
+    </dgm:linClrLst>
+    <dgm:effectClrLst/>
+    <dgm:txLinClrLst/>
+    <dgm:txFillClrLst/>
+    <dgm:txEffectClrLst/>
+  </dgm:styleLbl>
+  <dgm:styleLbl name="alignNode1">
+    <dgm:fillClrLst meth="repeat">
+      <a:schemeClr val="accent1"/>
+    </dgm:fillClrLst>
+    <dgm:linClrLst meth="repeat">
+      <a:schemeClr val="accent1"/>
+    </dgm:linClrLst>
+    <dgm:effectClrLst/>
+    <dgm:txLinClrLst/>
+    <dgm:txFillClrLst/>
+    <dgm:txEffectClrLst/>
+  </dgm:styleLbl>
+  <dgm:styleLbl name="node1">
+    <dgm:fillClrLst meth="repeat">
+      <a:schemeClr val="accent1"/>
+    </dgm:fillClrLst>
+    <dgm:linClrLst meth="repeat">
+      <a:schemeClr val="lt1"/>
+    </dgm:linClrLst>
+    <dgm:effectClrLst/>
+    <dgm:txLinClrLst/>
+    <dgm:txFillClrLst/>
+    <dgm:txEffectClrLst/>
+  </dgm:styleLbl>
+  <dgm:styleLbl name="lnNode1">
+    <dgm:fillClrLst meth="repeat">
+      <a:schemeClr val="accent1"/>
+    </dgm:fillClrLst>
+    <dgm:linClrLst meth="repeat">
+      <a:schemeClr val="lt1"/>
+    </dgm:linClrLst>
+    <dgm:effectClrLst/>
+    <dgm:txLinClrLst/>
+    <dgm:txFillClrLst/>
+    <dgm:txEffectClrLst/>
+  </dgm:styleLbl>
+  <dgm:styleLbl name="vennNode1">
+    <dgm:fillClrLst meth="repeat">
+      <a:schemeClr val="accent1">
+        <a:alpha val="50000"/>
+      </a:schemeClr>
+    </dgm:fillClrLst>
+    <dgm:linClrLst meth="repeat">
+      <a:schemeClr val="lt1"/>
+    </dgm:linClrLst>
+    <dgm:effectClrLst/>
+    <dgm:txLinClrLst/>
+    <dgm:txFillClrLst/>
+    <dgm:txEffectClrLst/>
+  </dgm:styleLbl>
+  <dgm:styleLbl name="node2">
+    <dgm:fillClrLst meth="repeat">
+      <a:schemeClr val="accent1"/>
+    </dgm:fillClrLst>
+    <dgm:linClrLst meth="repeat">
+      <a:schemeClr val="lt1"/>
+    </dgm:linClrLst>
+    <dgm:effectClrLst/>
+    <dgm:txLinClrLst/>
+    <dgm:txFillClrLst/>
+    <dgm:txEffectClrLst/>
+  </dgm:styleLbl>
+  <dgm:styleLbl name="node3">
+    <dgm:fillClrLst meth="repeat">
+      <a:schemeClr val="accent1"/>
+    </dgm:fillClrLst>
+    <dgm:linClrLst meth="repeat">
+      <a:schemeClr val="lt1"/>
+    </dgm:linClrLst>
+    <dgm:effectClrLst/>
+    <dgm:txLinClrLst/>
+    <dgm:txFillClrLst/>
+    <dgm:txEffectClrLst/>
+  </dgm:styleLbl>
+  <dgm:styleLbl name="node4">
+    <dgm:fillClrLst meth="repeat">
+      <a:schemeClr val="accent1"/>
+    </dgm:fillClrLst>
+    <dgm:linClrLst meth="repeat">
+      <a:schemeClr val="lt1"/>
+    </dgm:linClrLst>
+    <dgm:effectClrLst/>
+    <dgm:txLinClrLst/>
+    <dgm:txFillClrLst/>
+    <dgm:txEffectClrLst/>
+  </dgm:styleLbl>
+  <dgm:styleLbl name="fgImgPlace1">
+    <dgm:fillClrLst meth="repeat">
+      <a:schemeClr val="accent1">
+        <a:tint val="50000"/>
+      </a:schemeClr>
+    </dgm:fillClrLst>
+    <dgm:linClrLst meth="repeat">
+      <a:schemeClr val="lt1"/>
+    </dgm:linClrLst>
+    <dgm:effectClrLst/>
+    <dgm:txLinClrLst/>
+    <dgm:txFillClrLst meth="repeat">
+      <a:schemeClr val="lt1"/>
+    </dgm:txFillClrLst>
+    <dgm:txEffectClrLst/>
+  </dgm:styleLbl>
+  <dgm:styleLbl name="alignImgPlace1">
+    <dgm:fillClrLst meth="repeat">
+      <a:schemeClr val="accent1">
+        <a:tint val="50000"/>
+      </a:schemeClr>
+    </dgm:fillClrLst>
+    <dgm:linClrLst meth="repeat">
+      <a:schemeClr val="lt1"/>
+    </dgm:linClrLst>
+    <dgm:effectClrLst/>
+    <dgm:txLinClrLst/>
+    <dgm:txFillClrLst meth="repeat">
+      <a:schemeClr val="lt1"/>
+    </dgm:txFillClrLst>
+    <dgm:txEffectClrLst/>
+  </dgm:styleLbl>
+  <dgm:styleLbl name="bgImgPlace1">
+    <dgm:fillClrLst meth="repeat">
+      <a:schemeClr val="accent1">
+        <a:tint val="50000"/>
+      </a:schemeClr>
+    </dgm:fillClrLst>
+    <dgm:linClrLst meth="repeat">
+      <a:schemeClr val="lt1"/>
+    </dgm:linClrLst>
+    <dgm:effectClrLst/>
+    <dgm:txLinClrLst/>
+    <dgm:txFillClrLst meth="repeat">
+      <a:schemeClr val="lt1"/>
+    </dgm:txFillClrLst>
+    <dgm:txEffectClrLst/>
+  </dgm:styleLbl>
+  <dgm:styleLbl name="sibTrans2D1">
+    <dgm:fillClrLst meth="repeat">
+      <a:schemeClr val="accent1">
+        <a:tint val="60000"/>
+      </a:schemeClr>
+    </dgm:fillClrLst>
+    <dgm:linClrLst meth="repeat">
+      <a:schemeClr val="accent1">
+        <a:tint val="60000"/>
+      </a:schemeClr>
+    </dgm:linClrLst>
+    <dgm:effectClrLst/>
+    <dgm:txLinClrLst/>
+    <dgm:txFillClrLst/>
+    <dgm:txEffectClrLst/>
+  </dgm:styleLbl>
+  <dgm:styleLbl name="fgSibTrans2D1">
+    <dgm:fillClrLst meth="repeat">
+      <a:schemeClr val="accent1">
+        <a:tint val="60000"/>
+      </a:schemeClr>
+    </dgm:fillClrLst>
+    <dgm:linClrLst meth="repeat">
+      <a:schemeClr val="accent1">
+        <a:tint val="60000"/>
+      </a:schemeClr>
+    </dgm:linClrLst>
+    <dgm:effectClrLst/>
+    <dgm:txLinClrLst/>
+    <dgm:txFillClrLst/>
+    <dgm:txEffectClrLst/>
+  </dgm:styleLbl>
+  <dgm:styleLbl name="bgSibTrans2D1">
+    <dgm:fillClrLst meth="repeat">
+      <a:schemeClr val="accent1">
+        <a:tint val="60000"/>
+      </a:schemeClr>
+    </dgm:fillClrLst>
+    <dgm:linClrLst meth="repeat">
+      <a:schemeClr val="accent1">
+        <a:tint val="60000"/>
+      </a:schemeClr>
+    </dgm:linClrLst>
+    <dgm:effectClrLst/>
+    <dgm:txLinClrLst/>
+    <dgm:txFillClrLst/>
+    <dgm:txEffectClrLst/>
+  </dgm:styleLbl>
+  <dgm:styleLbl name="sibTrans1D1">
+    <dgm:fillClrLst meth="repeat">
+      <a:schemeClr val="accent1"/>
+    </dgm:fillClrLst>
+    <dgm:linClrLst meth="repeat">
+      <a:schemeClr val="accent1"/>
+    </dgm:linClrLst>
+    <dgm:effectClrLst/>
+    <dgm:txLinClrLst/>
+    <dgm:txFillClrLst meth="repeat">
+      <a:schemeClr val="tx1"/>
+    </dgm:txFillClrLst>
+    <dgm:txEffectClrLst/>
+  </dgm:styleLbl>
+  <dgm:styleLbl name="callout">
+    <dgm:fillClrLst meth="repeat">
+      <a:schemeClr val="accent1"/>
+    </dgm:fillClrLst>
+    <dgm:linClrLst meth="repeat">
+      <a:schemeClr val="accent1">
+        <a:tint val="50000"/>
+      </a:schemeClr>
+    </dgm:linClrLst>
+    <dgm:effectClrLst/>
+    <dgm:txLinClrLst/>
+    <dgm:txFillClrLst meth="repeat">
+      <a:schemeClr val="tx1"/>
+    </dgm:txFillClrLst>
+    <dgm:txEffectClrLst/>
+  </dgm:styleLbl>
+  <dgm:styleLbl name="asst0">
+    <dgm:fillClrLst meth="repeat">
+      <a:schemeClr val="accent1"/>
+    </dgm:fillClrLst>
+    <dgm:linClrLst meth="repeat">
+      <a:schemeClr val="lt1"/>
+    </dgm:linClrLst>
+    <dgm:effectClrLst/>
+    <dgm:txLinClrLst/>
+    <dgm:txFillClrLst/>
+    <dgm:txEffectClrLst/>
+  </dgm:styleLbl>
+  <dgm:styleLbl name="asst1">
+    <dgm:fillClrLst meth="repeat">
+      <a:schemeClr val="accent1"/>
+    </dgm:fillClrLst>
+    <dgm:linClrLst meth="repeat">
+      <a:schemeClr val="lt1"/>
+    </dgm:linClrLst>
+    <dgm:effectClrLst/>
+    <dgm:txLinClrLst/>
+    <dgm:txFillClrLst/>
+    <dgm:txEffectClrLst/>
+  </dgm:styleLbl>
+  <dgm:styleLbl name="asst2">
+    <dgm:fillClrLst meth="repeat">
+      <a:schemeClr val="accent1"/>
+    </dgm:fillClrLst>
+    <dgm:linClrLst meth="repeat">
+      <a:schemeClr val="lt1"/>
+    </dgm:linClrLst>
+    <dgm:effectClrLst/>
+    <dgm:txLinClrLst/>
+    <dgm:txFillClrLst/>
+    <dgm:txEffectClrLst/>
+  </dgm:styleLbl>
+  <dgm:styleLbl name="asst3">
+    <dgm:fillClrLst meth="repeat">
+      <a:schemeClr val="accent1"/>
+    </dgm:fillClrLst>
+    <dgm:linClrLst meth="repeat">
+      <a:schemeClr val="lt1"/>
+    </dgm:linClrLst>
+    <dgm:effectClrLst/>
+    <dgm:txLinClrLst/>
+    <dgm:txFillClrLst/>
+    <dgm:txEffectClrLst/>
+  </dgm:styleLbl>
+  <dgm:styleLbl name="asst4">
+    <dgm:fillClrLst meth="repeat">
+      <a:schemeClr val="accent1"/>
+    </dgm:fillClrLst>
+    <dgm:linClrLst meth="repeat">
+      <a:schemeClr val="lt1"/>
+    </dgm:linClrLst>
+    <dgm:effectClrLst/>
+    <dgm:txLinClrLst/>
+    <dgm:txFillClrLst/>
+    <dgm:txEffectClrLst/>
+  </dgm:styleLbl>
+  <dgm:styleLbl name="parChTrans2D1">
+    <dgm:fillClrLst meth="repeat">
+      <a:schemeClr val="accent1">
+        <a:tint val="60000"/>
+      </a:schemeClr>
+    </dgm:fillClrLst>
+    <dgm:linClrLst meth="repeat">
+      <a:schemeClr val="accent1">
+        <a:tint val="60000"/>
+      </a:schemeClr>
+    </dgm:linClrLst>
+    <dgm:effectClrLst/>
+    <dgm:txLinClrLst/>
+    <dgm:txFillClrLst meth="repeat">
+      <a:schemeClr val="lt1"/>
+    </dgm:txFillClrLst>
+    <dgm:txEffectClrLst/>
+  </dgm:styleLbl>
+  <dgm:styleLbl name="parChTrans2D2">
+    <dgm:fillClrLst meth="repeat">
+      <a:schemeClr val="accent1"/>
+    </dgm:fillClrLst>
+    <dgm:linClrLst meth="repeat">
+      <a:schemeClr val="accent1"/>
+    </dgm:linClrLst>
+    <dgm:effectClrLst/>
+    <dgm:txLinClrLst/>
+    <dgm:txFillClrLst meth="repeat">
+      <a:schemeClr val="lt1"/>
+    </dgm:txFillClrLst>
+    <dgm:txEffectClrLst/>
+  </dgm:styleLbl>
+  <dgm:styleLbl name="parChTrans2D3">
+    <dgm:fillClrLst meth="repeat">
+      <a:schemeClr val="accent1"/>
+    </dgm:fillClrLst>
+    <dgm:linClrLst meth="repeat">
+      <a:schemeClr val="accent1"/>
+    </dgm:linClrLst>
+    <dgm:effectClrLst/>
+    <dgm:txLinClrLst/>
+    <dgm:txFillClrLst meth="repeat">
+      <a:schemeClr val="lt1"/>
+    </dgm:txFillClrLst>
+    <dgm:txEffectClrLst/>
+  </dgm:styleLbl>
+  <dgm:styleLbl name="parChTrans2D4">
+    <dgm:fillClrLst meth="repeat">
+      <a:schemeClr val="accent1"/>
+    </dgm:fillClrLst>
+    <dgm:linClrLst meth="repeat">
+      <a:schemeClr val="accent1"/>
+    </dgm:linClrLst>
+    <dgm:effectClrLst/>
+    <dgm:txLinClrLst/>
+    <dgm:txFillClrLst meth="repeat">
+      <a:schemeClr val="lt1"/>
+    </dgm:txFillClrLst>
+    <dgm:txEffectClrLst/>
+  </dgm:styleLbl>
+  <dgm:styleLbl name="parChTrans1D1">
+    <dgm:fillClrLst meth="repeat">
+      <a:schemeClr val="accent1"/>
+    </dgm:fillClrLst>
+    <dgm:linClrLst meth="repeat">
+      <a:schemeClr val="accent1">
+        <a:shade val="60000"/>
+      </a:schemeClr>
+    </dgm:linClrLst>
+    <dgm:effectClrLst/>
+    <dgm:txLinClrLst/>
+    <dgm:txFillClrLst meth="repeat">
+      <a:schemeClr val="tx1"/>
+    </dgm:txFillClrLst>
+    <dgm:txEffectClrLst/>
+  </dgm:styleLbl>
+  <dgm:styleLbl name="parChTrans1D2">
+    <dgm:fillClrLst meth="repeat">
+      <a:schemeClr val="accent1"/>
+    </dgm:fillClrLst>
+    <dgm:linClrLst meth="repeat">
+      <a:schemeClr val="accent1">
+        <a:shade val="60000"/>
+      </a:schemeClr>
+    </dgm:linClrLst>
+    <dgm:effectClrLst/>
+    <dgm:txLinClrLst/>
+    <dgm:txFillClrLst meth="repeat">
+      <a:schemeClr val="tx1"/>
+    </dgm:txFillClrLst>
+    <dgm:txEffectClrLst/>
+  </dgm:styleLbl>
+  <dgm:styleLbl name="parChTrans1D3">
+    <dgm:fillClrLst meth="repeat">
+      <a:schemeClr val="accent1"/>
+    </dgm:fillClrLst>
+    <dgm:linClrLst meth="repeat">
+      <a:schemeClr val="accent1">
+        <a:shade val="80000"/>
+      </a:schemeClr>
+    </dgm:linClrLst>
+    <dgm:effectClrLst/>
+    <dgm:txLinClrLst/>
+    <dgm:txFillClrLst meth="repeat">
+      <a:schemeClr val="tx1"/>
+    </dgm:txFillClrLst>
+    <dgm:txEffectClrLst/>
+  </dgm:styleLbl>
+  <dgm:styleLbl name="parChTrans1D4">
+    <dgm:fillClrLst meth="repeat">
+      <a:schemeClr val="accent1"/>
+    </dgm:fillClrLst>
+    <dgm:linClrLst meth="repeat">
+      <a:schemeClr val="accent1">
+        <a:shade val="80000"/>
+      </a:schemeClr>
+    </dgm:linClrLst>
+    <dgm:effectClrLst/>
+    <dgm:txLinClrLst/>
+    <dgm:txFillClrLst meth="repeat">
+      <a:schemeClr val="tx1"/>
+    </dgm:txFillClrLst>
+    <dgm:txEffectClrLst/>
+  </dgm:styleLbl>
+  <dgm:styleLbl name="fgAcc1">
+    <dgm:fillClrLst meth="repeat">
+      <a:schemeClr val="lt1">
+        <a:alpha val="90000"/>
+      </a:schemeClr>
+    </dgm:fillClrLst>
+    <dgm:linClrLst meth="repeat">
+      <a:schemeClr val="accent1"/>
+    </dgm:linClrLst>
+    <dgm:effectClrLst/>
+    <dgm:txLinClrLst/>
+    <dgm:txFillClrLst meth="repeat">
+      <a:schemeClr val="dk1"/>
+    </dgm:txFillClrLst>
+    <dgm:txEffectClrLst/>
+  </dgm:styleLbl>
+  <dgm:styleLbl name="conFgAcc1">
+    <dgm:fillClrLst meth="repeat">
+      <a:schemeClr val="lt1">
+        <a:alpha val="90000"/>
+      </a:schemeClr>
+    </dgm:fillClrLst>
+    <dgm:linClrLst meth="repeat">
+      <a:schemeClr val="accent1"/>
+    </dgm:linClrLst>
+    <dgm:effectClrLst/>
+    <dgm:txLinClrLst/>
+    <dgm:txFillClrLst meth="repeat">
+      <a:schemeClr val="dk1"/>
+    </dgm:txFillClrLst>
+    <dgm:txEffectClrLst/>
+  </dgm:styleLbl>
+  <dgm:styleLbl name="alignAcc1">
+    <dgm:fillClrLst meth="repeat">
+      <a:schemeClr val="lt1">
+        <a:alpha val="90000"/>
+      </a:schemeClr>
+    </dgm:fillClrLst>
+    <dgm:linClrLst meth="repeat">
+      <a:schemeClr val="accent1"/>
+    </dgm:linClrLst>
+    <dgm:effectClrLst/>
+    <dgm:txLinClrLst/>
+    <dgm:txFillClrLst meth="repeat">
+      <a:schemeClr val="dk1"/>
+    </dgm:txFillClrLst>
+    <dgm:txEffectClrLst/>
+  </dgm:styleLbl>
+  <dgm:styleLbl name="trAlignAcc1">
+    <dgm:fillClrLst meth="repeat">
+      <a:schemeClr val="lt1">
+        <a:alpha val="40000"/>
+      </a:schemeClr>
+    </dgm:fillClrLst>
+    <dgm:linClrLst meth="repeat">
+      <a:schemeClr val="accent1"/>
+    </dgm:linClrLst>
+    <dgm:effectClrLst/>
+    <dgm:txLinClrLst/>
+    <dgm:txFillClrLst meth="repeat">
+      <a:schemeClr val="dk1"/>
+    </dgm:txFillClrLst>
+    <dgm:txEffectClrLst/>
+  </dgm:styleLbl>
+  <dgm:styleLbl name="bgAcc1">
+    <dgm:fillClrLst meth="repeat">
+      <a:schemeClr val="lt1">
+        <a:alpha val="90000"/>
+      </a:schemeClr>
+    </dgm:fillClrLst>
+    <dgm:linClrLst meth="repeat">
+      <a:schemeClr val="accent1"/>
+    </dgm:linClrLst>
+    <dgm:effectClrLst/>
+    <dgm:txLinClrLst/>
+    <dgm:txFillClrLst meth="repeat">
+      <a:schemeClr val="dk1"/>
+    </dgm:txFillClrLst>
+    <dgm:txEffectClrLst/>
+  </dgm:styleLbl>
+  <dgm:styleLbl name="solidFgAcc1">
+    <dgm:fillClrLst meth="repeat">
+      <a:schemeClr val="lt1"/>
+    </dgm:fillClrLst>
+    <dgm:linClrLst meth="repeat">
+      <a:schemeClr val="accent1"/>
+    </dgm:linClrLst>
+    <dgm:effectClrLst/>
+    <dgm:txLinClrLst/>
+    <dgm:txFillClrLst meth="repeat">
+      <a:schemeClr val="dk1"/>
+    </dgm:txFillClrLst>
+    <dgm:txEffectClrLst/>
+  </dgm:styleLbl>
+  <dgm:styleLbl name="solidAlignAcc1">
+    <dgm:fillClrLst meth="repeat">
+      <a:schemeClr val="lt1"/>
+    </dgm:fillClrLst>
+    <dgm:linClrLst meth="repeat">
+      <a:schemeClr val="accent1"/>
+    </dgm:linClrLst>
+    <dgm:effectClrLst/>
+    <dgm:txLinClrLst/>
+    <dgm:txFillClrLst meth="repeat">
+      <a:schemeClr val="dk1"/>
+    </dgm:txFillClrLst>
+    <dgm:txEffectClrLst/>
+  </dgm:styleLbl>
+  <dgm:styleLbl name="solidBgAcc1">
+    <dgm:fillClrLst meth="repeat">
+      <a:schemeClr val="lt1"/>
+    </dgm:fillClrLst>
+    <dgm:linClrLst meth="repeat">
+      <a:schemeClr val="accent1"/>
+    </dgm:linClrLst>
+    <dgm:effectClrLst/>
+    <dgm:txLinClrLst/>
+    <dgm:txFillClrLst meth="repeat">
+      <a:schemeClr val="dk1"/>
+    </dgm:txFillClrLst>
+    <dgm:txEffectClrLst/>
+  </dgm:styleLbl>
+  <dgm:styleLbl name="fgAccFollowNode1">
+    <dgm:fillClrLst meth="repeat">
+      <a:schemeClr val="accent1">
+        <a:alpha val="90000"/>
+        <a:tint val="40000"/>
+      </a:schemeClr>
+    </dgm:fillClrLst>
+    <dgm:linClrLst meth="repeat">
+      <a:schemeClr val="accent1">
+        <a:alpha val="90000"/>
+        <a:tint val="40000"/>
+      </a:schemeClr>
+    </dgm:linClrLst>
+    <dgm:effectClrLst/>
+    <dgm:txLinClrLst/>
+    <dgm:txFillClrLst meth="repeat">
+      <a:schemeClr val="dk1"/>
+    </dgm:txFillClrLst>
+    <dgm:txEffectClrLst/>
+  </dgm:styleLbl>
+  <dgm:styleLbl name="alignAccFollowNode1">
+    <dgm:fillClrLst meth="repeat">
+      <a:schemeClr val="accent1">
+        <a:alpha val="90000"/>
+        <a:tint val="40000"/>
+      </a:schemeClr>
+    </dgm:fillClrLst>
+    <dgm:linClrLst meth="repeat">
+      <a:schemeClr val="accent1">
+        <a:alpha val="90000"/>
+        <a:tint val="40000"/>
+      </a:schemeClr>
+    </dgm:linClrLst>
+    <dgm:effectClrLst/>
+    <dgm:txLinClrLst/>
+    <dgm:txFillClrLst meth="repeat">
+      <a:schemeClr val="dk1"/>
+    </dgm:txFillClrLst>
+    <dgm:txEffectClrLst/>
+  </dgm:styleLbl>
+  <dgm:styleLbl name="bgAccFollowNode1">
+    <dgm:fillClrLst meth="repeat">
+      <a:schemeClr val="accent1">
+        <a:alpha val="90000"/>
+        <a:tint val="40000"/>
+      </a:schemeClr>
+    </dgm:fillClrLst>
+    <dgm:linClrLst meth="repeat">
+      <a:schemeClr val="accent1">
+        <a:alpha val="90000"/>
+        <a:tint val="40000"/>
+      </a:schemeClr>
+    </dgm:linClrLst>
+    <dgm:effectClrLst/>
+    <dgm:txLinClrLst/>
+    <dgm:txFillClrLst meth="repeat">
+      <a:schemeClr val="dk1"/>
+    </dgm:txFillClrLst>
+    <dgm:txEffectClrLst/>
+  </dgm:styleLbl>
+  <dgm:styleLbl name="fgAcc0">
+    <dgm:fillClrLst meth="repeat">
+      <a:schemeClr val="lt1">
+        <a:alpha val="90000"/>
+      </a:schemeClr>
+    </dgm:fillClrLst>
+    <dgm:linClrLst meth="repeat">
+      <a:schemeClr val="accent1"/>
+    </dgm:linClrLst>
+    <dgm:effectClrLst/>
+    <dgm:txLinClrLst/>
+    <dgm:txFillClrLst meth="repeat">
+      <a:schemeClr val="dk1"/>
+    </dgm:txFillClrLst>
+    <dgm:txEffectClrLst/>
+  </dgm:styleLbl>
+  <dgm:styleLbl name="fgAcc2">
+    <dgm:fillClrLst meth="repeat">
+      <a:schemeClr val="lt1">
+        <a:alpha val="90000"/>
+      </a:schemeClr>
+    </dgm:fillClrLst>
+    <dgm:linClrLst meth="repeat">
+      <a:schemeClr val="accent1"/>
+    </dgm:linClrLst>
+    <dgm:effectClrLst/>
+    <dgm:txLinClrLst/>
+    <dgm:txFillClrLst meth="repeat">
+      <a:schemeClr val="dk1"/>
+    </dgm:txFillClrLst>
+    <dgm:txEffectClrLst/>
+  </dgm:styleLbl>
+  <dgm:styleLbl name="fgAcc3">
+    <dgm:fillClrLst meth="repeat">
+      <a:schemeClr val="lt1">
+        <a:alpha val="90000"/>
+      </a:schemeClr>
+    </dgm:fillClrLst>
+    <dgm:linClrLst meth="repeat">
+      <a:schemeClr val="accent1"/>
+    </dgm:linClrLst>
+    <dgm:effectClrLst/>
+    <dgm:txLinClrLst/>
+    <dgm:txFillClrLst meth="repeat">
+      <a:schemeClr val="dk1"/>
+    </dgm:txFillClrLst>
+    <dgm:txEffectClrLst/>
+  </dgm:styleLbl>
+  <dgm:styleLbl name="fgAcc4">
+    <dgm:fillClrLst meth="repeat">
+      <a:schemeClr val="lt1">
+        <a:alpha val="90000"/>
+      </a:schemeClr>
+    </dgm:fillClrLst>
+    <dgm:linClrLst meth="repeat">
+      <a:schemeClr val="accent1"/>
+    </dgm:linClrLst>
+    <dgm:effectClrLst/>
+    <dgm:txLinClrLst/>
+    <dgm:txFillClrLst meth="repeat">
+      <a:schemeClr val="dk1"/>
+    </dgm:txFillClrLst>
+    <dgm:txEffectClrLst/>
+  </dgm:styleLbl>
+  <dgm:styleLbl name="bgShp">
+    <dgm:fillClrLst meth="repeat">
+      <a:schemeClr val="accent1">
+        <a:tint val="40000"/>
+      </a:schemeClr>
+    </dgm:fillClrLst>
+    <dgm:linClrLst meth="repeat">
+      <a:schemeClr val="accent1"/>
+    </dgm:linClrLst>
+    <dgm:effectClrLst/>
+    <dgm:txLinClrLst/>
+    <dgm:txFillClrLst meth="repeat">
+      <a:schemeClr val="dk1"/>
+    </dgm:txFillClrLst>
+    <dgm:txEffectClrLst/>
+  </dgm:styleLbl>
+  <dgm:styleLbl name="dkBgShp">
+    <dgm:fillClrLst meth="repeat">
+      <a:schemeClr val="accent1">
+        <a:shade val="80000"/>
+      </a:schemeClr>
+    </dgm:fillClrLst>
+    <dgm:linClrLst meth="repeat">
+      <a:schemeClr val="accent1"/>
+    </dgm:linClrLst>
+    <dgm:effectClrLst/>
+    <dgm:txLinClrLst/>
+    <dgm:txFillClrLst meth="repeat">
+      <a:schemeClr val="lt1"/>
+    </dgm:txFillClrLst>
+    <dgm:txEffectClrLst/>
+  </dgm:styleLbl>
+  <dgm:styleLbl name="trBgShp">
+    <dgm:fillClrLst meth="repeat">
+      <a:schemeClr val="accent1">
+        <a:tint val="50000"/>
+        <a:alpha val="40000"/>
+      </a:schemeClr>
+    </dgm:fillClrLst>
+    <dgm:linClrLst meth="repeat">
+      <a:schemeClr val="accent1"/>
+    </dgm:linClrLst>
+    <dgm:effectClrLst/>
+    <dgm:txLinClrLst/>
+    <dgm:txFillClrLst meth="repeat">
+      <a:schemeClr val="lt1"/>
+    </dgm:txFillClrLst>
+    <dgm:txEffectClrLst/>
+  </dgm:styleLbl>
+  <dgm:styleLbl name="fgShp">
+    <dgm:fillClrLst meth="repeat">
+      <a:schemeClr val="accent1">
+        <a:tint val="60000"/>
+      </a:schemeClr>
+    </dgm:fillClrLst>
+    <dgm:linClrLst meth="repeat">
+      <a:schemeClr val="lt1"/>
+    </dgm:linClrLst>
+    <dgm:effectClrLst/>
+    <dgm:txLinClrLst/>
+    <dgm:txFillClrLst meth="repeat">
+      <a:schemeClr val="dk1"/>
+    </dgm:txFillClrLst>
+    <dgm:txEffectClrLst/>
+  </dgm:styleLbl>
+  <dgm:styleLbl name="revTx">
+    <dgm:fillClrLst meth="repeat">
+      <a:schemeClr val="lt1">
+        <a:alpha val="0"/>
+      </a:schemeClr>
+    </dgm:fillClrLst>
+    <dgm:linClrLst meth="repeat">
+      <a:schemeClr val="dk1">
+        <a:alpha val="0"/>
+      </a:schemeClr>
+    </dgm:linClrLst>
+    <dgm:effectClrLst/>
+    <dgm:txLinClrLst/>
+    <dgm:txFillClrLst meth="repeat">
+      <a:schemeClr val="tx1"/>
+    </dgm:txFillClrLst>
+    <dgm:txEffectClrLst/>
+  </dgm:styleLbl>
+</dgm:colorsDef>
+</file>
+
+<file path=ppt/diagrams/colors2.xml><?xml version="1.0" encoding="utf-8"?>
+<dgm:colorsDef xmlns:dgm="http://schemas.openxmlformats.org/drawingml/2006/diagram" xmlns:a="http://schemas.openxmlformats.org/drawingml/2006/main" uniqueId="urn:microsoft.com/office/officeart/2005/8/colors/accent1_2">
+  <dgm:title val=""/>
+  <dgm:desc val=""/>
+  <dgm:catLst>
+    <dgm:cat type="accent1" pri="11200"/>
+  </dgm:catLst>
+  <dgm:styleLbl name="node0">
+    <dgm:fillClrLst meth="repeat">
+      <a:schemeClr val="accent1"/>
+    </dgm:fillClrLst>
+    <dgm:linClrLst meth="repeat">
+      <a:schemeClr val="lt1"/>
+    </dgm:linClrLst>
+    <dgm:effectClrLst/>
+    <dgm:txLinClrLst/>
+    <dgm:txFillClrLst/>
+    <dgm:txEffectClrLst/>
+  </dgm:styleLbl>
+  <dgm:styleLbl name="alignNode1">
+    <dgm:fillClrLst meth="repeat">
+      <a:schemeClr val="accent1"/>
+    </dgm:fillClrLst>
+    <dgm:linClrLst meth="repeat">
+      <a:schemeClr val="accent1"/>
+    </dgm:linClrLst>
+    <dgm:effectClrLst/>
+    <dgm:txLinClrLst/>
+    <dgm:txFillClrLst/>
+    <dgm:txEffectClrLst/>
+  </dgm:styleLbl>
+  <dgm:styleLbl name="node1">
+    <dgm:fillClrLst meth="repeat">
+      <a:schemeClr val="accent1"/>
+    </dgm:fillClrLst>
+    <dgm:linClrLst meth="repeat">
+      <a:schemeClr val="lt1"/>
+    </dgm:linClrLst>
+    <dgm:effectClrLst/>
+    <dgm:txLinClrLst/>
+    <dgm:txFillClrLst/>
+    <dgm:txEffectClrLst/>
+  </dgm:styleLbl>
+  <dgm:styleLbl name="lnNode1">
+    <dgm:fillClrLst meth="repeat">
+      <a:schemeClr val="accent1"/>
+    </dgm:fillClrLst>
+    <dgm:linClrLst meth="repeat">
+      <a:schemeClr val="lt1"/>
+    </dgm:linClrLst>
+    <dgm:effectClrLst/>
+    <dgm:txLinClrLst/>
+    <dgm:txFillClrLst/>
+    <dgm:txEffectClrLst/>
+  </dgm:styleLbl>
+  <dgm:styleLbl name="vennNode1">
+    <dgm:fillClrLst meth="repeat">
+      <a:schemeClr val="accent1">
+        <a:alpha val="50000"/>
+      </a:schemeClr>
+    </dgm:fillClrLst>
+    <dgm:linClrLst meth="repeat">
+      <a:schemeClr val="lt1"/>
+    </dgm:linClrLst>
+    <dgm:effectClrLst/>
+    <dgm:txLinClrLst/>
+    <dgm:txFillClrLst/>
+    <dgm:txEffectClrLst/>
+  </dgm:styleLbl>
+  <dgm:styleLbl name="node2">
+    <dgm:fillClrLst meth="repeat">
+      <a:schemeClr val="accent1"/>
+    </dgm:fillClrLst>
+    <dgm:linClrLst meth="repeat">
+      <a:schemeClr val="lt1"/>
+    </dgm:linClrLst>
+    <dgm:effectClrLst/>
+    <dgm:txLinClrLst/>
+    <dgm:txFillClrLst/>
+    <dgm:txEffectClrLst/>
+  </dgm:styleLbl>
+  <dgm:styleLbl name="node3">
+    <dgm:fillClrLst meth="repeat">
+      <a:schemeClr val="accent1"/>
+    </dgm:fillClrLst>
+    <dgm:linClrLst meth="repeat">
+      <a:schemeClr val="lt1"/>
+    </dgm:linClrLst>
+    <dgm:effectClrLst/>
+    <dgm:txLinClrLst/>
+    <dgm:txFillClrLst/>
+    <dgm:txEffectClrLst/>
+  </dgm:styleLbl>
+  <dgm:styleLbl name="node4">
+    <dgm:fillClrLst meth="repeat">
+      <a:schemeClr val="accent1"/>
+    </dgm:fillClrLst>
+    <dgm:linClrLst meth="repeat">
+      <a:schemeClr val="lt1"/>
+    </dgm:linClrLst>
+    <dgm:effectClrLst/>
+    <dgm:txLinClrLst/>
+    <dgm:txFillClrLst/>
+    <dgm:txEffectClrLst/>
+  </dgm:styleLbl>
+  <dgm:styleLbl name="fgImgPlace1">
+    <dgm:fillClrLst meth="repeat">
+      <a:schemeClr val="accent1">
+        <a:tint val="50000"/>
+      </a:schemeClr>
+    </dgm:fillClrLst>
+    <dgm:linClrLst meth="repeat">
+      <a:schemeClr val="lt1"/>
+    </dgm:linClrLst>
+    <dgm:effectClrLst/>
+    <dgm:txLinClrLst/>
+    <dgm:txFillClrLst meth="repeat">
+      <a:schemeClr val="lt1"/>
+    </dgm:txFillClrLst>
+    <dgm:txEffectClrLst/>
+  </dgm:styleLbl>
+  <dgm:styleLbl name="alignImgPlace1">
+    <dgm:fillClrLst meth="repeat">
+      <a:schemeClr val="accent1">
+        <a:tint val="50000"/>
+      </a:schemeClr>
+    </dgm:fillClrLst>
+    <dgm:linClrLst meth="repeat">
+      <a:schemeClr val="lt1"/>
+    </dgm:linClrLst>
+    <dgm:effectClrLst/>
+    <dgm:txLinClrLst/>
+    <dgm:txFillClrLst meth="repeat">
+      <a:schemeClr val="lt1"/>
+    </dgm:txFillClrLst>
+    <dgm:txEffectClrLst/>
+  </dgm:styleLbl>
+  <dgm:styleLbl name="bgImgPlace1">
+    <dgm:fillClrLst meth="repeat">
+      <a:schemeClr val="accent1">
+        <a:tint val="50000"/>
+      </a:schemeClr>
+    </dgm:fillClrLst>
+    <dgm:linClrLst meth="repeat">
+      <a:schemeClr val="lt1"/>
+    </dgm:linClrLst>
+    <dgm:effectClrLst/>
+    <dgm:txLinClrLst/>
+    <dgm:txFillClrLst meth="repeat">
+      <a:schemeClr val="lt1"/>
+    </dgm:txFillClrLst>
+    <dgm:txEffectClrLst/>
+  </dgm:styleLbl>
+  <dgm:styleLbl name="sibTrans2D1">
+    <dgm:fillClrLst meth="repeat">
+      <a:schemeClr val="accent1">
+        <a:tint val="60000"/>
+      </a:schemeClr>
+    </dgm:fillClrLst>
+    <dgm:linClrLst meth="repeat">
+      <a:schemeClr val="accent1">
+        <a:tint val="60000"/>
+      </a:schemeClr>
+    </dgm:linClrLst>
+    <dgm:effectClrLst/>
+    <dgm:txLinClrLst/>
+    <dgm:txFillClrLst/>
+    <dgm:txEffectClrLst/>
+  </dgm:styleLbl>
+  <dgm:styleLbl name="fgSibTrans2D1">
+    <dgm:fillClrLst meth="repeat">
+      <a:schemeClr val="accent1">
+        <a:tint val="60000"/>
+      </a:schemeClr>
+    </dgm:fillClrLst>
+    <dgm:linClrLst meth="repeat">
+      <a:schemeClr val="accent1">
+        <a:tint val="60000"/>
+      </a:schemeClr>
+    </dgm:linClrLst>
+    <dgm:effectClrLst/>
+    <dgm:txLinClrLst/>
+    <dgm:txFillClrLst/>
+    <dgm:txEffectClrLst/>
+  </dgm:styleLbl>
+  <dgm:styleLbl name="bgSibTrans2D1">
+    <dgm:fillClrLst meth="repeat">
+      <a:schemeClr val="accent1">
+        <a:tint val="60000"/>
+      </a:schemeClr>
+    </dgm:fillClrLst>
+    <dgm:linClrLst meth="repeat">
+      <a:schemeClr val="accent1">
+        <a:tint val="60000"/>
+      </a:schemeClr>
+    </dgm:linClrLst>
+    <dgm:effectClrLst/>
+    <dgm:txLinClrLst/>
+    <dgm:txFillClrLst/>
+    <dgm:txEffectClrLst/>
+  </dgm:styleLbl>
+  <dgm:styleLbl name="sibTrans1D1">
+    <dgm:fillClrLst meth="repeat">
+      <a:schemeClr val="accent1"/>
+    </dgm:fillClrLst>
+    <dgm:linClrLst meth="repeat">
+      <a:schemeClr val="accent1"/>
+    </dgm:linClrLst>
+    <dgm:effectClrLst/>
+    <dgm:txLinClrLst/>
+    <dgm:txFillClrLst meth="repeat">
+      <a:schemeClr val="tx1"/>
+    </dgm:txFillClrLst>
+    <dgm:txEffectClrLst/>
+  </dgm:styleLbl>
+  <dgm:styleLbl name="callout">
+    <dgm:fillClrLst meth="repeat">
+      <a:schemeClr val="accent1"/>
+    </dgm:fillClrLst>
+    <dgm:linClrLst meth="repeat">
+      <a:schemeClr val="accent1">
+        <a:tint val="50000"/>
+      </a:schemeClr>
+    </dgm:linClrLst>
+    <dgm:effectClrLst/>
+    <dgm:txLinClrLst/>
+    <dgm:txFillClrLst meth="repeat">
+      <a:schemeClr val="tx1"/>
+    </dgm:txFillClrLst>
+    <dgm:txEffectClrLst/>
+  </dgm:styleLbl>
+  <dgm:styleLbl name="asst0">
+    <dgm:fillClrLst meth="repeat">
+      <a:schemeClr val="accent1"/>
+    </dgm:fillClrLst>
+    <dgm:linClrLst meth="repeat">
+      <a:schemeClr val="lt1"/>
+    </dgm:linClrLst>
+    <dgm:effectClrLst/>
+    <dgm:txLinClrLst/>
+    <dgm:txFillClrLst/>
+    <dgm:txEffectClrLst/>
+  </dgm:styleLbl>
+  <dgm:styleLbl name="asst1">
+    <dgm:fillClrLst meth="repeat">
+      <a:schemeClr val="accent1"/>
+    </dgm:fillClrLst>
+    <dgm:linClrLst meth="repeat">
+      <a:schemeClr val="lt1"/>
+    </dgm:linClrLst>
+    <dgm:effectClrLst/>
+    <dgm:txLinClrLst/>
+    <dgm:txFillClrLst/>
+    <dgm:txEffectClrLst/>
+  </dgm:styleLbl>
+  <dgm:styleLbl name="asst2">
+    <dgm:fillClrLst meth="repeat">
+      <a:schemeClr val="accent1"/>
+    </dgm:fillClrLst>
+    <dgm:linClrLst meth="repeat">
+      <a:schemeClr val="lt1"/>
+    </dgm:linClrLst>
+    <dgm:effectClrLst/>
+    <dgm:txLinClrLst/>
+    <dgm:txFillClrLst/>
+    <dgm:txEffectClrLst/>
+  </dgm:styleLbl>
+  <dgm:styleLbl name="asst3">
+    <dgm:fillClrLst meth="repeat">
+      <a:schemeClr val="accent1"/>
+    </dgm:fillClrLst>
+    <dgm:linClrLst meth="repeat">
+      <a:schemeClr val="lt1"/>
+    </dgm:linClrLst>
+    <dgm:effectClrLst/>
+    <dgm:txLinClrLst/>
+    <dgm:txFillClrLst/>
+    <dgm:txEffectClrLst/>
+  </dgm:styleLbl>
+  <dgm:styleLbl name="asst4">
+    <dgm:fillClrLst meth="repeat">
+      <a:schemeClr val="accent1"/>
+    </dgm:fillClrLst>
+    <dgm:linClrLst meth="repeat">
+      <a:schemeClr val="lt1"/>
+    </dgm:linClrLst>
+    <dgm:effectClrLst/>
+    <dgm:txLinClrLst/>
+    <dgm:txFillClrLst/>
+    <dgm:txEffectClrLst/>
+  </dgm:styleLbl>
+  <dgm:styleLbl name="parChTrans2D1">
+    <dgm:fillClrLst meth="repeat">
+      <a:schemeClr val="accent1">
+        <a:tint val="60000"/>
+      </a:schemeClr>
+    </dgm:fillClrLst>
+    <dgm:linClrLst meth="repeat">
+      <a:schemeClr val="accent1">
+        <a:tint val="60000"/>
+      </a:schemeClr>
+    </dgm:linClrLst>
+    <dgm:effectClrLst/>
+    <dgm:txLinClrLst/>
+    <dgm:txFillClrLst meth="repeat">
+      <a:schemeClr val="lt1"/>
+    </dgm:txFillClrLst>
+    <dgm:txEffectClrLst/>
+  </dgm:styleLbl>
+  <dgm:styleLbl name="parChTrans2D2">
+    <dgm:fillClrLst meth="repeat">
+      <a:schemeClr val="accent1"/>
+    </dgm:fillClrLst>
+    <dgm:linClrLst meth="repeat">
+      <a:schemeClr val="accent1"/>
+    </dgm:linClrLst>
+    <dgm:effectClrLst/>
+    <dgm:txLinClrLst/>
+    <dgm:txFillClrLst meth="repeat">
+      <a:schemeClr val="lt1"/>
+    </dgm:txFillClrLst>
+    <dgm:txEffectClrLst/>
+  </dgm:styleLbl>
+  <dgm:styleLbl name="parChTrans2D3">
+    <dgm:fillClrLst meth="repeat">
+      <a:schemeClr val="accent1"/>
+    </dgm:fillClrLst>
+    <dgm:linClrLst meth="repeat">
+      <a:schemeClr val="accent1"/>
+    </dgm:linClrLst>
+    <dgm:effectClrLst/>
+    <dgm:txLinClrLst/>
+    <dgm:txFillClrLst meth="repeat">
+      <a:schemeClr val="lt1"/>
+    </dgm:txFillClrLst>
+    <dgm:txEffectClrLst/>
+  </dgm:styleLbl>
+  <dgm:styleLbl name="parChTrans2D4">
+    <dgm:fillClrLst meth="repeat">
+      <a:schemeClr val="accent1"/>
+    </dgm:fillClrLst>
+    <dgm:linClrLst meth="repeat">
+      <a:schemeClr val="accent1"/>
+    </dgm:linClrLst>
+    <dgm:effectClrLst/>
+    <dgm:txLinClrLst/>
+    <dgm:txFillClrLst meth="repeat">
+      <a:schemeClr val="lt1"/>
+    </dgm:txFillClrLst>
+    <dgm:txEffectClrLst/>
+  </dgm:styleLbl>
+  <dgm:styleLbl name="parChTrans1D1">
+    <dgm:fillClrLst meth="repeat">
+      <a:schemeClr val="accent1"/>
+    </dgm:fillClrLst>
+    <dgm:linClrLst meth="repeat">
+      <a:schemeClr val="accent1">
+        <a:shade val="60000"/>
+      </a:schemeClr>
+    </dgm:linClrLst>
+    <dgm:effectClrLst/>
+    <dgm:txLinClrLst/>
+    <dgm:txFillClrLst meth="repeat">
+      <a:schemeClr val="tx1"/>
+    </dgm:txFillClrLst>
+    <dgm:txEffectClrLst/>
+  </dgm:styleLbl>
+  <dgm:styleLbl name="parChTrans1D2">
+    <dgm:fillClrLst meth="repeat">
+      <a:schemeClr val="accent1"/>
+    </dgm:fillClrLst>
+    <dgm:linClrLst meth="repeat">
+      <a:schemeClr val="accent1">
+        <a:shade val="60000"/>
+      </a:schemeClr>
+    </dgm:linClrLst>
+    <dgm:effectClrLst/>
+    <dgm:txLinClrLst/>
+    <dgm:txFillClrLst meth="repeat">
+      <a:schemeClr val="tx1"/>
+    </dgm:txFillClrLst>
+    <dgm:txEffectClrLst/>
+  </dgm:styleLbl>
+  <dgm:styleLbl name="parChTrans1D3">
+    <dgm:fillClrLst meth="repeat">
+      <a:schemeClr val="accent1"/>
+    </dgm:fillClrLst>
+    <dgm:linClrLst meth="repeat">
+      <a:schemeClr val="accent1">
+        <a:shade val="80000"/>
+      </a:schemeClr>
+    </dgm:linClrLst>
+    <dgm:effectClrLst/>
+    <dgm:txLinClrLst/>
+    <dgm:txFillClrLst meth="repeat">
+      <a:schemeClr val="tx1"/>
+    </dgm:txFillClrLst>
+    <dgm:txEffectClrLst/>
+  </dgm:styleLbl>
+  <dgm:styleLbl name="parChTrans1D4">
+    <dgm:fillClrLst meth="repeat">
+      <a:schemeClr val="accent1"/>
+    </dgm:fillClrLst>
+    <dgm:linClrLst meth="repeat">
+      <a:schemeClr val="accent1">
+        <a:shade val="80000"/>
+      </a:schemeClr>
+    </dgm:linClrLst>
+    <dgm:effectClrLst/>
+    <dgm:txLinClrLst/>
+    <dgm:txFillClrLst meth="repeat">
+      <a:schemeClr val="tx1"/>
+    </dgm:txFillClrLst>
+    <dgm:txEffectClrLst/>
+  </dgm:styleLbl>
+  <dgm:styleLbl name="fgAcc1">
+    <dgm:fillClrLst meth="repeat">
+      <a:schemeClr val="lt1">
+        <a:alpha val="90000"/>
+      </a:schemeClr>
+    </dgm:fillClrLst>
+    <dgm:linClrLst meth="repeat">
+      <a:schemeClr val="accent1"/>
+    </dgm:linClrLst>
+    <dgm:effectClrLst/>
+    <dgm:txLinClrLst/>
+    <dgm:txFillClrLst meth="repeat">
+      <a:schemeClr val="dk1"/>
+    </dgm:txFillClrLst>
+    <dgm:txEffectClrLst/>
+  </dgm:styleLbl>
+  <dgm:styleLbl name="conFgAcc1">
+    <dgm:fillClrLst meth="repeat">
+      <a:schemeClr val="lt1">
+        <a:alpha val="90000"/>
+      </a:schemeClr>
+    </dgm:fillClrLst>
+    <dgm:linClrLst meth="repeat">
+      <a:schemeClr val="accent1"/>
+    </dgm:linClrLst>
+    <dgm:effectClrLst/>
+    <dgm:txLinClrLst/>
+    <dgm:txFillClrLst meth="repeat">
+      <a:schemeClr val="dk1"/>
+    </dgm:txFillClrLst>
+    <dgm:txEffectClrLst/>
+  </dgm:styleLbl>
+  <dgm:styleLbl name="alignAcc1">
+    <dgm:fillClrLst meth="repeat">
+      <a:schemeClr val="lt1">
+        <a:alpha val="90000"/>
+      </a:schemeClr>
+    </dgm:fillClrLst>
+    <dgm:linClrLst meth="repeat">
+      <a:schemeClr val="accent1"/>
+    </dgm:linClrLst>
+    <dgm:effectClrLst/>
+    <dgm:txLinClrLst/>
+    <dgm:txFillClrLst meth="repeat">
+      <a:schemeClr val="dk1"/>
+    </dgm:txFillClrLst>
+    <dgm:txEffectClrLst/>
+  </dgm:styleLbl>
+  <dgm:styleLbl name="trAlignAcc1">
+    <dgm:fillClrLst meth="repeat">
+      <a:schemeClr val="lt1">
+        <a:alpha val="40000"/>
+      </a:schemeClr>
+    </dgm:fillClrLst>
+    <dgm:linClrLst meth="repeat">
+      <a:schemeClr val="accent1"/>
+    </dgm:linClrLst>
+    <dgm:effectClrLst/>
+    <dgm:txLinClrLst/>
+    <dgm:txFillClrLst meth="repeat">
+      <a:schemeClr val="dk1"/>
+    </dgm:txFillClrLst>
+    <dgm:txEffectClrLst/>
+  </dgm:styleLbl>
+  <dgm:styleLbl name="bgAcc1">
+    <dgm:fillClrLst meth="repeat">
+      <a:schemeClr val="lt1">
+        <a:alpha val="90000"/>
+      </a:schemeClr>
+    </dgm:fillClrLst>
+    <dgm:linClrLst meth="repeat">
+      <a:schemeClr val="accent1"/>
+    </dgm:linClrLst>
+    <dgm:effectClrLst/>
+    <dgm:txLinClrLst/>
+    <dgm:txFillClrLst meth="repeat">
+      <a:schemeClr val="dk1"/>
+    </dgm:txFillClrLst>
+    <dgm:txEffectClrLst/>
+  </dgm:styleLbl>
+  <dgm:styleLbl name="solidFgAcc1">
+    <dgm:fillClrLst meth="repeat">
+      <a:schemeClr val="lt1"/>
+    </dgm:fillClrLst>
+    <dgm:linClrLst meth="repeat">
+      <a:schemeClr val="accent1"/>
+    </dgm:linClrLst>
+    <dgm:effectClrLst/>
+    <dgm:txLinClrLst/>
+    <dgm:txFillClrLst meth="repeat">
+      <a:schemeClr val="dk1"/>
+    </dgm:txFillClrLst>
+    <dgm:txEffectClrLst/>
+  </dgm:styleLbl>
+  <dgm:styleLbl name="solidAlignAcc1">
+    <dgm:fillClrLst meth="repeat">
+      <a:schemeClr val="lt1"/>
+    </dgm:fillClrLst>
+    <dgm:linClrLst meth="repeat">
+      <a:schemeClr val="accent1"/>
+    </dgm:linClrLst>
+    <dgm:effectClrLst/>
+    <dgm:txLinClrLst/>
+    <dgm:txFillClrLst meth="repeat">
+      <a:schemeClr val="dk1"/>
+    </dgm:txFillClrLst>
+    <dgm:txEffectClrLst/>
+  </dgm:styleLbl>
+  <dgm:styleLbl name="solidBgAcc1">
+    <dgm:fillClrLst meth="repeat">
+      <a:schemeClr val="lt1"/>
+    </dgm:fillClrLst>
+    <dgm:linClrLst meth="repeat">
+      <a:schemeClr val="accent1"/>
+    </dgm:linClrLst>
+    <dgm:effectClrLst/>
+    <dgm:txLinClrLst/>
+    <dgm:txFillClrLst meth="repeat">
+      <a:schemeClr val="dk1"/>
+    </dgm:txFillClrLst>
+    <dgm:txEffectClrLst/>
+  </dgm:styleLbl>
+  <dgm:styleLbl name="fgAccFollowNode1">
+    <dgm:fillClrLst meth="repeat">
+      <a:schemeClr val="accent1">
+        <a:alpha val="90000"/>
+        <a:tint val="40000"/>
+      </a:schemeClr>
+    </dgm:fillClrLst>
+    <dgm:linClrLst meth="repeat">
+      <a:schemeClr val="accent1">
+        <a:alpha val="90000"/>
+        <a:tint val="40000"/>
+      </a:schemeClr>
+    </dgm:linClrLst>
+    <dgm:effectClrLst/>
+    <dgm:txLinClrLst/>
+    <dgm:txFillClrLst meth="repeat">
+      <a:schemeClr val="dk1"/>
+    </dgm:txFillClrLst>
+    <dgm:txEffectClrLst/>
+  </dgm:styleLbl>
+  <dgm:styleLbl name="alignAccFollowNode1">
+    <dgm:fillClrLst meth="repeat">
+      <a:schemeClr val="accent1">
+        <a:alpha val="90000"/>
+        <a:tint val="40000"/>
+      </a:schemeClr>
+    </dgm:fillClrLst>
+    <dgm:linClrLst meth="repeat">
+      <a:schemeClr val="accent1">
+        <a:alpha val="90000"/>
+        <a:tint val="40000"/>
+      </a:schemeClr>
+    </dgm:linClrLst>
+    <dgm:effectClrLst/>
+    <dgm:txLinClrLst/>
+    <dgm:txFillClrLst meth="repeat">
+      <a:schemeClr val="dk1"/>
+    </dgm:txFillClrLst>
+    <dgm:txEffectClrLst/>
+  </dgm:styleLbl>
+  <dgm:styleLbl name="bgAccFollowNode1">
+    <dgm:fillClrLst meth="repeat">
+      <a:schemeClr val="accent1">
+        <a:alpha val="90000"/>
+        <a:tint val="40000"/>
+      </a:schemeClr>
+    </dgm:fillClrLst>
+    <dgm:linClrLst meth="repeat">
+      <a:schemeClr val="accent1">
+        <a:alpha val="90000"/>
+        <a:tint val="40000"/>
+      </a:schemeClr>
+    </dgm:linClrLst>
+    <dgm:effectClrLst/>
+    <dgm:txLinClrLst/>
+    <dgm:txFillClrLst meth="repeat">
+      <a:schemeClr val="dk1"/>
+    </dgm:txFillClrLst>
+    <dgm:txEffectClrLst/>
+  </dgm:styleLbl>
+  <dgm:styleLbl name="fgAcc0">
+    <dgm:fillClrLst meth="repeat">
+      <a:schemeClr val="lt1">
+        <a:alpha val="90000"/>
+      </a:schemeClr>
+    </dgm:fillClrLst>
+    <dgm:linClrLst meth="repeat">
+      <a:schemeClr val="accent1"/>
+    </dgm:linClrLst>
+    <dgm:effectClrLst/>
+    <dgm:txLinClrLst/>
+    <dgm:txFillClrLst meth="repeat">
+      <a:schemeClr val="dk1"/>
+    </dgm:txFillClrLst>
+    <dgm:txEffectClrLst/>
+  </dgm:styleLbl>
+  <dgm:styleLbl name="fgAcc2">
+    <dgm:fillClrLst meth="repeat">
+      <a:schemeClr val="lt1">
+        <a:alpha val="90000"/>
+      </a:schemeClr>
+    </dgm:fillClrLst>
+    <dgm:linClrLst meth="repeat">
+      <a:schemeClr val="accent1"/>
+    </dgm:linClrLst>
+    <dgm:effectClrLst/>
+    <dgm:txLinClrLst/>
+    <dgm:txFillClrLst meth="repeat">
+      <a:schemeClr val="dk1"/>
+    </dgm:txFillClrLst>
+    <dgm:txEffectClrLst/>
+  </dgm:styleLbl>
+  <dgm:styleLbl name="fgAcc3">
+    <dgm:fillClrLst meth="repeat">
+      <a:schemeClr val="lt1">
+        <a:alpha val="90000"/>
+      </a:schemeClr>
+    </dgm:fillClrLst>
+    <dgm:linClrLst meth="repeat">
+      <a:schemeClr val="accent1"/>
+    </dgm:linClrLst>
+    <dgm:effectClrLst/>
+    <dgm:txLinClrLst/>
+    <dgm:txFillClrLst meth="repeat">
+      <a:schemeClr val="dk1"/>
+    </dgm:txFillClrLst>
+    <dgm:txEffectClrLst/>
+  </dgm:styleLbl>
+  <dgm:styleLbl name="fgAcc4">
+    <dgm:fillClrLst meth="repeat">
+      <a:schemeClr val="lt1">
+        <a:alpha val="90000"/>
+      </a:schemeClr>
+    </dgm:fillClrLst>
+    <dgm:linClrLst meth="repeat">
+      <a:schemeClr val="accent1"/>
+    </dgm:linClrLst>
+    <dgm:effectClrLst/>
+    <dgm:txLinClrLst/>
+    <dgm:txFillClrLst meth="repeat">
+      <a:schemeClr val="dk1"/>
+    </dgm:txFillClrLst>
+    <dgm:txEffectClrLst/>
+  </dgm:styleLbl>
+  <dgm:styleLbl name="bgShp">
+    <dgm:fillClrLst meth="repeat">
+      <a:schemeClr val="accent1">
+        <a:tint val="40000"/>
+      </a:schemeClr>
+    </dgm:fillClrLst>
+    <dgm:linClrLst meth="repeat">
+      <a:schemeClr val="accent1"/>
+    </dgm:linClrLst>
+    <dgm:effectClrLst/>
+    <dgm:txLinClrLst/>
+    <dgm:txFillClrLst meth="repeat">
+      <a:schemeClr val="dk1"/>
+    </dgm:txFillClrLst>
+    <dgm:txEffectClrLst/>
+  </dgm:styleLbl>
+  <dgm:styleLbl name="dkBgShp">
+    <dgm:fillClrLst meth="repeat">
+      <a:schemeClr val="accent1">
+        <a:shade val="80000"/>
+      </a:schemeClr>
+    </dgm:fillClrLst>
+    <dgm:linClrLst meth="repeat">
+      <a:schemeClr val="accent1"/>
+    </dgm:linClrLst>
+    <dgm:effectClrLst/>
+    <dgm:txLinClrLst/>
+    <dgm:txFillClrLst meth="repeat">
+      <a:schemeClr val="lt1"/>
+    </dgm:txFillClrLst>
+    <dgm:txEffectClrLst/>
+  </dgm:styleLbl>
+  <dgm:styleLbl name="trBgShp">
+    <dgm:fillClrLst meth="repeat">
+      <a:schemeClr val="accent1">
+        <a:tint val="50000"/>
+        <a:alpha val="40000"/>
+      </a:schemeClr>
+    </dgm:fillClrLst>
+    <dgm:linClrLst meth="repeat">
+      <a:schemeClr val="accent1"/>
+    </dgm:linClrLst>
+    <dgm:effectClrLst/>
+    <dgm:txLinClrLst/>
+    <dgm:txFillClrLst meth="repeat">
+      <a:schemeClr val="lt1"/>
+    </dgm:txFillClrLst>
+    <dgm:txEffectClrLst/>
+  </dgm:styleLbl>
+  <dgm:styleLbl name="fgShp">
+    <dgm:fillClrLst meth="repeat">
+      <a:schemeClr val="accent1">
+        <a:tint val="60000"/>
+      </a:schemeClr>
+    </dgm:fillClrLst>
+    <dgm:linClrLst meth="repeat">
+      <a:schemeClr val="lt1"/>
+    </dgm:linClrLst>
+    <dgm:effectClrLst/>
+    <dgm:txLinClrLst/>
+    <dgm:txFillClrLst meth="repeat">
+      <a:schemeClr val="dk1"/>
+    </dgm:txFillClrLst>
+    <dgm:txEffectClrLst/>
+  </dgm:styleLbl>
+  <dgm:styleLbl name="revTx">
+    <dgm:fillClrLst meth="repeat">
+      <a:schemeClr val="lt1">
+        <a:alpha val="0"/>
+      </a:schemeClr>
+    </dgm:fillClrLst>
+    <dgm:linClrLst meth="repeat">
+      <a:schemeClr val="dk1">
+        <a:alpha val="0"/>
+      </a:schemeClr>
+    </dgm:linClrLst>
+    <dgm:effectClrLst/>
+    <dgm:txLinClrLst/>
+    <dgm:txFillClrLst meth="repeat">
+      <a:schemeClr val="tx1"/>
+    </dgm:txFillClrLst>
+    <dgm:txEffectClrLst/>
+  </dgm:styleLbl>
+</dgm:colorsDef>
+</file>
+
+<file path=ppt/diagrams/colors3.xml><?xml version="1.0" encoding="utf-8"?>
 <dgm:colorsDef xmlns:dgm="http://schemas.openxmlformats.org/drawingml/2006/diagram" xmlns:a="http://schemas.openxmlformats.org/drawingml/2006/main" uniqueId="urn:microsoft.com/office/officeart/2005/8/colors/colorful2">
   <dgm:title val=""/>
   <dgm:desc val=""/>
@@ -3326,7 +4846,7 @@
 </dgm:colorsDef>
 </file>
 
-<file path=ppt/diagrams/colors2.xml><?xml version="1.0" encoding="utf-8"?>
+<file path=ppt/diagrams/colors4.xml><?xml version="1.0" encoding="utf-8"?>
 <dgm:colorsDef xmlns:dgm="http://schemas.openxmlformats.org/drawingml/2006/diagram" xmlns:a="http://schemas.openxmlformats.org/drawingml/2006/main" uniqueId="urn:microsoft.com/office/officeart/2018/5/colors/Iconchunking_neutralicontext_accent6_2">
   <dgm:title val=""/>
   <dgm:desc val=""/>
@@ -4076,6 +5596,718 @@
 </file>
 
 <file path=ppt/diagrams/data1.xml><?xml version="1.0" encoding="utf-8"?>
+<dgm:dataModel xmlns:dgm="http://schemas.openxmlformats.org/drawingml/2006/diagram" xmlns:a="http://schemas.openxmlformats.org/drawingml/2006/main">
+  <dgm:ptLst>
+    <dgm:pt modelId="{1CFE6C86-E0B3-4252-B200-F84F3AF947D4}" type="doc">
+      <dgm:prSet loTypeId="urn:microsoft.com/office/officeart/2005/8/layout/vList2" loCatId="list" qsTypeId="urn:microsoft.com/office/officeart/2005/8/quickstyle/simple1" qsCatId="simple" csTypeId="urn:microsoft.com/office/officeart/2005/8/colors/accent1_2" csCatId="accent1" phldr="1"/>
+      <dgm:spPr/>
+      <dgm:t>
+        <a:bodyPr/>
+        <a:lstStyle/>
+        <a:p>
+          <a:endParaRPr lang="en-US"/>
+        </a:p>
+      </dgm:t>
+    </dgm:pt>
+    <dgm:pt modelId="{638DBDAF-05ED-4F24-8454-93D3E79855D1}">
+      <dgm:prSet/>
+      <dgm:spPr>
+        <a:solidFill>
+          <a:srgbClr val="FFCD05"/>
+        </a:solidFill>
+      </dgm:spPr>
+      <dgm:t>
+        <a:bodyPr/>
+        <a:lstStyle/>
+        <a:p>
+          <a:r>
+            <a:rPr lang="en-US" b="1" dirty="0" err="1">
+              <a:solidFill>
+                <a:schemeClr val="tx1"/>
+              </a:solidFill>
+            </a:rPr>
+            <a:t>Contexto</a:t>
+          </a:r>
+          <a:endParaRPr lang="en-US" b="1" dirty="0">
+            <a:solidFill>
+              <a:schemeClr val="tx1"/>
+            </a:solidFill>
+          </a:endParaRPr>
+        </a:p>
+      </dgm:t>
+    </dgm:pt>
+    <dgm:pt modelId="{6C46A0B3-A6F2-48C2-83C2-AB397BFD6089}" type="parTrans" cxnId="{9E4E4466-799F-410D-8137-E80C2F8F0C7E}">
+      <dgm:prSet/>
+      <dgm:spPr/>
+      <dgm:t>
+        <a:bodyPr/>
+        <a:lstStyle/>
+        <a:p>
+          <a:endParaRPr lang="en-US"/>
+        </a:p>
+      </dgm:t>
+    </dgm:pt>
+    <dgm:pt modelId="{2A7981A2-96AF-4A99-82D6-91E671ABF946}" type="sibTrans" cxnId="{9E4E4466-799F-410D-8137-E80C2F8F0C7E}">
+      <dgm:prSet/>
+      <dgm:spPr/>
+      <dgm:t>
+        <a:bodyPr/>
+        <a:lstStyle/>
+        <a:p>
+          <a:endParaRPr lang="en-US"/>
+        </a:p>
+      </dgm:t>
+    </dgm:pt>
+    <dgm:pt modelId="{A6FC0686-9E2D-4F35-869B-4EE44B74EE2D}">
+      <dgm:prSet/>
+      <dgm:spPr>
+        <a:solidFill>
+          <a:srgbClr val="FFCD05"/>
+        </a:solidFill>
+      </dgm:spPr>
+      <dgm:t>
+        <a:bodyPr/>
+        <a:lstStyle/>
+        <a:p>
+          <a:r>
+            <a:rPr lang="pt-BR" b="1" dirty="0">
+              <a:solidFill>
+                <a:schemeClr val="tx1"/>
+              </a:solidFill>
+            </a:rPr>
+            <a:t>Satisfação por Tipo de Dispositivo</a:t>
+          </a:r>
+          <a:endParaRPr lang="en-US" dirty="0">
+            <a:solidFill>
+              <a:schemeClr val="tx1"/>
+            </a:solidFill>
+          </a:endParaRPr>
+        </a:p>
+      </dgm:t>
+    </dgm:pt>
+    <dgm:pt modelId="{6076E2B4-5BA6-412E-803A-AF36B9AA5BEB}" type="parTrans" cxnId="{545FE230-7CEA-43BA-835D-25F62F43F965}">
+      <dgm:prSet/>
+      <dgm:spPr/>
+      <dgm:t>
+        <a:bodyPr/>
+        <a:lstStyle/>
+        <a:p>
+          <a:endParaRPr lang="en-US"/>
+        </a:p>
+      </dgm:t>
+    </dgm:pt>
+    <dgm:pt modelId="{4417129E-FC0C-41EF-87ED-5229289FB270}" type="sibTrans" cxnId="{545FE230-7CEA-43BA-835D-25F62F43F965}">
+      <dgm:prSet/>
+      <dgm:spPr/>
+      <dgm:t>
+        <a:bodyPr/>
+        <a:lstStyle/>
+        <a:p>
+          <a:endParaRPr lang="en-US"/>
+        </a:p>
+      </dgm:t>
+    </dgm:pt>
+    <dgm:pt modelId="{D04BE1C1-09AF-4CB2-9695-2C585A33A393}">
+      <dgm:prSet/>
+      <dgm:spPr>
+        <a:solidFill>
+          <a:srgbClr val="FFCD05"/>
+        </a:solidFill>
+      </dgm:spPr>
+      <dgm:t>
+        <a:bodyPr/>
+        <a:lstStyle/>
+        <a:p>
+          <a:r>
+            <a:rPr lang="pt-BR" b="1" dirty="0">
+              <a:solidFill>
+                <a:schemeClr val="tx1"/>
+              </a:solidFill>
+            </a:rPr>
+            <a:t>Desempenho por Plano</a:t>
+          </a:r>
+          <a:endParaRPr lang="en-US" dirty="0">
+            <a:solidFill>
+              <a:schemeClr val="tx1"/>
+            </a:solidFill>
+          </a:endParaRPr>
+        </a:p>
+      </dgm:t>
+    </dgm:pt>
+    <dgm:pt modelId="{022CB03A-B22E-4DF9-8EDE-75D68D1BC985}" type="parTrans" cxnId="{FB536D52-3FA8-49AB-AF20-8F1A3E4D5353}">
+      <dgm:prSet/>
+      <dgm:spPr/>
+      <dgm:t>
+        <a:bodyPr/>
+        <a:lstStyle/>
+        <a:p>
+          <a:endParaRPr lang="en-US"/>
+        </a:p>
+      </dgm:t>
+    </dgm:pt>
+    <dgm:pt modelId="{F354B502-A4CD-431B-909B-00403B0197FD}" type="sibTrans" cxnId="{FB536D52-3FA8-49AB-AF20-8F1A3E4D5353}">
+      <dgm:prSet/>
+      <dgm:spPr/>
+      <dgm:t>
+        <a:bodyPr/>
+        <a:lstStyle/>
+        <a:p>
+          <a:endParaRPr lang="en-US"/>
+        </a:p>
+      </dgm:t>
+    </dgm:pt>
+    <dgm:pt modelId="{4B0D2250-4E1A-45E0-A6BF-C4584553E1F0}">
+      <dgm:prSet/>
+      <dgm:spPr>
+        <a:solidFill>
+          <a:srgbClr val="FFCD05"/>
+        </a:solidFill>
+      </dgm:spPr>
+      <dgm:t>
+        <a:bodyPr/>
+        <a:lstStyle/>
+        <a:p>
+          <a:r>
+            <a:rPr lang="pt-BR" b="1" dirty="0">
+              <a:solidFill>
+                <a:schemeClr val="tx1"/>
+              </a:solidFill>
+            </a:rPr>
+            <a:t>Principais Influenciadores de Rotatividade</a:t>
+          </a:r>
+          <a:endParaRPr lang="en-US" dirty="0">
+            <a:solidFill>
+              <a:schemeClr val="tx1"/>
+            </a:solidFill>
+          </a:endParaRPr>
+        </a:p>
+      </dgm:t>
+    </dgm:pt>
+    <dgm:pt modelId="{70E98119-3FAB-4968-9365-46A72F1ED831}" type="parTrans" cxnId="{5A341E5A-84DA-4A9E-9864-FDE5EEF27669}">
+      <dgm:prSet/>
+      <dgm:spPr/>
+      <dgm:t>
+        <a:bodyPr/>
+        <a:lstStyle/>
+        <a:p>
+          <a:endParaRPr lang="en-US"/>
+        </a:p>
+      </dgm:t>
+    </dgm:pt>
+    <dgm:pt modelId="{E3D38A7F-657A-4FEC-9755-F12D08E3AE6C}" type="sibTrans" cxnId="{5A341E5A-84DA-4A9E-9864-FDE5EEF27669}">
+      <dgm:prSet/>
+      <dgm:spPr/>
+      <dgm:t>
+        <a:bodyPr/>
+        <a:lstStyle/>
+        <a:p>
+          <a:endParaRPr lang="en-US"/>
+        </a:p>
+      </dgm:t>
+    </dgm:pt>
+    <dgm:pt modelId="{169D02FD-3250-4224-B4CE-F8205C0DF626}">
+      <dgm:prSet/>
+      <dgm:spPr>
+        <a:solidFill>
+          <a:srgbClr val="FFCD05"/>
+        </a:solidFill>
+      </dgm:spPr>
+      <dgm:t>
+        <a:bodyPr/>
+        <a:lstStyle/>
+        <a:p>
+          <a:r>
+            <a:rPr lang="en-US" b="1" dirty="0" err="1">
+              <a:solidFill>
+                <a:schemeClr val="tx1"/>
+              </a:solidFill>
+            </a:rPr>
+            <a:t>Recomendações</a:t>
+          </a:r>
+          <a:r>
+            <a:rPr lang="en-US" b="1" dirty="0">
+              <a:solidFill>
+                <a:schemeClr val="tx1"/>
+              </a:solidFill>
+            </a:rPr>
+            <a:t> </a:t>
+          </a:r>
+          <a:r>
+            <a:rPr lang="en-US" b="1" dirty="0" err="1">
+              <a:solidFill>
+                <a:schemeClr val="tx1"/>
+              </a:solidFill>
+            </a:rPr>
+            <a:t>Estratégicas</a:t>
+          </a:r>
+          <a:endParaRPr lang="en-US" dirty="0">
+            <a:solidFill>
+              <a:schemeClr val="tx1"/>
+            </a:solidFill>
+          </a:endParaRPr>
+        </a:p>
+      </dgm:t>
+    </dgm:pt>
+    <dgm:pt modelId="{93570580-02C2-426F-8CFD-82D40A46981C}" type="parTrans" cxnId="{23612B66-8A35-48AD-B300-746FF0C422AF}">
+      <dgm:prSet/>
+      <dgm:spPr/>
+      <dgm:t>
+        <a:bodyPr/>
+        <a:lstStyle/>
+        <a:p>
+          <a:endParaRPr lang="en-US"/>
+        </a:p>
+      </dgm:t>
+    </dgm:pt>
+    <dgm:pt modelId="{5BBD2F0F-3D73-46FB-85A7-9AAC146D74B3}" type="sibTrans" cxnId="{23612B66-8A35-48AD-B300-746FF0C422AF}">
+      <dgm:prSet/>
+      <dgm:spPr/>
+      <dgm:t>
+        <a:bodyPr/>
+        <a:lstStyle/>
+        <a:p>
+          <a:endParaRPr lang="en-US"/>
+        </a:p>
+      </dgm:t>
+    </dgm:pt>
+    <dgm:pt modelId="{53E9E646-98FB-4D54-944C-8097367EF1AA}">
+      <dgm:prSet/>
+      <dgm:spPr>
+        <a:solidFill>
+          <a:srgbClr val="FFCD05"/>
+        </a:solidFill>
+      </dgm:spPr>
+      <dgm:t>
+        <a:bodyPr/>
+        <a:lstStyle/>
+        <a:p>
+          <a:r>
+            <a:rPr lang="pt-BR" b="1" dirty="0">
+              <a:solidFill>
+                <a:schemeClr val="tx1"/>
+              </a:solidFill>
+            </a:rPr>
+            <a:t>Resumo Executivo</a:t>
+          </a:r>
+          <a:endParaRPr lang="en-US" dirty="0">
+            <a:solidFill>
+              <a:schemeClr val="tx1"/>
+            </a:solidFill>
+          </a:endParaRPr>
+        </a:p>
+      </dgm:t>
+    </dgm:pt>
+    <dgm:pt modelId="{DEEF68F3-CE82-4F1D-B96C-761F94621315}" type="parTrans" cxnId="{33225C99-6F8D-41B0-A2CE-C42510AC7AAD}">
+      <dgm:prSet/>
+      <dgm:spPr/>
+      <dgm:t>
+        <a:bodyPr/>
+        <a:lstStyle/>
+        <a:p>
+          <a:endParaRPr lang="pt-BR"/>
+        </a:p>
+      </dgm:t>
+    </dgm:pt>
+    <dgm:pt modelId="{65F41A2E-E98A-4F36-9E34-DC4A899F4BA8}" type="sibTrans" cxnId="{33225C99-6F8D-41B0-A2CE-C42510AC7AAD}">
+      <dgm:prSet/>
+      <dgm:spPr/>
+      <dgm:t>
+        <a:bodyPr/>
+        <a:lstStyle/>
+        <a:p>
+          <a:endParaRPr lang="pt-BR"/>
+        </a:p>
+      </dgm:t>
+    </dgm:pt>
+    <dgm:pt modelId="{193D8C53-DFE8-4CDC-8B70-00FFAC1ADC72}" type="pres">
+      <dgm:prSet presAssocID="{1CFE6C86-E0B3-4252-B200-F84F3AF947D4}" presName="linear" presStyleCnt="0">
+        <dgm:presLayoutVars>
+          <dgm:animLvl val="lvl"/>
+          <dgm:resizeHandles val="exact"/>
+        </dgm:presLayoutVars>
+      </dgm:prSet>
+      <dgm:spPr/>
+    </dgm:pt>
+    <dgm:pt modelId="{CD8EC0D6-F1B5-468C-BC96-A4E3FB185004}" type="pres">
+      <dgm:prSet presAssocID="{638DBDAF-05ED-4F24-8454-93D3E79855D1}" presName="parentText" presStyleLbl="node1" presStyleIdx="0" presStyleCnt="6">
+        <dgm:presLayoutVars>
+          <dgm:chMax val="0"/>
+          <dgm:bulletEnabled val="1"/>
+        </dgm:presLayoutVars>
+      </dgm:prSet>
+      <dgm:spPr/>
+    </dgm:pt>
+    <dgm:pt modelId="{6DB8C14E-27AF-4CB2-B04E-AD2837E68CAA}" type="pres">
+      <dgm:prSet presAssocID="{2A7981A2-96AF-4A99-82D6-91E671ABF946}" presName="spacer" presStyleCnt="0"/>
+      <dgm:spPr/>
+    </dgm:pt>
+    <dgm:pt modelId="{564BB18F-2EA0-4F42-B917-8141F35B57D8}" type="pres">
+      <dgm:prSet presAssocID="{53E9E646-98FB-4D54-944C-8097367EF1AA}" presName="parentText" presStyleLbl="node1" presStyleIdx="1" presStyleCnt="6">
+        <dgm:presLayoutVars>
+          <dgm:chMax val="0"/>
+          <dgm:bulletEnabled val="1"/>
+        </dgm:presLayoutVars>
+      </dgm:prSet>
+      <dgm:spPr/>
+    </dgm:pt>
+    <dgm:pt modelId="{7F8040BD-B476-415B-B186-FA50AED855CC}" type="pres">
+      <dgm:prSet presAssocID="{65F41A2E-E98A-4F36-9E34-DC4A899F4BA8}" presName="spacer" presStyleCnt="0"/>
+      <dgm:spPr/>
+    </dgm:pt>
+    <dgm:pt modelId="{72619620-A069-4C63-AA34-C8557B476BB4}" type="pres">
+      <dgm:prSet presAssocID="{A6FC0686-9E2D-4F35-869B-4EE44B74EE2D}" presName="parentText" presStyleLbl="node1" presStyleIdx="2" presStyleCnt="6">
+        <dgm:presLayoutVars>
+          <dgm:chMax val="0"/>
+          <dgm:bulletEnabled val="1"/>
+        </dgm:presLayoutVars>
+      </dgm:prSet>
+      <dgm:spPr/>
+    </dgm:pt>
+    <dgm:pt modelId="{6305E944-B70E-40CE-BA23-CA16D7B3BF37}" type="pres">
+      <dgm:prSet presAssocID="{4417129E-FC0C-41EF-87ED-5229289FB270}" presName="spacer" presStyleCnt="0"/>
+      <dgm:spPr/>
+    </dgm:pt>
+    <dgm:pt modelId="{C9ADB222-9059-41D0-AAF3-951EF7579E67}" type="pres">
+      <dgm:prSet presAssocID="{D04BE1C1-09AF-4CB2-9695-2C585A33A393}" presName="parentText" presStyleLbl="node1" presStyleIdx="3" presStyleCnt="6">
+        <dgm:presLayoutVars>
+          <dgm:chMax val="0"/>
+          <dgm:bulletEnabled val="1"/>
+        </dgm:presLayoutVars>
+      </dgm:prSet>
+      <dgm:spPr/>
+    </dgm:pt>
+    <dgm:pt modelId="{67BB529D-8C89-40C1-B9C8-62597D722EE5}" type="pres">
+      <dgm:prSet presAssocID="{F354B502-A4CD-431B-909B-00403B0197FD}" presName="spacer" presStyleCnt="0"/>
+      <dgm:spPr/>
+    </dgm:pt>
+    <dgm:pt modelId="{23555E6B-CF52-4C59-94A5-7C708CD11A21}" type="pres">
+      <dgm:prSet presAssocID="{4B0D2250-4E1A-45E0-A6BF-C4584553E1F0}" presName="parentText" presStyleLbl="node1" presStyleIdx="4" presStyleCnt="6">
+        <dgm:presLayoutVars>
+          <dgm:chMax val="0"/>
+          <dgm:bulletEnabled val="1"/>
+        </dgm:presLayoutVars>
+      </dgm:prSet>
+      <dgm:spPr/>
+    </dgm:pt>
+    <dgm:pt modelId="{762F7493-6711-4609-822C-65234867875C}" type="pres">
+      <dgm:prSet presAssocID="{E3D38A7F-657A-4FEC-9755-F12D08E3AE6C}" presName="spacer" presStyleCnt="0"/>
+      <dgm:spPr/>
+    </dgm:pt>
+    <dgm:pt modelId="{C0675BCF-7A28-47B5-9054-A55AFA04C73E}" type="pres">
+      <dgm:prSet presAssocID="{169D02FD-3250-4224-B4CE-F8205C0DF626}" presName="parentText" presStyleLbl="node1" presStyleIdx="5" presStyleCnt="6">
+        <dgm:presLayoutVars>
+          <dgm:chMax val="0"/>
+          <dgm:bulletEnabled val="1"/>
+        </dgm:presLayoutVars>
+      </dgm:prSet>
+      <dgm:spPr/>
+    </dgm:pt>
+  </dgm:ptLst>
+  <dgm:cxnLst>
+    <dgm:cxn modelId="{D7135A19-3FB0-4861-AA5B-DB6BF77EF477}" type="presOf" srcId="{169D02FD-3250-4224-B4CE-F8205C0DF626}" destId="{C0675BCF-7A28-47B5-9054-A55AFA04C73E}" srcOrd="0" destOrd="0" presId="urn:microsoft.com/office/officeart/2005/8/layout/vList2"/>
+    <dgm:cxn modelId="{ED710F2B-B999-4972-863E-3C12D2C28B4E}" type="presOf" srcId="{4B0D2250-4E1A-45E0-A6BF-C4584553E1F0}" destId="{23555E6B-CF52-4C59-94A5-7C708CD11A21}" srcOrd="0" destOrd="0" presId="urn:microsoft.com/office/officeart/2005/8/layout/vList2"/>
+    <dgm:cxn modelId="{545FE230-7CEA-43BA-835D-25F62F43F965}" srcId="{1CFE6C86-E0B3-4252-B200-F84F3AF947D4}" destId="{A6FC0686-9E2D-4F35-869B-4EE44B74EE2D}" srcOrd="2" destOrd="0" parTransId="{6076E2B4-5BA6-412E-803A-AF36B9AA5BEB}" sibTransId="{4417129E-FC0C-41EF-87ED-5229289FB270}"/>
+    <dgm:cxn modelId="{B602A062-F97E-447E-8BB2-A88A8E074A0E}" type="presOf" srcId="{638DBDAF-05ED-4F24-8454-93D3E79855D1}" destId="{CD8EC0D6-F1B5-468C-BC96-A4E3FB185004}" srcOrd="0" destOrd="0" presId="urn:microsoft.com/office/officeart/2005/8/layout/vList2"/>
+    <dgm:cxn modelId="{23612B66-8A35-48AD-B300-746FF0C422AF}" srcId="{1CFE6C86-E0B3-4252-B200-F84F3AF947D4}" destId="{169D02FD-3250-4224-B4CE-F8205C0DF626}" srcOrd="5" destOrd="0" parTransId="{93570580-02C2-426F-8CFD-82D40A46981C}" sibTransId="{5BBD2F0F-3D73-46FB-85A7-9AAC146D74B3}"/>
+    <dgm:cxn modelId="{9E4E4466-799F-410D-8137-E80C2F8F0C7E}" srcId="{1CFE6C86-E0B3-4252-B200-F84F3AF947D4}" destId="{638DBDAF-05ED-4F24-8454-93D3E79855D1}" srcOrd="0" destOrd="0" parTransId="{6C46A0B3-A6F2-48C2-83C2-AB397BFD6089}" sibTransId="{2A7981A2-96AF-4A99-82D6-91E671ABF946}"/>
+    <dgm:cxn modelId="{35094E4B-2051-41C5-B94A-57CD3C0848E8}" type="presOf" srcId="{A6FC0686-9E2D-4F35-869B-4EE44B74EE2D}" destId="{72619620-A069-4C63-AA34-C8557B476BB4}" srcOrd="0" destOrd="0" presId="urn:microsoft.com/office/officeart/2005/8/layout/vList2"/>
+    <dgm:cxn modelId="{FB536D52-3FA8-49AB-AF20-8F1A3E4D5353}" srcId="{1CFE6C86-E0B3-4252-B200-F84F3AF947D4}" destId="{D04BE1C1-09AF-4CB2-9695-2C585A33A393}" srcOrd="3" destOrd="0" parTransId="{022CB03A-B22E-4DF9-8EDE-75D68D1BC985}" sibTransId="{F354B502-A4CD-431B-909B-00403B0197FD}"/>
+    <dgm:cxn modelId="{5A341E5A-84DA-4A9E-9864-FDE5EEF27669}" srcId="{1CFE6C86-E0B3-4252-B200-F84F3AF947D4}" destId="{4B0D2250-4E1A-45E0-A6BF-C4584553E1F0}" srcOrd="4" destOrd="0" parTransId="{70E98119-3FAB-4968-9365-46A72F1ED831}" sibTransId="{E3D38A7F-657A-4FEC-9755-F12D08E3AE6C}"/>
+    <dgm:cxn modelId="{33225C99-6F8D-41B0-A2CE-C42510AC7AAD}" srcId="{1CFE6C86-E0B3-4252-B200-F84F3AF947D4}" destId="{53E9E646-98FB-4D54-944C-8097367EF1AA}" srcOrd="1" destOrd="0" parTransId="{DEEF68F3-CE82-4F1D-B96C-761F94621315}" sibTransId="{65F41A2E-E98A-4F36-9E34-DC4A899F4BA8}"/>
+    <dgm:cxn modelId="{FF45F5F0-04CF-43AE-A36A-6E0BDDD6BDAA}" type="presOf" srcId="{1CFE6C86-E0B3-4252-B200-F84F3AF947D4}" destId="{193D8C53-DFE8-4CDC-8B70-00FFAC1ADC72}" srcOrd="0" destOrd="0" presId="urn:microsoft.com/office/officeart/2005/8/layout/vList2"/>
+    <dgm:cxn modelId="{AFB8B7FB-01D8-4014-AB9B-20AC5F26AC06}" type="presOf" srcId="{D04BE1C1-09AF-4CB2-9695-2C585A33A393}" destId="{C9ADB222-9059-41D0-AAF3-951EF7579E67}" srcOrd="0" destOrd="0" presId="urn:microsoft.com/office/officeart/2005/8/layout/vList2"/>
+    <dgm:cxn modelId="{5F2922FD-93D6-41FC-A389-5324188946E0}" type="presOf" srcId="{53E9E646-98FB-4D54-944C-8097367EF1AA}" destId="{564BB18F-2EA0-4F42-B917-8141F35B57D8}" srcOrd="0" destOrd="0" presId="urn:microsoft.com/office/officeart/2005/8/layout/vList2"/>
+    <dgm:cxn modelId="{C91DBBBE-E663-4B16-B0A0-92F19E08B35A}" type="presParOf" srcId="{193D8C53-DFE8-4CDC-8B70-00FFAC1ADC72}" destId="{CD8EC0D6-F1B5-468C-BC96-A4E3FB185004}" srcOrd="0" destOrd="0" presId="urn:microsoft.com/office/officeart/2005/8/layout/vList2"/>
+    <dgm:cxn modelId="{7A406FAA-7D5F-45C3-889F-EF485F86F542}" type="presParOf" srcId="{193D8C53-DFE8-4CDC-8B70-00FFAC1ADC72}" destId="{6DB8C14E-27AF-4CB2-B04E-AD2837E68CAA}" srcOrd="1" destOrd="0" presId="urn:microsoft.com/office/officeart/2005/8/layout/vList2"/>
+    <dgm:cxn modelId="{DEE0E7DF-0BAA-4462-A0CE-B95065409168}" type="presParOf" srcId="{193D8C53-DFE8-4CDC-8B70-00FFAC1ADC72}" destId="{564BB18F-2EA0-4F42-B917-8141F35B57D8}" srcOrd="2" destOrd="0" presId="urn:microsoft.com/office/officeart/2005/8/layout/vList2"/>
+    <dgm:cxn modelId="{595BE843-CA2E-43AF-8ACB-B950DD59F2C4}" type="presParOf" srcId="{193D8C53-DFE8-4CDC-8B70-00FFAC1ADC72}" destId="{7F8040BD-B476-415B-B186-FA50AED855CC}" srcOrd="3" destOrd="0" presId="urn:microsoft.com/office/officeart/2005/8/layout/vList2"/>
+    <dgm:cxn modelId="{E786007A-4ABB-40F5-89AB-238A9E6B855C}" type="presParOf" srcId="{193D8C53-DFE8-4CDC-8B70-00FFAC1ADC72}" destId="{72619620-A069-4C63-AA34-C8557B476BB4}" srcOrd="4" destOrd="0" presId="urn:microsoft.com/office/officeart/2005/8/layout/vList2"/>
+    <dgm:cxn modelId="{E11FB5F8-3D24-4602-BCE5-DA65505D9763}" type="presParOf" srcId="{193D8C53-DFE8-4CDC-8B70-00FFAC1ADC72}" destId="{6305E944-B70E-40CE-BA23-CA16D7B3BF37}" srcOrd="5" destOrd="0" presId="urn:microsoft.com/office/officeart/2005/8/layout/vList2"/>
+    <dgm:cxn modelId="{3011429F-1434-42B1-B065-F4D911605A60}" type="presParOf" srcId="{193D8C53-DFE8-4CDC-8B70-00FFAC1ADC72}" destId="{C9ADB222-9059-41D0-AAF3-951EF7579E67}" srcOrd="6" destOrd="0" presId="urn:microsoft.com/office/officeart/2005/8/layout/vList2"/>
+    <dgm:cxn modelId="{167021BE-EE7F-4771-9645-0772C7E90E6E}" type="presParOf" srcId="{193D8C53-DFE8-4CDC-8B70-00FFAC1ADC72}" destId="{67BB529D-8C89-40C1-B9C8-62597D722EE5}" srcOrd="7" destOrd="0" presId="urn:microsoft.com/office/officeart/2005/8/layout/vList2"/>
+    <dgm:cxn modelId="{3177F6DF-31B1-435C-B962-F945DB7FC428}" type="presParOf" srcId="{193D8C53-DFE8-4CDC-8B70-00FFAC1ADC72}" destId="{23555E6B-CF52-4C59-94A5-7C708CD11A21}" srcOrd="8" destOrd="0" presId="urn:microsoft.com/office/officeart/2005/8/layout/vList2"/>
+    <dgm:cxn modelId="{BEBCD89F-582C-4792-9030-893305538236}" type="presParOf" srcId="{193D8C53-DFE8-4CDC-8B70-00FFAC1ADC72}" destId="{762F7493-6711-4609-822C-65234867875C}" srcOrd="9" destOrd="0" presId="urn:microsoft.com/office/officeart/2005/8/layout/vList2"/>
+    <dgm:cxn modelId="{144F5427-C035-4660-A8D1-013CEC73E025}" type="presParOf" srcId="{193D8C53-DFE8-4CDC-8B70-00FFAC1ADC72}" destId="{C0675BCF-7A28-47B5-9054-A55AFA04C73E}" srcOrd="10" destOrd="0" presId="urn:microsoft.com/office/officeart/2005/8/layout/vList2"/>
+  </dgm:cxnLst>
+  <dgm:bg/>
+  <dgm:whole/>
+  <dgm:extLst>
+    <a:ext uri="http://schemas.microsoft.com/office/drawing/2008/diagram">
+      <dsp:dataModelExt xmlns:dsp="http://schemas.microsoft.com/office/drawing/2008/diagram" relId="rId6" minVer="http://schemas.openxmlformats.org/drawingml/2006/diagram"/>
+    </a:ext>
+  </dgm:extLst>
+</dgm:dataModel>
+</file>
+
+<file path=ppt/diagrams/data2.xml><?xml version="1.0" encoding="utf-8"?>
+<dgm:dataModel xmlns:dgm="http://schemas.openxmlformats.org/drawingml/2006/diagram" xmlns:a="http://schemas.openxmlformats.org/drawingml/2006/main">
+  <dgm:ptLst>
+    <dgm:pt modelId="{061FFD39-D4EC-41C7-A424-A51B9487D13D}" type="doc">
+      <dgm:prSet loTypeId="urn:microsoft.com/office/officeart/2005/8/layout/vList2" loCatId="list" qsTypeId="urn:microsoft.com/office/officeart/2005/8/quickstyle/simple1" qsCatId="simple" csTypeId="urn:microsoft.com/office/officeart/2005/8/colors/accent1_2" csCatId="accent1" phldr="1"/>
+      <dgm:spPr/>
+      <dgm:t>
+        <a:bodyPr/>
+        <a:lstStyle/>
+        <a:p>
+          <a:endParaRPr lang="en-US"/>
+        </a:p>
+      </dgm:t>
+    </dgm:pt>
+    <dgm:pt modelId="{5B45E913-A847-48DF-8B89-844073B6E935}">
+      <dgm:prSet/>
+      <dgm:spPr>
+        <a:solidFill>
+          <a:srgbClr val="FFCD05"/>
+        </a:solidFill>
+      </dgm:spPr>
+      <dgm:t>
+        <a:bodyPr/>
+        <a:lstStyle/>
+        <a:p>
+          <a:r>
+            <a:rPr lang="pt-BR" dirty="0">
+              <a:solidFill>
+                <a:schemeClr val="tx1"/>
+              </a:solidFill>
+            </a:rPr>
+            <a:t>A </a:t>
+          </a:r>
+          <a:r>
+            <a:rPr lang="pt-BR" b="1" dirty="0">
+              <a:solidFill>
+                <a:schemeClr val="tx1"/>
+              </a:solidFill>
+            </a:rPr>
+            <a:t>MTN Nigeria</a:t>
+          </a:r>
+          <a:r>
+            <a:rPr lang="pt-BR" dirty="0">
+              <a:solidFill>
+                <a:schemeClr val="tx1"/>
+              </a:solidFill>
+            </a:rPr>
+            <a:t>, uma das maiores operadoras de telecomunicações da África, conecta cerca de </a:t>
+          </a:r>
+          <a:r>
+            <a:rPr lang="pt-BR" b="1" dirty="0">
+              <a:solidFill>
+                <a:schemeClr val="tx1"/>
+              </a:solidFill>
+            </a:rPr>
+            <a:t>77 milhões de pessoas</a:t>
+          </a:r>
+          <a:r>
+            <a:rPr lang="pt-BR" dirty="0">
+              <a:solidFill>
+                <a:schemeClr val="tx1"/>
+              </a:solidFill>
+            </a:rPr>
+            <a:t> no país e faz parte do </a:t>
+          </a:r>
+          <a:r>
+            <a:rPr lang="pt-BR" b="1" dirty="0">
+              <a:solidFill>
+                <a:schemeClr val="tx1"/>
+              </a:solidFill>
+            </a:rPr>
+            <a:t>MTN </a:t>
+          </a:r>
+          <a:r>
+            <a:rPr lang="pt-BR" b="1" dirty="0" err="1">
+              <a:solidFill>
+                <a:schemeClr val="tx1"/>
+              </a:solidFill>
+            </a:rPr>
+            <a:t>Group</a:t>
+          </a:r>
+          <a:r>
+            <a:rPr lang="pt-BR" dirty="0">
+              <a:solidFill>
+                <a:schemeClr val="tx1"/>
+              </a:solidFill>
+            </a:rPr>
+            <a:t>, presente em </a:t>
+          </a:r>
+          <a:r>
+            <a:rPr lang="pt-BR" b="1" dirty="0">
+              <a:solidFill>
+                <a:schemeClr val="tx1"/>
+              </a:solidFill>
+            </a:rPr>
+            <a:t>19 países</a:t>
+          </a:r>
+          <a:r>
+            <a:rPr lang="pt-BR" dirty="0">
+              <a:solidFill>
+                <a:schemeClr val="tx1"/>
+              </a:solidFill>
+            </a:rPr>
+            <a:t>. Seu foco é impulsionar soluções digitais, oferecendo serviços de telefonia, internet e pagamentos.</a:t>
+          </a:r>
+          <a:endParaRPr lang="en-US" dirty="0">
+            <a:solidFill>
+              <a:schemeClr val="tx1"/>
+            </a:solidFill>
+          </a:endParaRPr>
+        </a:p>
+      </dgm:t>
+    </dgm:pt>
+    <dgm:pt modelId="{D6B80907-F37C-490B-9A82-9207BC356A0E}" type="parTrans" cxnId="{CDF9399F-86A2-44D2-8A2A-A0DB4EEB122B}">
+      <dgm:prSet/>
+      <dgm:spPr/>
+      <dgm:t>
+        <a:bodyPr/>
+        <a:lstStyle/>
+        <a:p>
+          <a:endParaRPr lang="en-US"/>
+        </a:p>
+      </dgm:t>
+    </dgm:pt>
+    <dgm:pt modelId="{FA4C204A-EB6A-48BF-A59D-71B534BF67D2}" type="sibTrans" cxnId="{CDF9399F-86A2-44D2-8A2A-A0DB4EEB122B}">
+      <dgm:prSet/>
+      <dgm:spPr/>
+      <dgm:t>
+        <a:bodyPr/>
+        <a:lstStyle/>
+        <a:p>
+          <a:endParaRPr lang="en-US"/>
+        </a:p>
+      </dgm:t>
+    </dgm:pt>
+    <dgm:pt modelId="{1108D18F-8707-4CDB-B6F6-0B5832497D43}">
+      <dgm:prSet/>
+      <dgm:spPr>
+        <a:solidFill>
+          <a:srgbClr val="FFCD05"/>
+        </a:solidFill>
+      </dgm:spPr>
+      <dgm:t>
+        <a:bodyPr/>
+        <a:lstStyle/>
+        <a:p>
+          <a:r>
+            <a:rPr lang="pt-BR" dirty="0">
+              <a:solidFill>
+                <a:schemeClr val="tx1"/>
+              </a:solidFill>
+            </a:rPr>
+            <a:t>Em um mercado altamente competitivo como o da Nigéria, a </a:t>
+          </a:r>
+          <a:r>
+            <a:rPr lang="pt-BR" b="1" dirty="0">
+              <a:solidFill>
+                <a:schemeClr val="tx1"/>
+              </a:solidFill>
+            </a:rPr>
+            <a:t>rotatividade de clientes</a:t>
+          </a:r>
+          <a:r>
+            <a:rPr lang="pt-BR" dirty="0">
+              <a:solidFill>
+                <a:schemeClr val="tx1"/>
+              </a:solidFill>
+            </a:rPr>
+            <a:t> é um grande desafio. Para fortalecer sua posição, a MTN precisa avaliar a relação </a:t>
+          </a:r>
+          <a:r>
+            <a:rPr lang="pt-BR" b="1" dirty="0">
+              <a:solidFill>
+                <a:schemeClr val="tx1"/>
+              </a:solidFill>
+            </a:rPr>
+            <a:t>satisfação versus retenção</a:t>
+          </a:r>
+          <a:r>
+            <a:rPr lang="pt-BR" dirty="0">
+              <a:solidFill>
+                <a:schemeClr val="tx1"/>
+              </a:solidFill>
+            </a:rPr>
+            <a:t>, identificando oportunidades de melhoria em seus serviços, planos e estrutura, garantindo maior fidelização e redução da perda de clientes.</a:t>
+          </a:r>
+          <a:endParaRPr lang="en-US" dirty="0">
+            <a:solidFill>
+              <a:schemeClr val="tx1"/>
+            </a:solidFill>
+          </a:endParaRPr>
+        </a:p>
+      </dgm:t>
+    </dgm:pt>
+    <dgm:pt modelId="{EF43F828-A527-4A74-A36E-EF55A158D548}" type="parTrans" cxnId="{C3046D02-2B89-4CEE-8940-82ABC2450D6A}">
+      <dgm:prSet/>
+      <dgm:spPr/>
+      <dgm:t>
+        <a:bodyPr/>
+        <a:lstStyle/>
+        <a:p>
+          <a:endParaRPr lang="en-US"/>
+        </a:p>
+      </dgm:t>
+    </dgm:pt>
+    <dgm:pt modelId="{CC32CEA8-F386-4798-8429-EC0D3444C8EB}" type="sibTrans" cxnId="{C3046D02-2B89-4CEE-8940-82ABC2450D6A}">
+      <dgm:prSet/>
+      <dgm:spPr/>
+      <dgm:t>
+        <a:bodyPr/>
+        <a:lstStyle/>
+        <a:p>
+          <a:endParaRPr lang="en-US"/>
+        </a:p>
+      </dgm:t>
+    </dgm:pt>
+    <dgm:pt modelId="{BC60209C-0D05-4391-9BB8-7953876BD157}" type="pres">
+      <dgm:prSet presAssocID="{061FFD39-D4EC-41C7-A424-A51B9487D13D}" presName="linear" presStyleCnt="0">
+        <dgm:presLayoutVars>
+          <dgm:animLvl val="lvl"/>
+          <dgm:resizeHandles val="exact"/>
+        </dgm:presLayoutVars>
+      </dgm:prSet>
+      <dgm:spPr/>
+    </dgm:pt>
+    <dgm:pt modelId="{6564FE54-F3DB-45B3-BAC0-7A168718D088}" type="pres">
+      <dgm:prSet presAssocID="{5B45E913-A847-48DF-8B89-844073B6E935}" presName="parentText" presStyleLbl="node1" presStyleIdx="0" presStyleCnt="2">
+        <dgm:presLayoutVars>
+          <dgm:chMax val="0"/>
+          <dgm:bulletEnabled val="1"/>
+        </dgm:presLayoutVars>
+      </dgm:prSet>
+      <dgm:spPr/>
+    </dgm:pt>
+    <dgm:pt modelId="{11D35294-184C-4440-B3AC-26CB8FEAF987}" type="pres">
+      <dgm:prSet presAssocID="{FA4C204A-EB6A-48BF-A59D-71B534BF67D2}" presName="spacer" presStyleCnt="0"/>
+      <dgm:spPr/>
+    </dgm:pt>
+    <dgm:pt modelId="{FEF0556C-47BD-4F99-B803-2C51B8084F55}" type="pres">
+      <dgm:prSet presAssocID="{1108D18F-8707-4CDB-B6F6-0B5832497D43}" presName="parentText" presStyleLbl="node1" presStyleIdx="1" presStyleCnt="2">
+        <dgm:presLayoutVars>
+          <dgm:chMax val="0"/>
+          <dgm:bulletEnabled val="1"/>
+        </dgm:presLayoutVars>
+      </dgm:prSet>
+      <dgm:spPr/>
+    </dgm:pt>
+  </dgm:ptLst>
+  <dgm:cxnLst>
+    <dgm:cxn modelId="{C3046D02-2B89-4CEE-8940-82ABC2450D6A}" srcId="{061FFD39-D4EC-41C7-A424-A51B9487D13D}" destId="{1108D18F-8707-4CDB-B6F6-0B5832497D43}" srcOrd="1" destOrd="0" parTransId="{EF43F828-A527-4A74-A36E-EF55A158D548}" sibTransId="{CC32CEA8-F386-4798-8429-EC0D3444C8EB}"/>
+    <dgm:cxn modelId="{D70C3B0A-9F6D-4E58-A55E-8E7C16F25DD0}" type="presOf" srcId="{5B45E913-A847-48DF-8B89-844073B6E935}" destId="{6564FE54-F3DB-45B3-BAC0-7A168718D088}" srcOrd="0" destOrd="0" presId="urn:microsoft.com/office/officeart/2005/8/layout/vList2"/>
+    <dgm:cxn modelId="{1CE1F03B-7EC3-4E19-8A11-F2C2E8436168}" type="presOf" srcId="{1108D18F-8707-4CDB-B6F6-0B5832497D43}" destId="{FEF0556C-47BD-4F99-B803-2C51B8084F55}" srcOrd="0" destOrd="0" presId="urn:microsoft.com/office/officeart/2005/8/layout/vList2"/>
+    <dgm:cxn modelId="{CDF9399F-86A2-44D2-8A2A-A0DB4EEB122B}" srcId="{061FFD39-D4EC-41C7-A424-A51B9487D13D}" destId="{5B45E913-A847-48DF-8B89-844073B6E935}" srcOrd="0" destOrd="0" parTransId="{D6B80907-F37C-490B-9A82-9207BC356A0E}" sibTransId="{FA4C204A-EB6A-48BF-A59D-71B534BF67D2}"/>
+    <dgm:cxn modelId="{10968FB4-CC08-48AD-B279-50C4BFEEBB47}" type="presOf" srcId="{061FFD39-D4EC-41C7-A424-A51B9487D13D}" destId="{BC60209C-0D05-4391-9BB8-7953876BD157}" srcOrd="0" destOrd="0" presId="urn:microsoft.com/office/officeart/2005/8/layout/vList2"/>
+    <dgm:cxn modelId="{11DFDDAC-0868-446B-B71F-DCEEAD6F32CA}" type="presParOf" srcId="{BC60209C-0D05-4391-9BB8-7953876BD157}" destId="{6564FE54-F3DB-45B3-BAC0-7A168718D088}" srcOrd="0" destOrd="0" presId="urn:microsoft.com/office/officeart/2005/8/layout/vList2"/>
+    <dgm:cxn modelId="{477A72B4-85EC-4687-ADEB-1F3AE351518C}" type="presParOf" srcId="{BC60209C-0D05-4391-9BB8-7953876BD157}" destId="{11D35294-184C-4440-B3AC-26CB8FEAF987}" srcOrd="1" destOrd="0" presId="urn:microsoft.com/office/officeart/2005/8/layout/vList2"/>
+    <dgm:cxn modelId="{BABB721D-E2E1-4238-8542-0151C82D69E1}" type="presParOf" srcId="{BC60209C-0D05-4391-9BB8-7953876BD157}" destId="{FEF0556C-47BD-4F99-B803-2C51B8084F55}" srcOrd="2" destOrd="0" presId="urn:microsoft.com/office/officeart/2005/8/layout/vList2"/>
+  </dgm:cxnLst>
+  <dgm:bg/>
+  <dgm:whole/>
+  <dgm:extLst>
+    <a:ext uri="http://schemas.microsoft.com/office/drawing/2008/diagram">
+      <dsp:dataModelExt xmlns:dsp="http://schemas.microsoft.com/office/drawing/2008/diagram" relId="rId6" minVer="http://schemas.openxmlformats.org/drawingml/2006/diagram"/>
+    </a:ext>
+  </dgm:extLst>
+</dgm:dataModel>
+</file>
+
+<file path=ppt/diagrams/data3.xml><?xml version="1.0" encoding="utf-8"?>
 <dgm:dataModel xmlns:dgm="http://schemas.openxmlformats.org/drawingml/2006/diagram" xmlns:a="http://schemas.openxmlformats.org/drawingml/2006/main">
   <dgm:ptLst>
     <dgm:pt modelId="{BA7CDB8A-61AA-47DC-B783-952D66F5FE3A}" type="doc">
@@ -4512,7 +6744,7 @@
 </dgm:dataModel>
 </file>
 
-<file path=ppt/diagrams/data2.xml><?xml version="1.0" encoding="utf-8"?>
+<file path=ppt/diagrams/data4.xml><?xml version="1.0" encoding="utf-8"?>
 <dgm:dataModel xmlns:dgm="http://schemas.openxmlformats.org/drawingml/2006/diagram" xmlns:a="http://schemas.openxmlformats.org/drawingml/2006/main">
   <dgm:ptLst>
     <dgm:pt modelId="{FB205A63-F387-4C48-B583-68203D732544}" type="doc">
@@ -4592,7 +6824,7 @@
                 <a:schemeClr val="tx1"/>
               </a:solidFill>
             </a:rPr>
-            <a:t>Criar planos inspirados no modelo 1GB + 1.5min Daily </a:t>
+            <a:t>Criar planos inspirados na qualidade de aspectos do 1GB + 1.5min Daily </a:t>
           </a:r>
           <a:r>
             <a:rPr lang="pt-BR" b="1" i="0" baseline="0" dirty="0" err="1">
@@ -4889,6 +7121,806 @@
 </file>
 
 <file path=ppt/diagrams/drawing1.xml><?xml version="1.0" encoding="utf-8"?>
+<dsp:drawing xmlns:dgm="http://schemas.openxmlformats.org/drawingml/2006/diagram" xmlns:dsp="http://schemas.microsoft.com/office/drawing/2008/diagram" xmlns:a="http://schemas.openxmlformats.org/drawingml/2006/main">
+  <dsp:spTree>
+    <dsp:nvGrpSpPr>
+      <dsp:cNvPr id="0" name=""/>
+      <dsp:cNvGrpSpPr/>
+    </dsp:nvGrpSpPr>
+    <dsp:grpSpPr/>
+    <dsp:sp modelId="{CD8EC0D6-F1B5-468C-BC96-A4E3FB185004}">
+      <dsp:nvSpPr>
+        <dsp:cNvPr id="0" name=""/>
+        <dsp:cNvSpPr/>
+      </dsp:nvSpPr>
+      <dsp:spPr>
+        <a:xfrm>
+          <a:off x="0" y="1142723"/>
+          <a:ext cx="6279741" cy="565110"/>
+        </a:xfrm>
+        <a:prstGeom prst="roundRect">
+          <a:avLst/>
+        </a:prstGeom>
+        <a:solidFill>
+          <a:srgbClr val="FFCD05"/>
+        </a:solidFill>
+        <a:ln w="12700" cap="flat" cmpd="sng" algn="ctr">
+          <a:solidFill>
+            <a:schemeClr val="lt1">
+              <a:hueOff val="0"/>
+              <a:satOff val="0"/>
+              <a:lumOff val="0"/>
+              <a:alphaOff val="0"/>
+            </a:schemeClr>
+          </a:solidFill>
+          <a:prstDash val="solid"/>
+          <a:miter lim="800000"/>
+        </a:ln>
+        <a:effectLst/>
+      </dsp:spPr>
+      <dsp:style>
+        <a:lnRef idx="2">
+          <a:scrgbClr r="0" g="0" b="0"/>
+        </a:lnRef>
+        <a:fillRef idx="1">
+          <a:scrgbClr r="0" g="0" b="0"/>
+        </a:fillRef>
+        <a:effectRef idx="0">
+          <a:scrgbClr r="0" g="0" b="0"/>
+        </a:effectRef>
+        <a:fontRef idx="minor">
+          <a:schemeClr val="lt1"/>
+        </a:fontRef>
+      </dsp:style>
+      <dsp:txBody>
+        <a:bodyPr spcFirstLastPara="0" vert="horz" wrap="square" lIns="87630" tIns="87630" rIns="87630" bIns="87630" numCol="1" spcCol="1270" anchor="ctr" anchorCtr="0">
+          <a:noAutofit/>
+        </a:bodyPr>
+        <a:lstStyle/>
+        <a:p>
+          <a:pPr marL="0" lvl="0" indent="0" algn="l" defTabSz="1022350">
+            <a:lnSpc>
+              <a:spcPct val="90000"/>
+            </a:lnSpc>
+            <a:spcBef>
+              <a:spcPct val="0"/>
+            </a:spcBef>
+            <a:spcAft>
+              <a:spcPct val="35000"/>
+            </a:spcAft>
+            <a:buNone/>
+          </a:pPr>
+          <a:r>
+            <a:rPr lang="en-US" sz="2300" b="1" kern="1200" dirty="0" err="1">
+              <a:solidFill>
+                <a:schemeClr val="tx1"/>
+              </a:solidFill>
+            </a:rPr>
+            <a:t>Contexto</a:t>
+          </a:r>
+          <a:endParaRPr lang="en-US" sz="2300" b="1" kern="1200" dirty="0">
+            <a:solidFill>
+              <a:schemeClr val="tx1"/>
+            </a:solidFill>
+          </a:endParaRPr>
+        </a:p>
+      </dsp:txBody>
+      <dsp:txXfrm>
+        <a:off x="27586" y="1170309"/>
+        <a:ext cx="6224569" cy="509938"/>
+      </dsp:txXfrm>
+    </dsp:sp>
+    <dsp:sp modelId="{564BB18F-2EA0-4F42-B917-8141F35B57D8}">
+      <dsp:nvSpPr>
+        <dsp:cNvPr id="0" name=""/>
+        <dsp:cNvSpPr/>
+      </dsp:nvSpPr>
+      <dsp:spPr>
+        <a:xfrm>
+          <a:off x="0" y="1774073"/>
+          <a:ext cx="6279741" cy="565110"/>
+        </a:xfrm>
+        <a:prstGeom prst="roundRect">
+          <a:avLst/>
+        </a:prstGeom>
+        <a:solidFill>
+          <a:srgbClr val="FFCD05"/>
+        </a:solidFill>
+        <a:ln w="12700" cap="flat" cmpd="sng" algn="ctr">
+          <a:solidFill>
+            <a:schemeClr val="lt1">
+              <a:hueOff val="0"/>
+              <a:satOff val="0"/>
+              <a:lumOff val="0"/>
+              <a:alphaOff val="0"/>
+            </a:schemeClr>
+          </a:solidFill>
+          <a:prstDash val="solid"/>
+          <a:miter lim="800000"/>
+        </a:ln>
+        <a:effectLst/>
+      </dsp:spPr>
+      <dsp:style>
+        <a:lnRef idx="2">
+          <a:scrgbClr r="0" g="0" b="0"/>
+        </a:lnRef>
+        <a:fillRef idx="1">
+          <a:scrgbClr r="0" g="0" b="0"/>
+        </a:fillRef>
+        <a:effectRef idx="0">
+          <a:scrgbClr r="0" g="0" b="0"/>
+        </a:effectRef>
+        <a:fontRef idx="minor">
+          <a:schemeClr val="lt1"/>
+        </a:fontRef>
+      </dsp:style>
+      <dsp:txBody>
+        <a:bodyPr spcFirstLastPara="0" vert="horz" wrap="square" lIns="87630" tIns="87630" rIns="87630" bIns="87630" numCol="1" spcCol="1270" anchor="ctr" anchorCtr="0">
+          <a:noAutofit/>
+        </a:bodyPr>
+        <a:lstStyle/>
+        <a:p>
+          <a:pPr marL="0" lvl="0" indent="0" algn="l" defTabSz="1022350">
+            <a:lnSpc>
+              <a:spcPct val="90000"/>
+            </a:lnSpc>
+            <a:spcBef>
+              <a:spcPct val="0"/>
+            </a:spcBef>
+            <a:spcAft>
+              <a:spcPct val="35000"/>
+            </a:spcAft>
+            <a:buNone/>
+          </a:pPr>
+          <a:r>
+            <a:rPr lang="pt-BR" sz="2300" b="1" kern="1200" dirty="0">
+              <a:solidFill>
+                <a:schemeClr val="tx1"/>
+              </a:solidFill>
+            </a:rPr>
+            <a:t>Resumo Executivo</a:t>
+          </a:r>
+          <a:endParaRPr lang="en-US" sz="2300" kern="1200" dirty="0">
+            <a:solidFill>
+              <a:schemeClr val="tx1"/>
+            </a:solidFill>
+          </a:endParaRPr>
+        </a:p>
+      </dsp:txBody>
+      <dsp:txXfrm>
+        <a:off x="27586" y="1801659"/>
+        <a:ext cx="6224569" cy="509938"/>
+      </dsp:txXfrm>
+    </dsp:sp>
+    <dsp:sp modelId="{72619620-A069-4C63-AA34-C8557B476BB4}">
+      <dsp:nvSpPr>
+        <dsp:cNvPr id="0" name=""/>
+        <dsp:cNvSpPr/>
+      </dsp:nvSpPr>
+      <dsp:spPr>
+        <a:xfrm>
+          <a:off x="0" y="2405423"/>
+          <a:ext cx="6279741" cy="565110"/>
+        </a:xfrm>
+        <a:prstGeom prst="roundRect">
+          <a:avLst/>
+        </a:prstGeom>
+        <a:solidFill>
+          <a:srgbClr val="FFCD05"/>
+        </a:solidFill>
+        <a:ln w="12700" cap="flat" cmpd="sng" algn="ctr">
+          <a:solidFill>
+            <a:schemeClr val="lt1">
+              <a:hueOff val="0"/>
+              <a:satOff val="0"/>
+              <a:lumOff val="0"/>
+              <a:alphaOff val="0"/>
+            </a:schemeClr>
+          </a:solidFill>
+          <a:prstDash val="solid"/>
+          <a:miter lim="800000"/>
+        </a:ln>
+        <a:effectLst/>
+      </dsp:spPr>
+      <dsp:style>
+        <a:lnRef idx="2">
+          <a:scrgbClr r="0" g="0" b="0"/>
+        </a:lnRef>
+        <a:fillRef idx="1">
+          <a:scrgbClr r="0" g="0" b="0"/>
+        </a:fillRef>
+        <a:effectRef idx="0">
+          <a:scrgbClr r="0" g="0" b="0"/>
+        </a:effectRef>
+        <a:fontRef idx="minor">
+          <a:schemeClr val="lt1"/>
+        </a:fontRef>
+      </dsp:style>
+      <dsp:txBody>
+        <a:bodyPr spcFirstLastPara="0" vert="horz" wrap="square" lIns="87630" tIns="87630" rIns="87630" bIns="87630" numCol="1" spcCol="1270" anchor="ctr" anchorCtr="0">
+          <a:noAutofit/>
+        </a:bodyPr>
+        <a:lstStyle/>
+        <a:p>
+          <a:pPr marL="0" lvl="0" indent="0" algn="l" defTabSz="1022350">
+            <a:lnSpc>
+              <a:spcPct val="90000"/>
+            </a:lnSpc>
+            <a:spcBef>
+              <a:spcPct val="0"/>
+            </a:spcBef>
+            <a:spcAft>
+              <a:spcPct val="35000"/>
+            </a:spcAft>
+            <a:buNone/>
+          </a:pPr>
+          <a:r>
+            <a:rPr lang="pt-BR" sz="2300" b="1" kern="1200" dirty="0">
+              <a:solidFill>
+                <a:schemeClr val="tx1"/>
+              </a:solidFill>
+            </a:rPr>
+            <a:t>Satisfação por Tipo de Dispositivo</a:t>
+          </a:r>
+          <a:endParaRPr lang="en-US" sz="2300" kern="1200" dirty="0">
+            <a:solidFill>
+              <a:schemeClr val="tx1"/>
+            </a:solidFill>
+          </a:endParaRPr>
+        </a:p>
+      </dsp:txBody>
+      <dsp:txXfrm>
+        <a:off x="27586" y="2433009"/>
+        <a:ext cx="6224569" cy="509938"/>
+      </dsp:txXfrm>
+    </dsp:sp>
+    <dsp:sp modelId="{C9ADB222-9059-41D0-AAF3-951EF7579E67}">
+      <dsp:nvSpPr>
+        <dsp:cNvPr id="0" name=""/>
+        <dsp:cNvSpPr/>
+      </dsp:nvSpPr>
+      <dsp:spPr>
+        <a:xfrm>
+          <a:off x="0" y="3036773"/>
+          <a:ext cx="6279741" cy="565110"/>
+        </a:xfrm>
+        <a:prstGeom prst="roundRect">
+          <a:avLst/>
+        </a:prstGeom>
+        <a:solidFill>
+          <a:srgbClr val="FFCD05"/>
+        </a:solidFill>
+        <a:ln w="12700" cap="flat" cmpd="sng" algn="ctr">
+          <a:solidFill>
+            <a:schemeClr val="lt1">
+              <a:hueOff val="0"/>
+              <a:satOff val="0"/>
+              <a:lumOff val="0"/>
+              <a:alphaOff val="0"/>
+            </a:schemeClr>
+          </a:solidFill>
+          <a:prstDash val="solid"/>
+          <a:miter lim="800000"/>
+        </a:ln>
+        <a:effectLst/>
+      </dsp:spPr>
+      <dsp:style>
+        <a:lnRef idx="2">
+          <a:scrgbClr r="0" g="0" b="0"/>
+        </a:lnRef>
+        <a:fillRef idx="1">
+          <a:scrgbClr r="0" g="0" b="0"/>
+        </a:fillRef>
+        <a:effectRef idx="0">
+          <a:scrgbClr r="0" g="0" b="0"/>
+        </a:effectRef>
+        <a:fontRef idx="minor">
+          <a:schemeClr val="lt1"/>
+        </a:fontRef>
+      </dsp:style>
+      <dsp:txBody>
+        <a:bodyPr spcFirstLastPara="0" vert="horz" wrap="square" lIns="87630" tIns="87630" rIns="87630" bIns="87630" numCol="1" spcCol="1270" anchor="ctr" anchorCtr="0">
+          <a:noAutofit/>
+        </a:bodyPr>
+        <a:lstStyle/>
+        <a:p>
+          <a:pPr marL="0" lvl="0" indent="0" algn="l" defTabSz="1022350">
+            <a:lnSpc>
+              <a:spcPct val="90000"/>
+            </a:lnSpc>
+            <a:spcBef>
+              <a:spcPct val="0"/>
+            </a:spcBef>
+            <a:spcAft>
+              <a:spcPct val="35000"/>
+            </a:spcAft>
+            <a:buNone/>
+          </a:pPr>
+          <a:r>
+            <a:rPr lang="pt-BR" sz="2300" b="1" kern="1200" dirty="0">
+              <a:solidFill>
+                <a:schemeClr val="tx1"/>
+              </a:solidFill>
+            </a:rPr>
+            <a:t>Desempenho por Plano</a:t>
+          </a:r>
+          <a:endParaRPr lang="en-US" sz="2300" kern="1200" dirty="0">
+            <a:solidFill>
+              <a:schemeClr val="tx1"/>
+            </a:solidFill>
+          </a:endParaRPr>
+        </a:p>
+      </dsp:txBody>
+      <dsp:txXfrm>
+        <a:off x="27586" y="3064359"/>
+        <a:ext cx="6224569" cy="509938"/>
+      </dsp:txXfrm>
+    </dsp:sp>
+    <dsp:sp modelId="{23555E6B-CF52-4C59-94A5-7C708CD11A21}">
+      <dsp:nvSpPr>
+        <dsp:cNvPr id="0" name=""/>
+        <dsp:cNvSpPr/>
+      </dsp:nvSpPr>
+      <dsp:spPr>
+        <a:xfrm>
+          <a:off x="0" y="3668123"/>
+          <a:ext cx="6279741" cy="565110"/>
+        </a:xfrm>
+        <a:prstGeom prst="roundRect">
+          <a:avLst/>
+        </a:prstGeom>
+        <a:solidFill>
+          <a:srgbClr val="FFCD05"/>
+        </a:solidFill>
+        <a:ln w="12700" cap="flat" cmpd="sng" algn="ctr">
+          <a:solidFill>
+            <a:schemeClr val="lt1">
+              <a:hueOff val="0"/>
+              <a:satOff val="0"/>
+              <a:lumOff val="0"/>
+              <a:alphaOff val="0"/>
+            </a:schemeClr>
+          </a:solidFill>
+          <a:prstDash val="solid"/>
+          <a:miter lim="800000"/>
+        </a:ln>
+        <a:effectLst/>
+      </dsp:spPr>
+      <dsp:style>
+        <a:lnRef idx="2">
+          <a:scrgbClr r="0" g="0" b="0"/>
+        </a:lnRef>
+        <a:fillRef idx="1">
+          <a:scrgbClr r="0" g="0" b="0"/>
+        </a:fillRef>
+        <a:effectRef idx="0">
+          <a:scrgbClr r="0" g="0" b="0"/>
+        </a:effectRef>
+        <a:fontRef idx="minor">
+          <a:schemeClr val="lt1"/>
+        </a:fontRef>
+      </dsp:style>
+      <dsp:txBody>
+        <a:bodyPr spcFirstLastPara="0" vert="horz" wrap="square" lIns="87630" tIns="87630" rIns="87630" bIns="87630" numCol="1" spcCol="1270" anchor="ctr" anchorCtr="0">
+          <a:noAutofit/>
+        </a:bodyPr>
+        <a:lstStyle/>
+        <a:p>
+          <a:pPr marL="0" lvl="0" indent="0" algn="l" defTabSz="1022350">
+            <a:lnSpc>
+              <a:spcPct val="90000"/>
+            </a:lnSpc>
+            <a:spcBef>
+              <a:spcPct val="0"/>
+            </a:spcBef>
+            <a:spcAft>
+              <a:spcPct val="35000"/>
+            </a:spcAft>
+            <a:buNone/>
+          </a:pPr>
+          <a:r>
+            <a:rPr lang="pt-BR" sz="2300" b="1" kern="1200" dirty="0">
+              <a:solidFill>
+                <a:schemeClr val="tx1"/>
+              </a:solidFill>
+            </a:rPr>
+            <a:t>Principais Influenciadores de Rotatividade</a:t>
+          </a:r>
+          <a:endParaRPr lang="en-US" sz="2300" kern="1200" dirty="0">
+            <a:solidFill>
+              <a:schemeClr val="tx1"/>
+            </a:solidFill>
+          </a:endParaRPr>
+        </a:p>
+      </dsp:txBody>
+      <dsp:txXfrm>
+        <a:off x="27586" y="3695709"/>
+        <a:ext cx="6224569" cy="509938"/>
+      </dsp:txXfrm>
+    </dsp:sp>
+    <dsp:sp modelId="{C0675BCF-7A28-47B5-9054-A55AFA04C73E}">
+      <dsp:nvSpPr>
+        <dsp:cNvPr id="0" name=""/>
+        <dsp:cNvSpPr/>
+      </dsp:nvSpPr>
+      <dsp:spPr>
+        <a:xfrm>
+          <a:off x="0" y="4299473"/>
+          <a:ext cx="6279741" cy="565110"/>
+        </a:xfrm>
+        <a:prstGeom prst="roundRect">
+          <a:avLst/>
+        </a:prstGeom>
+        <a:solidFill>
+          <a:srgbClr val="FFCD05"/>
+        </a:solidFill>
+        <a:ln w="12700" cap="flat" cmpd="sng" algn="ctr">
+          <a:solidFill>
+            <a:schemeClr val="lt1">
+              <a:hueOff val="0"/>
+              <a:satOff val="0"/>
+              <a:lumOff val="0"/>
+              <a:alphaOff val="0"/>
+            </a:schemeClr>
+          </a:solidFill>
+          <a:prstDash val="solid"/>
+          <a:miter lim="800000"/>
+        </a:ln>
+        <a:effectLst/>
+      </dsp:spPr>
+      <dsp:style>
+        <a:lnRef idx="2">
+          <a:scrgbClr r="0" g="0" b="0"/>
+        </a:lnRef>
+        <a:fillRef idx="1">
+          <a:scrgbClr r="0" g="0" b="0"/>
+        </a:fillRef>
+        <a:effectRef idx="0">
+          <a:scrgbClr r="0" g="0" b="0"/>
+        </a:effectRef>
+        <a:fontRef idx="minor">
+          <a:schemeClr val="lt1"/>
+        </a:fontRef>
+      </dsp:style>
+      <dsp:txBody>
+        <a:bodyPr spcFirstLastPara="0" vert="horz" wrap="square" lIns="87630" tIns="87630" rIns="87630" bIns="87630" numCol="1" spcCol="1270" anchor="ctr" anchorCtr="0">
+          <a:noAutofit/>
+        </a:bodyPr>
+        <a:lstStyle/>
+        <a:p>
+          <a:pPr marL="0" lvl="0" indent="0" algn="l" defTabSz="1022350">
+            <a:lnSpc>
+              <a:spcPct val="90000"/>
+            </a:lnSpc>
+            <a:spcBef>
+              <a:spcPct val="0"/>
+            </a:spcBef>
+            <a:spcAft>
+              <a:spcPct val="35000"/>
+            </a:spcAft>
+            <a:buNone/>
+          </a:pPr>
+          <a:r>
+            <a:rPr lang="en-US" sz="2300" b="1" kern="1200" dirty="0" err="1">
+              <a:solidFill>
+                <a:schemeClr val="tx1"/>
+              </a:solidFill>
+            </a:rPr>
+            <a:t>Recomendações</a:t>
+          </a:r>
+          <a:r>
+            <a:rPr lang="en-US" sz="2300" b="1" kern="1200" dirty="0">
+              <a:solidFill>
+                <a:schemeClr val="tx1"/>
+              </a:solidFill>
+            </a:rPr>
+            <a:t> </a:t>
+          </a:r>
+          <a:r>
+            <a:rPr lang="en-US" sz="2300" b="1" kern="1200" dirty="0" err="1">
+              <a:solidFill>
+                <a:schemeClr val="tx1"/>
+              </a:solidFill>
+            </a:rPr>
+            <a:t>Estratégicas</a:t>
+          </a:r>
+          <a:endParaRPr lang="en-US" sz="2300" kern="1200" dirty="0">
+            <a:solidFill>
+              <a:schemeClr val="tx1"/>
+            </a:solidFill>
+          </a:endParaRPr>
+        </a:p>
+      </dsp:txBody>
+      <dsp:txXfrm>
+        <a:off x="27586" y="4327059"/>
+        <a:ext cx="6224569" cy="509938"/>
+      </dsp:txXfrm>
+    </dsp:sp>
+  </dsp:spTree>
+</dsp:drawing>
+</file>
+
+<file path=ppt/diagrams/drawing2.xml><?xml version="1.0" encoding="utf-8"?>
+<dsp:drawing xmlns:dgm="http://schemas.openxmlformats.org/drawingml/2006/diagram" xmlns:dsp="http://schemas.microsoft.com/office/drawing/2008/diagram" xmlns:a="http://schemas.openxmlformats.org/drawingml/2006/main">
+  <dsp:spTree>
+    <dsp:nvGrpSpPr>
+      <dsp:cNvPr id="0" name=""/>
+      <dsp:cNvGrpSpPr/>
+    </dsp:nvGrpSpPr>
+    <dsp:grpSpPr/>
+    <dsp:sp modelId="{6564FE54-F3DB-45B3-BAC0-7A168718D088}">
+      <dsp:nvSpPr>
+        <dsp:cNvPr id="0" name=""/>
+        <dsp:cNvSpPr/>
+      </dsp:nvSpPr>
+      <dsp:spPr>
+        <a:xfrm>
+          <a:off x="0" y="105344"/>
+          <a:ext cx="7089258" cy="2606175"/>
+        </a:xfrm>
+        <a:prstGeom prst="roundRect">
+          <a:avLst/>
+        </a:prstGeom>
+        <a:solidFill>
+          <a:srgbClr val="FFCD05"/>
+        </a:solidFill>
+        <a:ln w="12700" cap="flat" cmpd="sng" algn="ctr">
+          <a:solidFill>
+            <a:schemeClr val="lt1">
+              <a:hueOff val="0"/>
+              <a:satOff val="0"/>
+              <a:lumOff val="0"/>
+              <a:alphaOff val="0"/>
+            </a:schemeClr>
+          </a:solidFill>
+          <a:prstDash val="solid"/>
+          <a:miter lim="800000"/>
+        </a:ln>
+        <a:effectLst/>
+      </dsp:spPr>
+      <dsp:style>
+        <a:lnRef idx="2">
+          <a:scrgbClr r="0" g="0" b="0"/>
+        </a:lnRef>
+        <a:fillRef idx="1">
+          <a:scrgbClr r="0" g="0" b="0"/>
+        </a:fillRef>
+        <a:effectRef idx="0">
+          <a:scrgbClr r="0" g="0" b="0"/>
+        </a:effectRef>
+        <a:fontRef idx="minor">
+          <a:schemeClr val="lt1"/>
+        </a:fontRef>
+      </dsp:style>
+      <dsp:txBody>
+        <a:bodyPr spcFirstLastPara="0" vert="horz" wrap="square" lIns="83820" tIns="83820" rIns="83820" bIns="83820" numCol="1" spcCol="1270" anchor="ctr" anchorCtr="0">
+          <a:noAutofit/>
+        </a:bodyPr>
+        <a:lstStyle/>
+        <a:p>
+          <a:pPr marL="0" lvl="0" indent="0" algn="l" defTabSz="977900">
+            <a:lnSpc>
+              <a:spcPct val="90000"/>
+            </a:lnSpc>
+            <a:spcBef>
+              <a:spcPct val="0"/>
+            </a:spcBef>
+            <a:spcAft>
+              <a:spcPct val="35000"/>
+            </a:spcAft>
+            <a:buNone/>
+          </a:pPr>
+          <a:r>
+            <a:rPr lang="pt-BR" sz="2200" kern="1200" dirty="0">
+              <a:solidFill>
+                <a:schemeClr val="tx1"/>
+              </a:solidFill>
+            </a:rPr>
+            <a:t>A </a:t>
+          </a:r>
+          <a:r>
+            <a:rPr lang="pt-BR" sz="2200" b="1" kern="1200" dirty="0">
+              <a:solidFill>
+                <a:schemeClr val="tx1"/>
+              </a:solidFill>
+            </a:rPr>
+            <a:t>MTN Nigeria</a:t>
+          </a:r>
+          <a:r>
+            <a:rPr lang="pt-BR" sz="2200" kern="1200" dirty="0">
+              <a:solidFill>
+                <a:schemeClr val="tx1"/>
+              </a:solidFill>
+            </a:rPr>
+            <a:t>, uma das maiores operadoras de telecomunicações da África, conecta cerca de </a:t>
+          </a:r>
+          <a:r>
+            <a:rPr lang="pt-BR" sz="2200" b="1" kern="1200" dirty="0">
+              <a:solidFill>
+                <a:schemeClr val="tx1"/>
+              </a:solidFill>
+            </a:rPr>
+            <a:t>77 milhões de pessoas</a:t>
+          </a:r>
+          <a:r>
+            <a:rPr lang="pt-BR" sz="2200" kern="1200" dirty="0">
+              <a:solidFill>
+                <a:schemeClr val="tx1"/>
+              </a:solidFill>
+            </a:rPr>
+            <a:t> no país e faz parte do </a:t>
+          </a:r>
+          <a:r>
+            <a:rPr lang="pt-BR" sz="2200" b="1" kern="1200" dirty="0">
+              <a:solidFill>
+                <a:schemeClr val="tx1"/>
+              </a:solidFill>
+            </a:rPr>
+            <a:t>MTN </a:t>
+          </a:r>
+          <a:r>
+            <a:rPr lang="pt-BR" sz="2200" b="1" kern="1200" dirty="0" err="1">
+              <a:solidFill>
+                <a:schemeClr val="tx1"/>
+              </a:solidFill>
+            </a:rPr>
+            <a:t>Group</a:t>
+          </a:r>
+          <a:r>
+            <a:rPr lang="pt-BR" sz="2200" kern="1200" dirty="0">
+              <a:solidFill>
+                <a:schemeClr val="tx1"/>
+              </a:solidFill>
+            </a:rPr>
+            <a:t>, presente em </a:t>
+          </a:r>
+          <a:r>
+            <a:rPr lang="pt-BR" sz="2200" b="1" kern="1200" dirty="0">
+              <a:solidFill>
+                <a:schemeClr val="tx1"/>
+              </a:solidFill>
+            </a:rPr>
+            <a:t>19 países</a:t>
+          </a:r>
+          <a:r>
+            <a:rPr lang="pt-BR" sz="2200" kern="1200" dirty="0">
+              <a:solidFill>
+                <a:schemeClr val="tx1"/>
+              </a:solidFill>
+            </a:rPr>
+            <a:t>. Seu foco é impulsionar soluções digitais, oferecendo serviços de telefonia, internet e pagamentos.</a:t>
+          </a:r>
+          <a:endParaRPr lang="en-US" sz="2200" kern="1200" dirty="0">
+            <a:solidFill>
+              <a:schemeClr val="tx1"/>
+            </a:solidFill>
+          </a:endParaRPr>
+        </a:p>
+      </dsp:txBody>
+      <dsp:txXfrm>
+        <a:off x="127223" y="232567"/>
+        <a:ext cx="6834812" cy="2351729"/>
+      </dsp:txXfrm>
+    </dsp:sp>
+    <dsp:sp modelId="{FEF0556C-47BD-4F99-B803-2C51B8084F55}">
+      <dsp:nvSpPr>
+        <dsp:cNvPr id="0" name=""/>
+        <dsp:cNvSpPr/>
+      </dsp:nvSpPr>
+      <dsp:spPr>
+        <a:xfrm>
+          <a:off x="0" y="2774880"/>
+          <a:ext cx="7089258" cy="2606175"/>
+        </a:xfrm>
+        <a:prstGeom prst="roundRect">
+          <a:avLst/>
+        </a:prstGeom>
+        <a:solidFill>
+          <a:srgbClr val="FFCD05"/>
+        </a:solidFill>
+        <a:ln w="12700" cap="flat" cmpd="sng" algn="ctr">
+          <a:solidFill>
+            <a:schemeClr val="lt1">
+              <a:hueOff val="0"/>
+              <a:satOff val="0"/>
+              <a:lumOff val="0"/>
+              <a:alphaOff val="0"/>
+            </a:schemeClr>
+          </a:solidFill>
+          <a:prstDash val="solid"/>
+          <a:miter lim="800000"/>
+        </a:ln>
+        <a:effectLst/>
+      </dsp:spPr>
+      <dsp:style>
+        <a:lnRef idx="2">
+          <a:scrgbClr r="0" g="0" b="0"/>
+        </a:lnRef>
+        <a:fillRef idx="1">
+          <a:scrgbClr r="0" g="0" b="0"/>
+        </a:fillRef>
+        <a:effectRef idx="0">
+          <a:scrgbClr r="0" g="0" b="0"/>
+        </a:effectRef>
+        <a:fontRef idx="minor">
+          <a:schemeClr val="lt1"/>
+        </a:fontRef>
+      </dsp:style>
+      <dsp:txBody>
+        <a:bodyPr spcFirstLastPara="0" vert="horz" wrap="square" lIns="83820" tIns="83820" rIns="83820" bIns="83820" numCol="1" spcCol="1270" anchor="ctr" anchorCtr="0">
+          <a:noAutofit/>
+        </a:bodyPr>
+        <a:lstStyle/>
+        <a:p>
+          <a:pPr marL="0" lvl="0" indent="0" algn="l" defTabSz="977900">
+            <a:lnSpc>
+              <a:spcPct val="90000"/>
+            </a:lnSpc>
+            <a:spcBef>
+              <a:spcPct val="0"/>
+            </a:spcBef>
+            <a:spcAft>
+              <a:spcPct val="35000"/>
+            </a:spcAft>
+            <a:buNone/>
+          </a:pPr>
+          <a:r>
+            <a:rPr lang="pt-BR" sz="2200" kern="1200" dirty="0">
+              <a:solidFill>
+                <a:schemeClr val="tx1"/>
+              </a:solidFill>
+            </a:rPr>
+            <a:t>Em um mercado altamente competitivo como o da Nigéria, a </a:t>
+          </a:r>
+          <a:r>
+            <a:rPr lang="pt-BR" sz="2200" b="1" kern="1200" dirty="0">
+              <a:solidFill>
+                <a:schemeClr val="tx1"/>
+              </a:solidFill>
+            </a:rPr>
+            <a:t>rotatividade de clientes</a:t>
+          </a:r>
+          <a:r>
+            <a:rPr lang="pt-BR" sz="2200" kern="1200" dirty="0">
+              <a:solidFill>
+                <a:schemeClr val="tx1"/>
+              </a:solidFill>
+            </a:rPr>
+            <a:t> é um grande desafio. Para fortalecer sua posição, a MTN precisa avaliar a relação </a:t>
+          </a:r>
+          <a:r>
+            <a:rPr lang="pt-BR" sz="2200" b="1" kern="1200" dirty="0">
+              <a:solidFill>
+                <a:schemeClr val="tx1"/>
+              </a:solidFill>
+            </a:rPr>
+            <a:t>satisfação versus retenção</a:t>
+          </a:r>
+          <a:r>
+            <a:rPr lang="pt-BR" sz="2200" kern="1200" dirty="0">
+              <a:solidFill>
+                <a:schemeClr val="tx1"/>
+              </a:solidFill>
+            </a:rPr>
+            <a:t>, identificando oportunidades de melhoria em seus serviços, planos e estrutura, garantindo maior fidelização e redução da perda de clientes.</a:t>
+          </a:r>
+          <a:endParaRPr lang="en-US" sz="2200" kern="1200" dirty="0">
+            <a:solidFill>
+              <a:schemeClr val="tx1"/>
+            </a:solidFill>
+          </a:endParaRPr>
+        </a:p>
+      </dsp:txBody>
+      <dsp:txXfrm>
+        <a:off x="127223" y="2902103"/>
+        <a:ext cx="6834812" cy="2351729"/>
+      </dsp:txXfrm>
+    </dsp:sp>
+  </dsp:spTree>
+</dsp:drawing>
+</file>
+
+<file path=ppt/diagrams/drawing3.xml><?xml version="1.0" encoding="utf-8"?>
 <dsp:drawing xmlns:dgm="http://schemas.openxmlformats.org/drawingml/2006/diagram" xmlns:dsp="http://schemas.microsoft.com/office/drawing/2008/diagram" xmlns:a="http://schemas.openxmlformats.org/drawingml/2006/main">
   <dsp:spTree>
     <dsp:nvGrpSpPr>
@@ -5525,7 +8557,7 @@
 </dsp:drawing>
 </file>
 
-<file path=ppt/diagrams/drawing2.xml><?xml version="1.0" encoding="utf-8"?>
+<file path=ppt/diagrams/drawing4.xml><?xml version="1.0" encoding="utf-8"?>
 <dsp:drawing xmlns:dgm="http://schemas.openxmlformats.org/drawingml/2006/diagram" xmlns:dsp="http://schemas.microsoft.com/office/drawing/2008/diagram" xmlns:a="http://schemas.openxmlformats.org/drawingml/2006/main">
   <dsp:spTree>
     <dsp:nvGrpSpPr>
@@ -5835,7 +8867,7 @@
                 <a:schemeClr val="tx1"/>
               </a:solidFill>
             </a:rPr>
-            <a:t>Criar planos inspirados no modelo 1GB + 1.5min Daily </a:t>
+            <a:t>Criar planos inspirados na qualidade de aspectos do 1GB + 1.5min Daily </a:t>
           </a:r>
           <a:r>
             <a:rPr lang="pt-BR" sz="2500" b="1" i="0" kern="1200" baseline="0" dirty="0" err="1">
@@ -6017,6 +9049,340 @@
 </file>
 
 <file path=ppt/diagrams/layout1.xml><?xml version="1.0" encoding="utf-8"?>
+<dgm:layoutDef xmlns:dgm="http://schemas.openxmlformats.org/drawingml/2006/diagram" xmlns:a="http://schemas.openxmlformats.org/drawingml/2006/main" uniqueId="urn:microsoft.com/office/officeart/2005/8/layout/vList2">
+  <dgm:title val=""/>
+  <dgm:desc val=""/>
+  <dgm:catLst>
+    <dgm:cat type="list" pri="3000"/>
+    <dgm:cat type="convert" pri="1000"/>
+  </dgm:catLst>
+  <dgm:sampData>
+    <dgm:dataModel>
+      <dgm:ptLst>
+        <dgm:pt modelId="0" type="doc"/>
+        <dgm:pt modelId="1">
+          <dgm:prSet phldr="1"/>
+        </dgm:pt>
+        <dgm:pt modelId="11">
+          <dgm:prSet phldr="1"/>
+        </dgm:pt>
+        <dgm:pt modelId="2">
+          <dgm:prSet phldr="1"/>
+        </dgm:pt>
+        <dgm:pt modelId="21">
+          <dgm:prSet phldr="1"/>
+        </dgm:pt>
+      </dgm:ptLst>
+      <dgm:cxnLst>
+        <dgm:cxn modelId="4" srcId="0" destId="1" srcOrd="0" destOrd="0"/>
+        <dgm:cxn modelId="5" srcId="0" destId="2" srcOrd="1" destOrd="0"/>
+        <dgm:cxn modelId="12" srcId="1" destId="11" srcOrd="0" destOrd="0"/>
+        <dgm:cxn modelId="23" srcId="2" destId="21" srcOrd="0" destOrd="0"/>
+      </dgm:cxnLst>
+      <dgm:bg/>
+      <dgm:whole/>
+    </dgm:dataModel>
+  </dgm:sampData>
+  <dgm:styleData>
+    <dgm:dataModel>
+      <dgm:ptLst>
+        <dgm:pt modelId="0" type="doc"/>
+        <dgm:pt modelId="1"/>
+        <dgm:pt modelId="2"/>
+      </dgm:ptLst>
+      <dgm:cxnLst>
+        <dgm:cxn modelId="3" srcId="0" destId="1" srcOrd="0" destOrd="0"/>
+        <dgm:cxn modelId="4" srcId="0" destId="2" srcOrd="1" destOrd="0"/>
+      </dgm:cxnLst>
+      <dgm:bg/>
+      <dgm:whole/>
+    </dgm:dataModel>
+  </dgm:styleData>
+  <dgm:clrData>
+    <dgm:dataModel>
+      <dgm:ptLst>
+        <dgm:pt modelId="0" type="doc"/>
+        <dgm:pt modelId="1"/>
+        <dgm:pt modelId="2"/>
+        <dgm:pt modelId="3"/>
+        <dgm:pt modelId="4"/>
+      </dgm:ptLst>
+      <dgm:cxnLst>
+        <dgm:cxn modelId="5" srcId="0" destId="1" srcOrd="0" destOrd="0"/>
+        <dgm:cxn modelId="6" srcId="0" destId="2" srcOrd="1" destOrd="0"/>
+        <dgm:cxn modelId="7" srcId="0" destId="3" srcOrd="2" destOrd="0"/>
+        <dgm:cxn modelId="8" srcId="0" destId="4" srcOrd="3" destOrd="0"/>
+      </dgm:cxnLst>
+      <dgm:bg/>
+      <dgm:whole/>
+    </dgm:dataModel>
+  </dgm:clrData>
+  <dgm:layoutNode name="linear">
+    <dgm:varLst>
+      <dgm:animLvl val="lvl"/>
+      <dgm:resizeHandles val="exact"/>
+    </dgm:varLst>
+    <dgm:alg type="lin">
+      <dgm:param type="linDir" val="fromT"/>
+      <dgm:param type="vertAlign" val="mid"/>
+    </dgm:alg>
+    <dgm:shape xmlns:r="http://schemas.openxmlformats.org/officeDocument/2006/relationships" r:blip="">
+      <dgm:adjLst/>
+    </dgm:shape>
+    <dgm:presOf/>
+    <dgm:constrLst>
+      <dgm:constr type="w" for="ch" forName="parentText" refType="w"/>
+      <dgm:constr type="h" for="ch" forName="parentText" refType="primFontSz" refFor="ch" refForName="parentText" fact="0.52"/>
+      <dgm:constr type="w" for="ch" forName="childText" refType="w"/>
+      <dgm:constr type="h" for="ch" forName="childText" refType="primFontSz" refFor="ch" refForName="parentText" fact="0.46"/>
+      <dgm:constr type="h" for="ch" forName="parentText" op="equ"/>
+      <dgm:constr type="primFontSz" for="ch" forName="parentText" op="equ" val="65"/>
+      <dgm:constr type="primFontSz" for="ch" forName="childText" refType="primFontSz" refFor="ch" refForName="parentText" op="equ"/>
+      <dgm:constr type="h" for="ch" forName="spacer" refType="primFontSz" refFor="ch" refForName="parentText" fact="0.08"/>
+    </dgm:constrLst>
+    <dgm:ruleLst>
+      <dgm:rule type="primFontSz" for="ch" forName="parentText" val="5" fact="NaN" max="NaN"/>
+    </dgm:ruleLst>
+    <dgm:forEach name="Name0" axis="ch" ptType="node">
+      <dgm:layoutNode name="parentText" styleLbl="node1">
+        <dgm:varLst>
+          <dgm:chMax val="0"/>
+          <dgm:bulletEnabled val="1"/>
+        </dgm:varLst>
+        <dgm:alg type="tx">
+          <dgm:param type="parTxLTRAlign" val="l"/>
+          <dgm:param type="parTxRTLAlign" val="r"/>
+        </dgm:alg>
+        <dgm:shape xmlns:r="http://schemas.openxmlformats.org/officeDocument/2006/relationships" type="roundRect" r:blip="">
+          <dgm:adjLst/>
+        </dgm:shape>
+        <dgm:presOf axis="self"/>
+        <dgm:constrLst>
+          <dgm:constr type="tMarg" refType="primFontSz" fact="0.3"/>
+          <dgm:constr type="bMarg" refType="primFontSz" fact="0.3"/>
+          <dgm:constr type="lMarg" refType="primFontSz" fact="0.3"/>
+          <dgm:constr type="rMarg" refType="primFontSz" fact="0.3"/>
+        </dgm:constrLst>
+        <dgm:ruleLst>
+          <dgm:rule type="h" val="INF" fact="NaN" max="NaN"/>
+        </dgm:ruleLst>
+      </dgm:layoutNode>
+      <dgm:choose name="Name1">
+        <dgm:if name="Name2" axis="ch" ptType="node" func="cnt" op="gte" val="1">
+          <dgm:layoutNode name="childText" styleLbl="revTx">
+            <dgm:varLst>
+              <dgm:bulletEnabled val="1"/>
+            </dgm:varLst>
+            <dgm:alg type="tx">
+              <dgm:param type="stBulletLvl" val="1"/>
+              <dgm:param type="lnSpAfChP" val="20"/>
+            </dgm:alg>
+            <dgm:shape xmlns:r="http://schemas.openxmlformats.org/officeDocument/2006/relationships" type="rect" r:blip="">
+              <dgm:adjLst/>
+            </dgm:shape>
+            <dgm:presOf axis="des" ptType="node"/>
+            <dgm:constrLst>
+              <dgm:constr type="tMarg" refType="primFontSz" fact="0.1"/>
+              <dgm:constr type="bMarg" refType="primFontSz" fact="0.1"/>
+              <dgm:constr type="lMarg" refType="w" fact="0.09"/>
+            </dgm:constrLst>
+            <dgm:ruleLst>
+              <dgm:rule type="h" val="INF" fact="NaN" max="NaN"/>
+            </dgm:ruleLst>
+          </dgm:layoutNode>
+        </dgm:if>
+        <dgm:else name="Name3">
+          <dgm:choose name="Name4">
+            <dgm:if name="Name5" axis="par ch" ptType="doc node" func="cnt" op="gte" val="2">
+              <dgm:forEach name="Name6" axis="followSib" ptType="sibTrans" cnt="1">
+                <dgm:layoutNode name="spacer">
+                  <dgm:alg type="sp"/>
+                  <dgm:shape xmlns:r="http://schemas.openxmlformats.org/officeDocument/2006/relationships" r:blip="">
+                    <dgm:adjLst/>
+                  </dgm:shape>
+                  <dgm:presOf/>
+                  <dgm:constrLst/>
+                  <dgm:ruleLst/>
+                </dgm:layoutNode>
+              </dgm:forEach>
+            </dgm:if>
+            <dgm:else name="Name7"/>
+          </dgm:choose>
+        </dgm:else>
+      </dgm:choose>
+    </dgm:forEach>
+  </dgm:layoutNode>
+</dgm:layoutDef>
+</file>
+
+<file path=ppt/diagrams/layout2.xml><?xml version="1.0" encoding="utf-8"?>
+<dgm:layoutDef xmlns:dgm="http://schemas.openxmlformats.org/drawingml/2006/diagram" xmlns:a="http://schemas.openxmlformats.org/drawingml/2006/main" uniqueId="urn:microsoft.com/office/officeart/2005/8/layout/vList2">
+  <dgm:title val=""/>
+  <dgm:desc val=""/>
+  <dgm:catLst>
+    <dgm:cat type="list" pri="3000"/>
+    <dgm:cat type="convert" pri="1000"/>
+  </dgm:catLst>
+  <dgm:sampData>
+    <dgm:dataModel>
+      <dgm:ptLst>
+        <dgm:pt modelId="0" type="doc"/>
+        <dgm:pt modelId="1">
+          <dgm:prSet phldr="1"/>
+        </dgm:pt>
+        <dgm:pt modelId="11">
+          <dgm:prSet phldr="1"/>
+        </dgm:pt>
+        <dgm:pt modelId="2">
+          <dgm:prSet phldr="1"/>
+        </dgm:pt>
+        <dgm:pt modelId="21">
+          <dgm:prSet phldr="1"/>
+        </dgm:pt>
+      </dgm:ptLst>
+      <dgm:cxnLst>
+        <dgm:cxn modelId="4" srcId="0" destId="1" srcOrd="0" destOrd="0"/>
+        <dgm:cxn modelId="5" srcId="0" destId="2" srcOrd="1" destOrd="0"/>
+        <dgm:cxn modelId="12" srcId="1" destId="11" srcOrd="0" destOrd="0"/>
+        <dgm:cxn modelId="23" srcId="2" destId="21" srcOrd="0" destOrd="0"/>
+      </dgm:cxnLst>
+      <dgm:bg/>
+      <dgm:whole/>
+    </dgm:dataModel>
+  </dgm:sampData>
+  <dgm:styleData>
+    <dgm:dataModel>
+      <dgm:ptLst>
+        <dgm:pt modelId="0" type="doc"/>
+        <dgm:pt modelId="1"/>
+        <dgm:pt modelId="2"/>
+      </dgm:ptLst>
+      <dgm:cxnLst>
+        <dgm:cxn modelId="3" srcId="0" destId="1" srcOrd="0" destOrd="0"/>
+        <dgm:cxn modelId="4" srcId="0" destId="2" srcOrd="1" destOrd="0"/>
+      </dgm:cxnLst>
+      <dgm:bg/>
+      <dgm:whole/>
+    </dgm:dataModel>
+  </dgm:styleData>
+  <dgm:clrData>
+    <dgm:dataModel>
+      <dgm:ptLst>
+        <dgm:pt modelId="0" type="doc"/>
+        <dgm:pt modelId="1"/>
+        <dgm:pt modelId="2"/>
+        <dgm:pt modelId="3"/>
+        <dgm:pt modelId="4"/>
+      </dgm:ptLst>
+      <dgm:cxnLst>
+        <dgm:cxn modelId="5" srcId="0" destId="1" srcOrd="0" destOrd="0"/>
+        <dgm:cxn modelId="6" srcId="0" destId="2" srcOrd="1" destOrd="0"/>
+        <dgm:cxn modelId="7" srcId="0" destId="3" srcOrd="2" destOrd="0"/>
+        <dgm:cxn modelId="8" srcId="0" destId="4" srcOrd="3" destOrd="0"/>
+      </dgm:cxnLst>
+      <dgm:bg/>
+      <dgm:whole/>
+    </dgm:dataModel>
+  </dgm:clrData>
+  <dgm:layoutNode name="linear">
+    <dgm:varLst>
+      <dgm:animLvl val="lvl"/>
+      <dgm:resizeHandles val="exact"/>
+    </dgm:varLst>
+    <dgm:alg type="lin">
+      <dgm:param type="linDir" val="fromT"/>
+      <dgm:param type="vertAlign" val="mid"/>
+    </dgm:alg>
+    <dgm:shape xmlns:r="http://schemas.openxmlformats.org/officeDocument/2006/relationships" r:blip="">
+      <dgm:adjLst/>
+    </dgm:shape>
+    <dgm:presOf/>
+    <dgm:constrLst>
+      <dgm:constr type="w" for="ch" forName="parentText" refType="w"/>
+      <dgm:constr type="h" for="ch" forName="parentText" refType="primFontSz" refFor="ch" refForName="parentText" fact="0.52"/>
+      <dgm:constr type="w" for="ch" forName="childText" refType="w"/>
+      <dgm:constr type="h" for="ch" forName="childText" refType="primFontSz" refFor="ch" refForName="parentText" fact="0.46"/>
+      <dgm:constr type="h" for="ch" forName="parentText" op="equ"/>
+      <dgm:constr type="primFontSz" for="ch" forName="parentText" op="equ" val="65"/>
+      <dgm:constr type="primFontSz" for="ch" forName="childText" refType="primFontSz" refFor="ch" refForName="parentText" op="equ"/>
+      <dgm:constr type="h" for="ch" forName="spacer" refType="primFontSz" refFor="ch" refForName="parentText" fact="0.08"/>
+    </dgm:constrLst>
+    <dgm:ruleLst>
+      <dgm:rule type="primFontSz" for="ch" forName="parentText" val="5" fact="NaN" max="NaN"/>
+    </dgm:ruleLst>
+    <dgm:forEach name="Name0" axis="ch" ptType="node">
+      <dgm:layoutNode name="parentText" styleLbl="node1">
+        <dgm:varLst>
+          <dgm:chMax val="0"/>
+          <dgm:bulletEnabled val="1"/>
+        </dgm:varLst>
+        <dgm:alg type="tx">
+          <dgm:param type="parTxLTRAlign" val="l"/>
+          <dgm:param type="parTxRTLAlign" val="r"/>
+        </dgm:alg>
+        <dgm:shape xmlns:r="http://schemas.openxmlformats.org/officeDocument/2006/relationships" type="roundRect" r:blip="">
+          <dgm:adjLst/>
+        </dgm:shape>
+        <dgm:presOf axis="self"/>
+        <dgm:constrLst>
+          <dgm:constr type="tMarg" refType="primFontSz" fact="0.3"/>
+          <dgm:constr type="bMarg" refType="primFontSz" fact="0.3"/>
+          <dgm:constr type="lMarg" refType="primFontSz" fact="0.3"/>
+          <dgm:constr type="rMarg" refType="primFontSz" fact="0.3"/>
+        </dgm:constrLst>
+        <dgm:ruleLst>
+          <dgm:rule type="h" val="INF" fact="NaN" max="NaN"/>
+        </dgm:ruleLst>
+      </dgm:layoutNode>
+      <dgm:choose name="Name1">
+        <dgm:if name="Name2" axis="ch" ptType="node" func="cnt" op="gte" val="1">
+          <dgm:layoutNode name="childText" styleLbl="revTx">
+            <dgm:varLst>
+              <dgm:bulletEnabled val="1"/>
+            </dgm:varLst>
+            <dgm:alg type="tx">
+              <dgm:param type="stBulletLvl" val="1"/>
+              <dgm:param type="lnSpAfChP" val="20"/>
+            </dgm:alg>
+            <dgm:shape xmlns:r="http://schemas.openxmlformats.org/officeDocument/2006/relationships" type="rect" r:blip="">
+              <dgm:adjLst/>
+            </dgm:shape>
+            <dgm:presOf axis="des" ptType="node"/>
+            <dgm:constrLst>
+              <dgm:constr type="tMarg" refType="primFontSz" fact="0.1"/>
+              <dgm:constr type="bMarg" refType="primFontSz" fact="0.1"/>
+              <dgm:constr type="lMarg" refType="w" fact="0.09"/>
+            </dgm:constrLst>
+            <dgm:ruleLst>
+              <dgm:rule type="h" val="INF" fact="NaN" max="NaN"/>
+            </dgm:ruleLst>
+          </dgm:layoutNode>
+        </dgm:if>
+        <dgm:else name="Name3">
+          <dgm:choose name="Name4">
+            <dgm:if name="Name5" axis="par ch" ptType="doc node" func="cnt" op="gte" val="2">
+              <dgm:forEach name="Name6" axis="followSib" ptType="sibTrans" cnt="1">
+                <dgm:layoutNode name="spacer">
+                  <dgm:alg type="sp"/>
+                  <dgm:shape xmlns:r="http://schemas.openxmlformats.org/officeDocument/2006/relationships" r:blip="">
+                    <dgm:adjLst/>
+                  </dgm:shape>
+                  <dgm:presOf/>
+                  <dgm:constrLst/>
+                  <dgm:ruleLst/>
+                </dgm:layoutNode>
+              </dgm:forEach>
+            </dgm:if>
+            <dgm:else name="Name7"/>
+          </dgm:choose>
+        </dgm:else>
+      </dgm:choose>
+    </dgm:forEach>
+  </dgm:layoutNode>
+</dgm:layoutDef>
+</file>
+
+<file path=ppt/diagrams/layout3.xml><?xml version="1.0" encoding="utf-8"?>
 <dgm:layoutDef xmlns:dgm="http://schemas.openxmlformats.org/drawingml/2006/diagram" xmlns:a="http://schemas.openxmlformats.org/drawingml/2006/main" uniqueId="urn:microsoft.com/office/officeart/2005/8/layout/vProcess5">
   <dgm:title val=""/>
   <dgm:desc val=""/>
@@ -7242,7 +10608,7 @@
 </dgm:layoutDef>
 </file>
 
-<file path=ppt/diagrams/layout2.xml><?xml version="1.0" encoding="utf-8"?>
+<file path=ppt/diagrams/layout4.xml><?xml version="1.0" encoding="utf-8"?>
 <dgm:layoutDef xmlns:dgm="http://schemas.openxmlformats.org/drawingml/2006/diagram" xmlns:a="http://schemas.openxmlformats.org/drawingml/2006/main" uniqueId="urn:microsoft.com/office/officeart/2018/2/layout/IconVerticalSolidList">
   <dgm:title val="Icon Vertical Solid List"/>
   <dgm:desc val="Use to show a series of visuals from top to bottom with Level 1 or Level 1 and Level 2 text grouped in a shape. Works best with icons or small pictures with lengthier descriptions."/>
@@ -9604,6 +12970,2074 @@
 </dgm:styleDef>
 </file>
 
+<file path=ppt/diagrams/quickStyle3.xml><?xml version="1.0" encoding="utf-8"?>
+<dgm:styleDef xmlns:dgm="http://schemas.openxmlformats.org/drawingml/2006/diagram" xmlns:a="http://schemas.openxmlformats.org/drawingml/2006/main" uniqueId="urn:microsoft.com/office/officeart/2005/8/quickstyle/simple1">
+  <dgm:title val=""/>
+  <dgm:desc val=""/>
+  <dgm:catLst>
+    <dgm:cat type="simple" pri="10100"/>
+  </dgm:catLst>
+  <dgm:scene3d>
+    <a:camera prst="orthographicFront"/>
+    <a:lightRig rig="threePt" dir="t"/>
+  </dgm:scene3d>
+  <dgm:styleLbl name="node0">
+    <dgm:scene3d>
+      <a:camera prst="orthographicFront"/>
+      <a:lightRig rig="threePt" dir="t"/>
+    </dgm:scene3d>
+    <dgm:sp3d/>
+    <dgm:txPr/>
+    <dgm:style>
+      <a:lnRef idx="2">
+        <a:scrgbClr r="0" g="0" b="0"/>
+      </a:lnRef>
+      <a:fillRef idx="1">
+        <a:scrgbClr r="0" g="0" b="0"/>
+      </a:fillRef>
+      <a:effectRef idx="0">
+        <a:scrgbClr r="0" g="0" b="0"/>
+      </a:effectRef>
+      <a:fontRef idx="minor">
+        <a:schemeClr val="lt1"/>
+      </a:fontRef>
+    </dgm:style>
+  </dgm:styleLbl>
+  <dgm:styleLbl name="lnNode1">
+    <dgm:scene3d>
+      <a:camera prst="orthographicFront"/>
+      <a:lightRig rig="threePt" dir="t"/>
+    </dgm:scene3d>
+    <dgm:sp3d/>
+    <dgm:txPr/>
+    <dgm:style>
+      <a:lnRef idx="2">
+        <a:scrgbClr r="0" g="0" b="0"/>
+      </a:lnRef>
+      <a:fillRef idx="1">
+        <a:scrgbClr r="0" g="0" b="0"/>
+      </a:fillRef>
+      <a:effectRef idx="0">
+        <a:scrgbClr r="0" g="0" b="0"/>
+      </a:effectRef>
+      <a:fontRef idx="minor">
+        <a:schemeClr val="lt1"/>
+      </a:fontRef>
+    </dgm:style>
+  </dgm:styleLbl>
+  <dgm:styleLbl name="vennNode1">
+    <dgm:scene3d>
+      <a:camera prst="orthographicFront"/>
+      <a:lightRig rig="threePt" dir="t"/>
+    </dgm:scene3d>
+    <dgm:sp3d/>
+    <dgm:txPr/>
+    <dgm:style>
+      <a:lnRef idx="2">
+        <a:scrgbClr r="0" g="0" b="0"/>
+      </a:lnRef>
+      <a:fillRef idx="1">
+        <a:scrgbClr r="0" g="0" b="0"/>
+      </a:fillRef>
+      <a:effectRef idx="0">
+        <a:scrgbClr r="0" g="0" b="0"/>
+      </a:effectRef>
+      <a:fontRef idx="minor">
+        <a:schemeClr val="tx1"/>
+      </a:fontRef>
+    </dgm:style>
+  </dgm:styleLbl>
+  <dgm:styleLbl name="alignNode1">
+    <dgm:scene3d>
+      <a:camera prst="orthographicFront"/>
+      <a:lightRig rig="threePt" dir="t"/>
+    </dgm:scene3d>
+    <dgm:sp3d/>
+    <dgm:txPr/>
+    <dgm:style>
+      <a:lnRef idx="2">
+        <a:scrgbClr r="0" g="0" b="0"/>
+      </a:lnRef>
+      <a:fillRef idx="1">
+        <a:scrgbClr r="0" g="0" b="0"/>
+      </a:fillRef>
+      <a:effectRef idx="0">
+        <a:scrgbClr r="0" g="0" b="0"/>
+      </a:effectRef>
+      <a:fontRef idx="minor">
+        <a:schemeClr val="lt1"/>
+      </a:fontRef>
+    </dgm:style>
+  </dgm:styleLbl>
+  <dgm:styleLbl name="node1">
+    <dgm:scene3d>
+      <a:camera prst="orthographicFront"/>
+      <a:lightRig rig="threePt" dir="t"/>
+    </dgm:scene3d>
+    <dgm:sp3d/>
+    <dgm:txPr/>
+    <dgm:style>
+      <a:lnRef idx="2">
+        <a:scrgbClr r="0" g="0" b="0"/>
+      </a:lnRef>
+      <a:fillRef idx="1">
+        <a:scrgbClr r="0" g="0" b="0"/>
+      </a:fillRef>
+      <a:effectRef idx="0">
+        <a:scrgbClr r="0" g="0" b="0"/>
+      </a:effectRef>
+      <a:fontRef idx="minor">
+        <a:schemeClr val="lt1"/>
+      </a:fontRef>
+    </dgm:style>
+  </dgm:styleLbl>
+  <dgm:styleLbl name="node2">
+    <dgm:scene3d>
+      <a:camera prst="orthographicFront"/>
+      <a:lightRig rig="threePt" dir="t"/>
+    </dgm:scene3d>
+    <dgm:sp3d/>
+    <dgm:txPr/>
+    <dgm:style>
+      <a:lnRef idx="2">
+        <a:scrgbClr r="0" g="0" b="0"/>
+      </a:lnRef>
+      <a:fillRef idx="1">
+        <a:scrgbClr r="0" g="0" b="0"/>
+      </a:fillRef>
+      <a:effectRef idx="0">
+        <a:scrgbClr r="0" g="0" b="0"/>
+      </a:effectRef>
+      <a:fontRef idx="minor">
+        <a:schemeClr val="lt1"/>
+      </a:fontRef>
+    </dgm:style>
+  </dgm:styleLbl>
+  <dgm:styleLbl name="node3">
+    <dgm:scene3d>
+      <a:camera prst="orthographicFront"/>
+      <a:lightRig rig="threePt" dir="t"/>
+    </dgm:scene3d>
+    <dgm:sp3d/>
+    <dgm:txPr/>
+    <dgm:style>
+      <a:lnRef idx="2">
+        <a:scrgbClr r="0" g="0" b="0"/>
+      </a:lnRef>
+      <a:fillRef idx="1">
+        <a:scrgbClr r="0" g="0" b="0"/>
+      </a:fillRef>
+      <a:effectRef idx="0">
+        <a:scrgbClr r="0" g="0" b="0"/>
+      </a:effectRef>
+      <a:fontRef idx="minor">
+        <a:schemeClr val="lt1"/>
+      </a:fontRef>
+    </dgm:style>
+  </dgm:styleLbl>
+  <dgm:styleLbl name="node4">
+    <dgm:scene3d>
+      <a:camera prst="orthographicFront"/>
+      <a:lightRig rig="threePt" dir="t"/>
+    </dgm:scene3d>
+    <dgm:sp3d/>
+    <dgm:txPr/>
+    <dgm:style>
+      <a:lnRef idx="2">
+        <a:scrgbClr r="0" g="0" b="0"/>
+      </a:lnRef>
+      <a:fillRef idx="1">
+        <a:scrgbClr r="0" g="0" b="0"/>
+      </a:fillRef>
+      <a:effectRef idx="0">
+        <a:scrgbClr r="0" g="0" b="0"/>
+      </a:effectRef>
+      <a:fontRef idx="minor">
+        <a:schemeClr val="lt1"/>
+      </a:fontRef>
+    </dgm:style>
+  </dgm:styleLbl>
+  <dgm:styleLbl name="fgImgPlace1">
+    <dgm:scene3d>
+      <a:camera prst="orthographicFront"/>
+      <a:lightRig rig="threePt" dir="t"/>
+    </dgm:scene3d>
+    <dgm:sp3d/>
+    <dgm:txPr/>
+    <dgm:style>
+      <a:lnRef idx="2">
+        <a:scrgbClr r="0" g="0" b="0"/>
+      </a:lnRef>
+      <a:fillRef idx="1">
+        <a:scrgbClr r="0" g="0" b="0"/>
+      </a:fillRef>
+      <a:effectRef idx="0">
+        <a:scrgbClr r="0" g="0" b="0"/>
+      </a:effectRef>
+      <a:fontRef idx="minor"/>
+    </dgm:style>
+  </dgm:styleLbl>
+  <dgm:styleLbl name="alignImgPlace1">
+    <dgm:scene3d>
+      <a:camera prst="orthographicFront"/>
+      <a:lightRig rig="threePt" dir="t"/>
+    </dgm:scene3d>
+    <dgm:sp3d/>
+    <dgm:txPr/>
+    <dgm:style>
+      <a:lnRef idx="2">
+        <a:scrgbClr r="0" g="0" b="0"/>
+      </a:lnRef>
+      <a:fillRef idx="1">
+        <a:scrgbClr r="0" g="0" b="0"/>
+      </a:fillRef>
+      <a:effectRef idx="0">
+        <a:scrgbClr r="0" g="0" b="0"/>
+      </a:effectRef>
+      <a:fontRef idx="minor"/>
+    </dgm:style>
+  </dgm:styleLbl>
+  <dgm:styleLbl name="bgImgPlace1">
+    <dgm:scene3d>
+      <a:camera prst="orthographicFront"/>
+      <a:lightRig rig="threePt" dir="t"/>
+    </dgm:scene3d>
+    <dgm:sp3d/>
+    <dgm:txPr/>
+    <dgm:style>
+      <a:lnRef idx="2">
+        <a:scrgbClr r="0" g="0" b="0"/>
+      </a:lnRef>
+      <a:fillRef idx="1">
+        <a:scrgbClr r="0" g="0" b="0"/>
+      </a:fillRef>
+      <a:effectRef idx="0">
+        <a:scrgbClr r="0" g="0" b="0"/>
+      </a:effectRef>
+      <a:fontRef idx="minor"/>
+    </dgm:style>
+  </dgm:styleLbl>
+  <dgm:styleLbl name="sibTrans2D1">
+    <dgm:scene3d>
+      <a:camera prst="orthographicFront"/>
+      <a:lightRig rig="threePt" dir="t"/>
+    </dgm:scene3d>
+    <dgm:sp3d/>
+    <dgm:txPr/>
+    <dgm:style>
+      <a:lnRef idx="0">
+        <a:scrgbClr r="0" g="0" b="0"/>
+      </a:lnRef>
+      <a:fillRef idx="1">
+        <a:scrgbClr r="0" g="0" b="0"/>
+      </a:fillRef>
+      <a:effectRef idx="0">
+        <a:scrgbClr r="0" g="0" b="0"/>
+      </a:effectRef>
+      <a:fontRef idx="minor">
+        <a:schemeClr val="lt1"/>
+      </a:fontRef>
+    </dgm:style>
+  </dgm:styleLbl>
+  <dgm:styleLbl name="fgSibTrans2D1">
+    <dgm:scene3d>
+      <a:camera prst="orthographicFront"/>
+      <a:lightRig rig="threePt" dir="t"/>
+    </dgm:scene3d>
+    <dgm:sp3d/>
+    <dgm:txPr/>
+    <dgm:style>
+      <a:lnRef idx="0">
+        <a:scrgbClr r="0" g="0" b="0"/>
+      </a:lnRef>
+      <a:fillRef idx="1">
+        <a:scrgbClr r="0" g="0" b="0"/>
+      </a:fillRef>
+      <a:effectRef idx="0">
+        <a:scrgbClr r="0" g="0" b="0"/>
+      </a:effectRef>
+      <a:fontRef idx="minor">
+        <a:schemeClr val="lt1"/>
+      </a:fontRef>
+    </dgm:style>
+  </dgm:styleLbl>
+  <dgm:styleLbl name="bgSibTrans2D1">
+    <dgm:scene3d>
+      <a:camera prst="orthographicFront"/>
+      <a:lightRig rig="threePt" dir="t"/>
+    </dgm:scene3d>
+    <dgm:sp3d/>
+    <dgm:txPr/>
+    <dgm:style>
+      <a:lnRef idx="0">
+        <a:scrgbClr r="0" g="0" b="0"/>
+      </a:lnRef>
+      <a:fillRef idx="1">
+        <a:scrgbClr r="0" g="0" b="0"/>
+      </a:fillRef>
+      <a:effectRef idx="0">
+        <a:scrgbClr r="0" g="0" b="0"/>
+      </a:effectRef>
+      <a:fontRef idx="minor">
+        <a:schemeClr val="lt1"/>
+      </a:fontRef>
+    </dgm:style>
+  </dgm:styleLbl>
+  <dgm:styleLbl name="sibTrans1D1">
+    <dgm:scene3d>
+      <a:camera prst="orthographicFront"/>
+      <a:lightRig rig="threePt" dir="t"/>
+    </dgm:scene3d>
+    <dgm:sp3d/>
+    <dgm:txPr/>
+    <dgm:style>
+      <a:lnRef idx="1">
+        <a:scrgbClr r="0" g="0" b="0"/>
+      </a:lnRef>
+      <a:fillRef idx="0">
+        <a:scrgbClr r="0" g="0" b="0"/>
+      </a:fillRef>
+      <a:effectRef idx="0">
+        <a:scrgbClr r="0" g="0" b="0"/>
+      </a:effectRef>
+      <a:fontRef idx="minor"/>
+    </dgm:style>
+  </dgm:styleLbl>
+  <dgm:styleLbl name="callout">
+    <dgm:scene3d>
+      <a:camera prst="orthographicFront"/>
+      <a:lightRig rig="threePt" dir="t"/>
+    </dgm:scene3d>
+    <dgm:sp3d/>
+    <dgm:txPr/>
+    <dgm:style>
+      <a:lnRef idx="2">
+        <a:scrgbClr r="0" g="0" b="0"/>
+      </a:lnRef>
+      <a:fillRef idx="1">
+        <a:scrgbClr r="0" g="0" b="0"/>
+      </a:fillRef>
+      <a:effectRef idx="0">
+        <a:scrgbClr r="0" g="0" b="0"/>
+      </a:effectRef>
+      <a:fontRef idx="minor"/>
+    </dgm:style>
+  </dgm:styleLbl>
+  <dgm:styleLbl name="asst0">
+    <dgm:scene3d>
+      <a:camera prst="orthographicFront"/>
+      <a:lightRig rig="threePt" dir="t"/>
+    </dgm:scene3d>
+    <dgm:sp3d/>
+    <dgm:txPr/>
+    <dgm:style>
+      <a:lnRef idx="2">
+        <a:scrgbClr r="0" g="0" b="0"/>
+      </a:lnRef>
+      <a:fillRef idx="1">
+        <a:scrgbClr r="0" g="0" b="0"/>
+      </a:fillRef>
+      <a:effectRef idx="0">
+        <a:scrgbClr r="0" g="0" b="0"/>
+      </a:effectRef>
+      <a:fontRef idx="minor">
+        <a:schemeClr val="lt1"/>
+      </a:fontRef>
+    </dgm:style>
+  </dgm:styleLbl>
+  <dgm:styleLbl name="asst1">
+    <dgm:scene3d>
+      <a:camera prst="orthographicFront"/>
+      <a:lightRig rig="threePt" dir="t"/>
+    </dgm:scene3d>
+    <dgm:sp3d/>
+    <dgm:txPr/>
+    <dgm:style>
+      <a:lnRef idx="2">
+        <a:scrgbClr r="0" g="0" b="0"/>
+      </a:lnRef>
+      <a:fillRef idx="1">
+        <a:scrgbClr r="0" g="0" b="0"/>
+      </a:fillRef>
+      <a:effectRef idx="0">
+        <a:scrgbClr r="0" g="0" b="0"/>
+      </a:effectRef>
+      <a:fontRef idx="minor">
+        <a:schemeClr val="lt1"/>
+      </a:fontRef>
+    </dgm:style>
+  </dgm:styleLbl>
+  <dgm:styleLbl name="asst2">
+    <dgm:scene3d>
+      <a:camera prst="orthographicFront"/>
+      <a:lightRig rig="threePt" dir="t"/>
+    </dgm:scene3d>
+    <dgm:sp3d/>
+    <dgm:txPr/>
+    <dgm:style>
+      <a:lnRef idx="2">
+        <a:scrgbClr r="0" g="0" b="0"/>
+      </a:lnRef>
+      <a:fillRef idx="1">
+        <a:scrgbClr r="0" g="0" b="0"/>
+      </a:fillRef>
+      <a:effectRef idx="0">
+        <a:scrgbClr r="0" g="0" b="0"/>
+      </a:effectRef>
+      <a:fontRef idx="minor">
+        <a:schemeClr val="lt1"/>
+      </a:fontRef>
+    </dgm:style>
+  </dgm:styleLbl>
+  <dgm:styleLbl name="asst3">
+    <dgm:scene3d>
+      <a:camera prst="orthographicFront"/>
+      <a:lightRig rig="threePt" dir="t"/>
+    </dgm:scene3d>
+    <dgm:sp3d/>
+    <dgm:txPr/>
+    <dgm:style>
+      <a:lnRef idx="2">
+        <a:scrgbClr r="0" g="0" b="0"/>
+      </a:lnRef>
+      <a:fillRef idx="1">
+        <a:scrgbClr r="0" g="0" b="0"/>
+      </a:fillRef>
+      <a:effectRef idx="0">
+        <a:scrgbClr r="0" g="0" b="0"/>
+      </a:effectRef>
+      <a:fontRef idx="minor">
+        <a:schemeClr val="lt1"/>
+      </a:fontRef>
+    </dgm:style>
+  </dgm:styleLbl>
+  <dgm:styleLbl name="asst4">
+    <dgm:scene3d>
+      <a:camera prst="orthographicFront"/>
+      <a:lightRig rig="threePt" dir="t"/>
+    </dgm:scene3d>
+    <dgm:sp3d/>
+    <dgm:txPr/>
+    <dgm:style>
+      <a:lnRef idx="2">
+        <a:scrgbClr r="0" g="0" b="0"/>
+      </a:lnRef>
+      <a:fillRef idx="1">
+        <a:scrgbClr r="0" g="0" b="0"/>
+      </a:fillRef>
+      <a:effectRef idx="0">
+        <a:scrgbClr r="0" g="0" b="0"/>
+      </a:effectRef>
+      <a:fontRef idx="minor">
+        <a:schemeClr val="lt1"/>
+      </a:fontRef>
+    </dgm:style>
+  </dgm:styleLbl>
+  <dgm:styleLbl name="parChTrans2D1">
+    <dgm:scene3d>
+      <a:camera prst="orthographicFront"/>
+      <a:lightRig rig="threePt" dir="t"/>
+    </dgm:scene3d>
+    <dgm:sp3d/>
+    <dgm:txPr/>
+    <dgm:style>
+      <a:lnRef idx="2">
+        <a:scrgbClr r="0" g="0" b="0"/>
+      </a:lnRef>
+      <a:fillRef idx="1">
+        <a:scrgbClr r="0" g="0" b="0"/>
+      </a:fillRef>
+      <a:effectRef idx="0">
+        <a:scrgbClr r="0" g="0" b="0"/>
+      </a:effectRef>
+      <a:fontRef idx="minor">
+        <a:schemeClr val="lt1"/>
+      </a:fontRef>
+    </dgm:style>
+  </dgm:styleLbl>
+  <dgm:styleLbl name="parChTrans2D2">
+    <dgm:scene3d>
+      <a:camera prst="orthographicFront"/>
+      <a:lightRig rig="threePt" dir="t"/>
+    </dgm:scene3d>
+    <dgm:sp3d/>
+    <dgm:txPr/>
+    <dgm:style>
+      <a:lnRef idx="2">
+        <a:scrgbClr r="0" g="0" b="0"/>
+      </a:lnRef>
+      <a:fillRef idx="1">
+        <a:scrgbClr r="0" g="0" b="0"/>
+      </a:fillRef>
+      <a:effectRef idx="0">
+        <a:scrgbClr r="0" g="0" b="0"/>
+      </a:effectRef>
+      <a:fontRef idx="minor">
+        <a:schemeClr val="lt1"/>
+      </a:fontRef>
+    </dgm:style>
+  </dgm:styleLbl>
+  <dgm:styleLbl name="parChTrans2D3">
+    <dgm:scene3d>
+      <a:camera prst="orthographicFront"/>
+      <a:lightRig rig="threePt" dir="t"/>
+    </dgm:scene3d>
+    <dgm:sp3d/>
+    <dgm:txPr/>
+    <dgm:style>
+      <a:lnRef idx="2">
+        <a:scrgbClr r="0" g="0" b="0"/>
+      </a:lnRef>
+      <a:fillRef idx="1">
+        <a:scrgbClr r="0" g="0" b="0"/>
+      </a:fillRef>
+      <a:effectRef idx="0">
+        <a:scrgbClr r="0" g="0" b="0"/>
+      </a:effectRef>
+      <a:fontRef idx="minor">
+        <a:schemeClr val="lt1"/>
+      </a:fontRef>
+    </dgm:style>
+  </dgm:styleLbl>
+  <dgm:styleLbl name="parChTrans2D4">
+    <dgm:scene3d>
+      <a:camera prst="orthographicFront"/>
+      <a:lightRig rig="threePt" dir="t"/>
+    </dgm:scene3d>
+    <dgm:sp3d/>
+    <dgm:txPr/>
+    <dgm:style>
+      <a:lnRef idx="2">
+        <a:scrgbClr r="0" g="0" b="0"/>
+      </a:lnRef>
+      <a:fillRef idx="1">
+        <a:scrgbClr r="0" g="0" b="0"/>
+      </a:fillRef>
+      <a:effectRef idx="0">
+        <a:scrgbClr r="0" g="0" b="0"/>
+      </a:effectRef>
+      <a:fontRef idx="minor">
+        <a:schemeClr val="lt1"/>
+      </a:fontRef>
+    </dgm:style>
+  </dgm:styleLbl>
+  <dgm:styleLbl name="parChTrans1D1">
+    <dgm:scene3d>
+      <a:camera prst="orthographicFront"/>
+      <a:lightRig rig="threePt" dir="t"/>
+    </dgm:scene3d>
+    <dgm:sp3d/>
+    <dgm:txPr/>
+    <dgm:style>
+      <a:lnRef idx="2">
+        <a:scrgbClr r="0" g="0" b="0"/>
+      </a:lnRef>
+      <a:fillRef idx="0">
+        <a:scrgbClr r="0" g="0" b="0"/>
+      </a:fillRef>
+      <a:effectRef idx="0">
+        <a:scrgbClr r="0" g="0" b="0"/>
+      </a:effectRef>
+      <a:fontRef idx="minor"/>
+    </dgm:style>
+  </dgm:styleLbl>
+  <dgm:styleLbl name="parChTrans1D2">
+    <dgm:scene3d>
+      <a:camera prst="orthographicFront"/>
+      <a:lightRig rig="threePt" dir="t"/>
+    </dgm:scene3d>
+    <dgm:sp3d/>
+    <dgm:txPr/>
+    <dgm:style>
+      <a:lnRef idx="2">
+        <a:scrgbClr r="0" g="0" b="0"/>
+      </a:lnRef>
+      <a:fillRef idx="0">
+        <a:scrgbClr r="0" g="0" b="0"/>
+      </a:fillRef>
+      <a:effectRef idx="0">
+        <a:scrgbClr r="0" g="0" b="0"/>
+      </a:effectRef>
+      <a:fontRef idx="minor"/>
+    </dgm:style>
+  </dgm:styleLbl>
+  <dgm:styleLbl name="parChTrans1D3">
+    <dgm:scene3d>
+      <a:camera prst="orthographicFront"/>
+      <a:lightRig rig="threePt" dir="t"/>
+    </dgm:scene3d>
+    <dgm:sp3d/>
+    <dgm:txPr/>
+    <dgm:style>
+      <a:lnRef idx="2">
+        <a:scrgbClr r="0" g="0" b="0"/>
+      </a:lnRef>
+      <a:fillRef idx="0">
+        <a:scrgbClr r="0" g="0" b="0"/>
+      </a:fillRef>
+      <a:effectRef idx="0">
+        <a:scrgbClr r="0" g="0" b="0"/>
+      </a:effectRef>
+      <a:fontRef idx="minor"/>
+    </dgm:style>
+  </dgm:styleLbl>
+  <dgm:styleLbl name="parChTrans1D4">
+    <dgm:scene3d>
+      <a:camera prst="orthographicFront"/>
+      <a:lightRig rig="threePt" dir="t"/>
+    </dgm:scene3d>
+    <dgm:sp3d/>
+    <dgm:txPr/>
+    <dgm:style>
+      <a:lnRef idx="2">
+        <a:scrgbClr r="0" g="0" b="0"/>
+      </a:lnRef>
+      <a:fillRef idx="0">
+        <a:scrgbClr r="0" g="0" b="0"/>
+      </a:fillRef>
+      <a:effectRef idx="0">
+        <a:scrgbClr r="0" g="0" b="0"/>
+      </a:effectRef>
+      <a:fontRef idx="minor"/>
+    </dgm:style>
+  </dgm:styleLbl>
+  <dgm:styleLbl name="fgAcc1">
+    <dgm:scene3d>
+      <a:camera prst="orthographicFront"/>
+      <a:lightRig rig="threePt" dir="t"/>
+    </dgm:scene3d>
+    <dgm:sp3d/>
+    <dgm:txPr/>
+    <dgm:style>
+      <a:lnRef idx="2">
+        <a:scrgbClr r="0" g="0" b="0"/>
+      </a:lnRef>
+      <a:fillRef idx="1">
+        <a:scrgbClr r="0" g="0" b="0"/>
+      </a:fillRef>
+      <a:effectRef idx="0">
+        <a:scrgbClr r="0" g="0" b="0"/>
+      </a:effectRef>
+      <a:fontRef idx="minor"/>
+    </dgm:style>
+  </dgm:styleLbl>
+  <dgm:styleLbl name="conFgAcc1">
+    <dgm:scene3d>
+      <a:camera prst="orthographicFront"/>
+      <a:lightRig rig="threePt" dir="t"/>
+    </dgm:scene3d>
+    <dgm:sp3d/>
+    <dgm:txPr/>
+    <dgm:style>
+      <a:lnRef idx="2">
+        <a:scrgbClr r="0" g="0" b="0"/>
+      </a:lnRef>
+      <a:fillRef idx="1">
+        <a:scrgbClr r="0" g="0" b="0"/>
+      </a:fillRef>
+      <a:effectRef idx="0">
+        <a:scrgbClr r="0" g="0" b="0"/>
+      </a:effectRef>
+      <a:fontRef idx="minor"/>
+    </dgm:style>
+  </dgm:styleLbl>
+  <dgm:styleLbl name="alignAcc1">
+    <dgm:scene3d>
+      <a:camera prst="orthographicFront"/>
+      <a:lightRig rig="threePt" dir="t"/>
+    </dgm:scene3d>
+    <dgm:sp3d/>
+    <dgm:txPr/>
+    <dgm:style>
+      <a:lnRef idx="2">
+        <a:scrgbClr r="0" g="0" b="0"/>
+      </a:lnRef>
+      <a:fillRef idx="1">
+        <a:scrgbClr r="0" g="0" b="0"/>
+      </a:fillRef>
+      <a:effectRef idx="0">
+        <a:scrgbClr r="0" g="0" b="0"/>
+      </a:effectRef>
+      <a:fontRef idx="minor"/>
+    </dgm:style>
+  </dgm:styleLbl>
+  <dgm:styleLbl name="trAlignAcc1">
+    <dgm:scene3d>
+      <a:camera prst="orthographicFront"/>
+      <a:lightRig rig="threePt" dir="t"/>
+    </dgm:scene3d>
+    <dgm:sp3d/>
+    <dgm:txPr/>
+    <dgm:style>
+      <a:lnRef idx="1">
+        <a:scrgbClr r="0" g="0" b="0"/>
+      </a:lnRef>
+      <a:fillRef idx="1">
+        <a:scrgbClr r="0" g="0" b="0"/>
+      </a:fillRef>
+      <a:effectRef idx="0">
+        <a:scrgbClr r="0" g="0" b="0"/>
+      </a:effectRef>
+      <a:fontRef idx="minor"/>
+    </dgm:style>
+  </dgm:styleLbl>
+  <dgm:styleLbl name="bgAcc1">
+    <dgm:scene3d>
+      <a:camera prst="orthographicFront"/>
+      <a:lightRig rig="threePt" dir="t"/>
+    </dgm:scene3d>
+    <dgm:sp3d/>
+    <dgm:txPr/>
+    <dgm:style>
+      <a:lnRef idx="2">
+        <a:scrgbClr r="0" g="0" b="0"/>
+      </a:lnRef>
+      <a:fillRef idx="1">
+        <a:scrgbClr r="0" g="0" b="0"/>
+      </a:fillRef>
+      <a:effectRef idx="0">
+        <a:scrgbClr r="0" g="0" b="0"/>
+      </a:effectRef>
+      <a:fontRef idx="minor"/>
+    </dgm:style>
+  </dgm:styleLbl>
+  <dgm:styleLbl name="solidFgAcc1">
+    <dgm:scene3d>
+      <a:camera prst="orthographicFront"/>
+      <a:lightRig rig="threePt" dir="t"/>
+    </dgm:scene3d>
+    <dgm:sp3d/>
+    <dgm:txPr/>
+    <dgm:style>
+      <a:lnRef idx="2">
+        <a:scrgbClr r="0" g="0" b="0"/>
+      </a:lnRef>
+      <a:fillRef idx="1">
+        <a:scrgbClr r="0" g="0" b="0"/>
+      </a:fillRef>
+      <a:effectRef idx="0">
+        <a:scrgbClr r="0" g="0" b="0"/>
+      </a:effectRef>
+      <a:fontRef idx="minor"/>
+    </dgm:style>
+  </dgm:styleLbl>
+  <dgm:styleLbl name="solidAlignAcc1">
+    <dgm:scene3d>
+      <a:camera prst="orthographicFront"/>
+      <a:lightRig rig="threePt" dir="t"/>
+    </dgm:scene3d>
+    <dgm:sp3d/>
+    <dgm:txPr/>
+    <dgm:style>
+      <a:lnRef idx="2">
+        <a:scrgbClr r="0" g="0" b="0"/>
+      </a:lnRef>
+      <a:fillRef idx="1">
+        <a:scrgbClr r="0" g="0" b="0"/>
+      </a:fillRef>
+      <a:effectRef idx="0">
+        <a:scrgbClr r="0" g="0" b="0"/>
+      </a:effectRef>
+      <a:fontRef idx="minor"/>
+    </dgm:style>
+  </dgm:styleLbl>
+  <dgm:styleLbl name="solidBgAcc1">
+    <dgm:scene3d>
+      <a:camera prst="orthographicFront"/>
+      <a:lightRig rig="threePt" dir="t"/>
+    </dgm:scene3d>
+    <dgm:sp3d/>
+    <dgm:txPr/>
+    <dgm:style>
+      <a:lnRef idx="2">
+        <a:scrgbClr r="0" g="0" b="0"/>
+      </a:lnRef>
+      <a:fillRef idx="1">
+        <a:scrgbClr r="0" g="0" b="0"/>
+      </a:fillRef>
+      <a:effectRef idx="0">
+        <a:scrgbClr r="0" g="0" b="0"/>
+      </a:effectRef>
+      <a:fontRef idx="minor"/>
+    </dgm:style>
+  </dgm:styleLbl>
+  <dgm:styleLbl name="fgAccFollowNode1">
+    <dgm:scene3d>
+      <a:camera prst="orthographicFront"/>
+      <a:lightRig rig="threePt" dir="t"/>
+    </dgm:scene3d>
+    <dgm:sp3d/>
+    <dgm:txPr/>
+    <dgm:style>
+      <a:lnRef idx="2">
+        <a:scrgbClr r="0" g="0" b="0"/>
+      </a:lnRef>
+      <a:fillRef idx="1">
+        <a:scrgbClr r="0" g="0" b="0"/>
+      </a:fillRef>
+      <a:effectRef idx="0">
+        <a:scrgbClr r="0" g="0" b="0"/>
+      </a:effectRef>
+      <a:fontRef idx="minor"/>
+    </dgm:style>
+  </dgm:styleLbl>
+  <dgm:styleLbl name="alignAccFollowNode1">
+    <dgm:scene3d>
+      <a:camera prst="orthographicFront"/>
+      <a:lightRig rig="threePt" dir="t"/>
+    </dgm:scene3d>
+    <dgm:sp3d/>
+    <dgm:txPr/>
+    <dgm:style>
+      <a:lnRef idx="2">
+        <a:scrgbClr r="0" g="0" b="0"/>
+      </a:lnRef>
+      <a:fillRef idx="1">
+        <a:scrgbClr r="0" g="0" b="0"/>
+      </a:fillRef>
+      <a:effectRef idx="0">
+        <a:scrgbClr r="0" g="0" b="0"/>
+      </a:effectRef>
+      <a:fontRef idx="minor"/>
+    </dgm:style>
+  </dgm:styleLbl>
+  <dgm:styleLbl name="bgAccFollowNode1">
+    <dgm:scene3d>
+      <a:camera prst="orthographicFront"/>
+      <a:lightRig rig="threePt" dir="t"/>
+    </dgm:scene3d>
+    <dgm:sp3d/>
+    <dgm:txPr/>
+    <dgm:style>
+      <a:lnRef idx="2">
+        <a:scrgbClr r="0" g="0" b="0"/>
+      </a:lnRef>
+      <a:fillRef idx="1">
+        <a:scrgbClr r="0" g="0" b="0"/>
+      </a:fillRef>
+      <a:effectRef idx="0">
+        <a:scrgbClr r="0" g="0" b="0"/>
+      </a:effectRef>
+      <a:fontRef idx="minor"/>
+    </dgm:style>
+  </dgm:styleLbl>
+  <dgm:styleLbl name="fgAcc0">
+    <dgm:scene3d>
+      <a:camera prst="orthographicFront"/>
+      <a:lightRig rig="threePt" dir="t"/>
+    </dgm:scene3d>
+    <dgm:sp3d/>
+    <dgm:txPr/>
+    <dgm:style>
+      <a:lnRef idx="2">
+        <a:scrgbClr r="0" g="0" b="0"/>
+      </a:lnRef>
+      <a:fillRef idx="1">
+        <a:scrgbClr r="0" g="0" b="0"/>
+      </a:fillRef>
+      <a:effectRef idx="0">
+        <a:scrgbClr r="0" g="0" b="0"/>
+      </a:effectRef>
+      <a:fontRef idx="minor"/>
+    </dgm:style>
+  </dgm:styleLbl>
+  <dgm:styleLbl name="fgAcc2">
+    <dgm:scene3d>
+      <a:camera prst="orthographicFront"/>
+      <a:lightRig rig="threePt" dir="t"/>
+    </dgm:scene3d>
+    <dgm:sp3d/>
+    <dgm:txPr/>
+    <dgm:style>
+      <a:lnRef idx="2">
+        <a:scrgbClr r="0" g="0" b="0"/>
+      </a:lnRef>
+      <a:fillRef idx="1">
+        <a:scrgbClr r="0" g="0" b="0"/>
+      </a:fillRef>
+      <a:effectRef idx="0">
+        <a:scrgbClr r="0" g="0" b="0"/>
+      </a:effectRef>
+      <a:fontRef idx="minor"/>
+    </dgm:style>
+  </dgm:styleLbl>
+  <dgm:styleLbl name="fgAcc3">
+    <dgm:scene3d>
+      <a:camera prst="orthographicFront"/>
+      <a:lightRig rig="threePt" dir="t"/>
+    </dgm:scene3d>
+    <dgm:sp3d/>
+    <dgm:txPr/>
+    <dgm:style>
+      <a:lnRef idx="2">
+        <a:scrgbClr r="0" g="0" b="0"/>
+      </a:lnRef>
+      <a:fillRef idx="1">
+        <a:scrgbClr r="0" g="0" b="0"/>
+      </a:fillRef>
+      <a:effectRef idx="0">
+        <a:scrgbClr r="0" g="0" b="0"/>
+      </a:effectRef>
+      <a:fontRef idx="minor"/>
+    </dgm:style>
+  </dgm:styleLbl>
+  <dgm:styleLbl name="fgAcc4">
+    <dgm:scene3d>
+      <a:camera prst="orthographicFront"/>
+      <a:lightRig rig="threePt" dir="t"/>
+    </dgm:scene3d>
+    <dgm:sp3d/>
+    <dgm:txPr/>
+    <dgm:style>
+      <a:lnRef idx="2">
+        <a:scrgbClr r="0" g="0" b="0"/>
+      </a:lnRef>
+      <a:fillRef idx="1">
+        <a:scrgbClr r="0" g="0" b="0"/>
+      </a:fillRef>
+      <a:effectRef idx="0">
+        <a:scrgbClr r="0" g="0" b="0"/>
+      </a:effectRef>
+      <a:fontRef idx="minor"/>
+    </dgm:style>
+  </dgm:styleLbl>
+  <dgm:styleLbl name="bgShp">
+    <dgm:scene3d>
+      <a:camera prst="orthographicFront"/>
+      <a:lightRig rig="threePt" dir="t"/>
+    </dgm:scene3d>
+    <dgm:sp3d/>
+    <dgm:txPr/>
+    <dgm:style>
+      <a:lnRef idx="0">
+        <a:scrgbClr r="0" g="0" b="0"/>
+      </a:lnRef>
+      <a:fillRef idx="1">
+        <a:scrgbClr r="0" g="0" b="0"/>
+      </a:fillRef>
+      <a:effectRef idx="0">
+        <a:scrgbClr r="0" g="0" b="0"/>
+      </a:effectRef>
+      <a:fontRef idx="minor"/>
+    </dgm:style>
+  </dgm:styleLbl>
+  <dgm:styleLbl name="dkBgShp">
+    <dgm:scene3d>
+      <a:camera prst="orthographicFront"/>
+      <a:lightRig rig="threePt" dir="t"/>
+    </dgm:scene3d>
+    <dgm:sp3d/>
+    <dgm:txPr/>
+    <dgm:style>
+      <a:lnRef idx="0">
+        <a:scrgbClr r="0" g="0" b="0"/>
+      </a:lnRef>
+      <a:fillRef idx="1">
+        <a:scrgbClr r="0" g="0" b="0"/>
+      </a:fillRef>
+      <a:effectRef idx="0">
+        <a:scrgbClr r="0" g="0" b="0"/>
+      </a:effectRef>
+      <a:fontRef idx="minor"/>
+    </dgm:style>
+  </dgm:styleLbl>
+  <dgm:styleLbl name="trBgShp">
+    <dgm:scene3d>
+      <a:camera prst="orthographicFront"/>
+      <a:lightRig rig="threePt" dir="t"/>
+    </dgm:scene3d>
+    <dgm:sp3d/>
+    <dgm:txPr/>
+    <dgm:style>
+      <a:lnRef idx="0">
+        <a:scrgbClr r="0" g="0" b="0"/>
+      </a:lnRef>
+      <a:fillRef idx="1">
+        <a:scrgbClr r="0" g="0" b="0"/>
+      </a:fillRef>
+      <a:effectRef idx="0">
+        <a:scrgbClr r="0" g="0" b="0"/>
+      </a:effectRef>
+      <a:fontRef idx="minor"/>
+    </dgm:style>
+  </dgm:styleLbl>
+  <dgm:styleLbl name="fgShp">
+    <dgm:scene3d>
+      <a:camera prst="orthographicFront"/>
+      <a:lightRig rig="threePt" dir="t"/>
+    </dgm:scene3d>
+    <dgm:sp3d/>
+    <dgm:txPr/>
+    <dgm:style>
+      <a:lnRef idx="2">
+        <a:scrgbClr r="0" g="0" b="0"/>
+      </a:lnRef>
+      <a:fillRef idx="1">
+        <a:scrgbClr r="0" g="0" b="0"/>
+      </a:fillRef>
+      <a:effectRef idx="0">
+        <a:scrgbClr r="0" g="0" b="0"/>
+      </a:effectRef>
+      <a:fontRef idx="minor"/>
+    </dgm:style>
+  </dgm:styleLbl>
+  <dgm:styleLbl name="revTx">
+    <dgm:scene3d>
+      <a:camera prst="orthographicFront"/>
+      <a:lightRig rig="threePt" dir="t"/>
+    </dgm:scene3d>
+    <dgm:sp3d/>
+    <dgm:txPr/>
+    <dgm:style>
+      <a:lnRef idx="0">
+        <a:scrgbClr r="0" g="0" b="0"/>
+      </a:lnRef>
+      <a:fillRef idx="0">
+        <a:scrgbClr r="0" g="0" b="0"/>
+      </a:fillRef>
+      <a:effectRef idx="0">
+        <a:scrgbClr r="0" g="0" b="0"/>
+      </a:effectRef>
+      <a:fontRef idx="minor"/>
+    </dgm:style>
+  </dgm:styleLbl>
+</dgm:styleDef>
+</file>
+
+<file path=ppt/diagrams/quickStyle4.xml><?xml version="1.0" encoding="utf-8"?>
+<dgm:styleDef xmlns:dgm="http://schemas.openxmlformats.org/drawingml/2006/diagram" xmlns:a="http://schemas.openxmlformats.org/drawingml/2006/main" uniqueId="urn:microsoft.com/office/officeart/2005/8/quickstyle/simple1">
+  <dgm:title val=""/>
+  <dgm:desc val=""/>
+  <dgm:catLst>
+    <dgm:cat type="simple" pri="10100"/>
+  </dgm:catLst>
+  <dgm:scene3d>
+    <a:camera prst="orthographicFront"/>
+    <a:lightRig rig="threePt" dir="t"/>
+  </dgm:scene3d>
+  <dgm:styleLbl name="node0">
+    <dgm:scene3d>
+      <a:camera prst="orthographicFront"/>
+      <a:lightRig rig="threePt" dir="t"/>
+    </dgm:scene3d>
+    <dgm:sp3d/>
+    <dgm:txPr/>
+    <dgm:style>
+      <a:lnRef idx="2">
+        <a:scrgbClr r="0" g="0" b="0"/>
+      </a:lnRef>
+      <a:fillRef idx="1">
+        <a:scrgbClr r="0" g="0" b="0"/>
+      </a:fillRef>
+      <a:effectRef idx="0">
+        <a:scrgbClr r="0" g="0" b="0"/>
+      </a:effectRef>
+      <a:fontRef idx="minor">
+        <a:schemeClr val="lt1"/>
+      </a:fontRef>
+    </dgm:style>
+  </dgm:styleLbl>
+  <dgm:styleLbl name="lnNode1">
+    <dgm:scene3d>
+      <a:camera prst="orthographicFront"/>
+      <a:lightRig rig="threePt" dir="t"/>
+    </dgm:scene3d>
+    <dgm:sp3d/>
+    <dgm:txPr/>
+    <dgm:style>
+      <a:lnRef idx="2">
+        <a:scrgbClr r="0" g="0" b="0"/>
+      </a:lnRef>
+      <a:fillRef idx="1">
+        <a:scrgbClr r="0" g="0" b="0"/>
+      </a:fillRef>
+      <a:effectRef idx="0">
+        <a:scrgbClr r="0" g="0" b="0"/>
+      </a:effectRef>
+      <a:fontRef idx="minor">
+        <a:schemeClr val="lt1"/>
+      </a:fontRef>
+    </dgm:style>
+  </dgm:styleLbl>
+  <dgm:styleLbl name="vennNode1">
+    <dgm:scene3d>
+      <a:camera prst="orthographicFront"/>
+      <a:lightRig rig="threePt" dir="t"/>
+    </dgm:scene3d>
+    <dgm:sp3d/>
+    <dgm:txPr/>
+    <dgm:style>
+      <a:lnRef idx="2">
+        <a:scrgbClr r="0" g="0" b="0"/>
+      </a:lnRef>
+      <a:fillRef idx="1">
+        <a:scrgbClr r="0" g="0" b="0"/>
+      </a:fillRef>
+      <a:effectRef idx="0">
+        <a:scrgbClr r="0" g="0" b="0"/>
+      </a:effectRef>
+      <a:fontRef idx="minor">
+        <a:schemeClr val="tx1"/>
+      </a:fontRef>
+    </dgm:style>
+  </dgm:styleLbl>
+  <dgm:styleLbl name="alignNode1">
+    <dgm:scene3d>
+      <a:camera prst="orthographicFront"/>
+      <a:lightRig rig="threePt" dir="t"/>
+    </dgm:scene3d>
+    <dgm:sp3d/>
+    <dgm:txPr/>
+    <dgm:style>
+      <a:lnRef idx="2">
+        <a:scrgbClr r="0" g="0" b="0"/>
+      </a:lnRef>
+      <a:fillRef idx="1">
+        <a:scrgbClr r="0" g="0" b="0"/>
+      </a:fillRef>
+      <a:effectRef idx="0">
+        <a:scrgbClr r="0" g="0" b="0"/>
+      </a:effectRef>
+      <a:fontRef idx="minor">
+        <a:schemeClr val="lt1"/>
+      </a:fontRef>
+    </dgm:style>
+  </dgm:styleLbl>
+  <dgm:styleLbl name="node1">
+    <dgm:scene3d>
+      <a:camera prst="orthographicFront"/>
+      <a:lightRig rig="threePt" dir="t"/>
+    </dgm:scene3d>
+    <dgm:sp3d/>
+    <dgm:txPr/>
+    <dgm:style>
+      <a:lnRef idx="2">
+        <a:scrgbClr r="0" g="0" b="0"/>
+      </a:lnRef>
+      <a:fillRef idx="1">
+        <a:scrgbClr r="0" g="0" b="0"/>
+      </a:fillRef>
+      <a:effectRef idx="0">
+        <a:scrgbClr r="0" g="0" b="0"/>
+      </a:effectRef>
+      <a:fontRef idx="minor">
+        <a:schemeClr val="lt1"/>
+      </a:fontRef>
+    </dgm:style>
+  </dgm:styleLbl>
+  <dgm:styleLbl name="node2">
+    <dgm:scene3d>
+      <a:camera prst="orthographicFront"/>
+      <a:lightRig rig="threePt" dir="t"/>
+    </dgm:scene3d>
+    <dgm:sp3d/>
+    <dgm:txPr/>
+    <dgm:style>
+      <a:lnRef idx="2">
+        <a:scrgbClr r="0" g="0" b="0"/>
+      </a:lnRef>
+      <a:fillRef idx="1">
+        <a:scrgbClr r="0" g="0" b="0"/>
+      </a:fillRef>
+      <a:effectRef idx="0">
+        <a:scrgbClr r="0" g="0" b="0"/>
+      </a:effectRef>
+      <a:fontRef idx="minor">
+        <a:schemeClr val="lt1"/>
+      </a:fontRef>
+    </dgm:style>
+  </dgm:styleLbl>
+  <dgm:styleLbl name="node3">
+    <dgm:scene3d>
+      <a:camera prst="orthographicFront"/>
+      <a:lightRig rig="threePt" dir="t"/>
+    </dgm:scene3d>
+    <dgm:sp3d/>
+    <dgm:txPr/>
+    <dgm:style>
+      <a:lnRef idx="2">
+        <a:scrgbClr r="0" g="0" b="0"/>
+      </a:lnRef>
+      <a:fillRef idx="1">
+        <a:scrgbClr r="0" g="0" b="0"/>
+      </a:fillRef>
+      <a:effectRef idx="0">
+        <a:scrgbClr r="0" g="0" b="0"/>
+      </a:effectRef>
+      <a:fontRef idx="minor">
+        <a:schemeClr val="lt1"/>
+      </a:fontRef>
+    </dgm:style>
+  </dgm:styleLbl>
+  <dgm:styleLbl name="node4">
+    <dgm:scene3d>
+      <a:camera prst="orthographicFront"/>
+      <a:lightRig rig="threePt" dir="t"/>
+    </dgm:scene3d>
+    <dgm:sp3d/>
+    <dgm:txPr/>
+    <dgm:style>
+      <a:lnRef idx="2">
+        <a:scrgbClr r="0" g="0" b="0"/>
+      </a:lnRef>
+      <a:fillRef idx="1">
+        <a:scrgbClr r="0" g="0" b="0"/>
+      </a:fillRef>
+      <a:effectRef idx="0">
+        <a:scrgbClr r="0" g="0" b="0"/>
+      </a:effectRef>
+      <a:fontRef idx="minor">
+        <a:schemeClr val="lt1"/>
+      </a:fontRef>
+    </dgm:style>
+  </dgm:styleLbl>
+  <dgm:styleLbl name="fgImgPlace1">
+    <dgm:scene3d>
+      <a:camera prst="orthographicFront"/>
+      <a:lightRig rig="threePt" dir="t"/>
+    </dgm:scene3d>
+    <dgm:sp3d/>
+    <dgm:txPr/>
+    <dgm:style>
+      <a:lnRef idx="2">
+        <a:scrgbClr r="0" g="0" b="0"/>
+      </a:lnRef>
+      <a:fillRef idx="1">
+        <a:scrgbClr r="0" g="0" b="0"/>
+      </a:fillRef>
+      <a:effectRef idx="0">
+        <a:scrgbClr r="0" g="0" b="0"/>
+      </a:effectRef>
+      <a:fontRef idx="minor"/>
+    </dgm:style>
+  </dgm:styleLbl>
+  <dgm:styleLbl name="alignImgPlace1">
+    <dgm:scene3d>
+      <a:camera prst="orthographicFront"/>
+      <a:lightRig rig="threePt" dir="t"/>
+    </dgm:scene3d>
+    <dgm:sp3d/>
+    <dgm:txPr/>
+    <dgm:style>
+      <a:lnRef idx="2">
+        <a:scrgbClr r="0" g="0" b="0"/>
+      </a:lnRef>
+      <a:fillRef idx="1">
+        <a:scrgbClr r="0" g="0" b="0"/>
+      </a:fillRef>
+      <a:effectRef idx="0">
+        <a:scrgbClr r="0" g="0" b="0"/>
+      </a:effectRef>
+      <a:fontRef idx="minor"/>
+    </dgm:style>
+  </dgm:styleLbl>
+  <dgm:styleLbl name="bgImgPlace1">
+    <dgm:scene3d>
+      <a:camera prst="orthographicFront"/>
+      <a:lightRig rig="threePt" dir="t"/>
+    </dgm:scene3d>
+    <dgm:sp3d/>
+    <dgm:txPr/>
+    <dgm:style>
+      <a:lnRef idx="2">
+        <a:scrgbClr r="0" g="0" b="0"/>
+      </a:lnRef>
+      <a:fillRef idx="1">
+        <a:scrgbClr r="0" g="0" b="0"/>
+      </a:fillRef>
+      <a:effectRef idx="0">
+        <a:scrgbClr r="0" g="0" b="0"/>
+      </a:effectRef>
+      <a:fontRef idx="minor"/>
+    </dgm:style>
+  </dgm:styleLbl>
+  <dgm:styleLbl name="sibTrans2D1">
+    <dgm:scene3d>
+      <a:camera prst="orthographicFront"/>
+      <a:lightRig rig="threePt" dir="t"/>
+    </dgm:scene3d>
+    <dgm:sp3d/>
+    <dgm:txPr/>
+    <dgm:style>
+      <a:lnRef idx="0">
+        <a:scrgbClr r="0" g="0" b="0"/>
+      </a:lnRef>
+      <a:fillRef idx="1">
+        <a:scrgbClr r="0" g="0" b="0"/>
+      </a:fillRef>
+      <a:effectRef idx="0">
+        <a:scrgbClr r="0" g="0" b="0"/>
+      </a:effectRef>
+      <a:fontRef idx="minor">
+        <a:schemeClr val="lt1"/>
+      </a:fontRef>
+    </dgm:style>
+  </dgm:styleLbl>
+  <dgm:styleLbl name="fgSibTrans2D1">
+    <dgm:scene3d>
+      <a:camera prst="orthographicFront"/>
+      <a:lightRig rig="threePt" dir="t"/>
+    </dgm:scene3d>
+    <dgm:sp3d/>
+    <dgm:txPr/>
+    <dgm:style>
+      <a:lnRef idx="0">
+        <a:scrgbClr r="0" g="0" b="0"/>
+      </a:lnRef>
+      <a:fillRef idx="1">
+        <a:scrgbClr r="0" g="0" b="0"/>
+      </a:fillRef>
+      <a:effectRef idx="0">
+        <a:scrgbClr r="0" g="0" b="0"/>
+      </a:effectRef>
+      <a:fontRef idx="minor">
+        <a:schemeClr val="lt1"/>
+      </a:fontRef>
+    </dgm:style>
+  </dgm:styleLbl>
+  <dgm:styleLbl name="bgSibTrans2D1">
+    <dgm:scene3d>
+      <a:camera prst="orthographicFront"/>
+      <a:lightRig rig="threePt" dir="t"/>
+    </dgm:scene3d>
+    <dgm:sp3d/>
+    <dgm:txPr/>
+    <dgm:style>
+      <a:lnRef idx="0">
+        <a:scrgbClr r="0" g="0" b="0"/>
+      </a:lnRef>
+      <a:fillRef idx="1">
+        <a:scrgbClr r="0" g="0" b="0"/>
+      </a:fillRef>
+      <a:effectRef idx="0">
+        <a:scrgbClr r="0" g="0" b="0"/>
+      </a:effectRef>
+      <a:fontRef idx="minor">
+        <a:schemeClr val="lt1"/>
+      </a:fontRef>
+    </dgm:style>
+  </dgm:styleLbl>
+  <dgm:styleLbl name="sibTrans1D1">
+    <dgm:scene3d>
+      <a:camera prst="orthographicFront"/>
+      <a:lightRig rig="threePt" dir="t"/>
+    </dgm:scene3d>
+    <dgm:sp3d/>
+    <dgm:txPr/>
+    <dgm:style>
+      <a:lnRef idx="1">
+        <a:scrgbClr r="0" g="0" b="0"/>
+      </a:lnRef>
+      <a:fillRef idx="0">
+        <a:scrgbClr r="0" g="0" b="0"/>
+      </a:fillRef>
+      <a:effectRef idx="0">
+        <a:scrgbClr r="0" g="0" b="0"/>
+      </a:effectRef>
+      <a:fontRef idx="minor"/>
+    </dgm:style>
+  </dgm:styleLbl>
+  <dgm:styleLbl name="callout">
+    <dgm:scene3d>
+      <a:camera prst="orthographicFront"/>
+      <a:lightRig rig="threePt" dir="t"/>
+    </dgm:scene3d>
+    <dgm:sp3d/>
+    <dgm:txPr/>
+    <dgm:style>
+      <a:lnRef idx="2">
+        <a:scrgbClr r="0" g="0" b="0"/>
+      </a:lnRef>
+      <a:fillRef idx="1">
+        <a:scrgbClr r="0" g="0" b="0"/>
+      </a:fillRef>
+      <a:effectRef idx="0">
+        <a:scrgbClr r="0" g="0" b="0"/>
+      </a:effectRef>
+      <a:fontRef idx="minor"/>
+    </dgm:style>
+  </dgm:styleLbl>
+  <dgm:styleLbl name="asst0">
+    <dgm:scene3d>
+      <a:camera prst="orthographicFront"/>
+      <a:lightRig rig="threePt" dir="t"/>
+    </dgm:scene3d>
+    <dgm:sp3d/>
+    <dgm:txPr/>
+    <dgm:style>
+      <a:lnRef idx="2">
+        <a:scrgbClr r="0" g="0" b="0"/>
+      </a:lnRef>
+      <a:fillRef idx="1">
+        <a:scrgbClr r="0" g="0" b="0"/>
+      </a:fillRef>
+      <a:effectRef idx="0">
+        <a:scrgbClr r="0" g="0" b="0"/>
+      </a:effectRef>
+      <a:fontRef idx="minor">
+        <a:schemeClr val="lt1"/>
+      </a:fontRef>
+    </dgm:style>
+  </dgm:styleLbl>
+  <dgm:styleLbl name="asst1">
+    <dgm:scene3d>
+      <a:camera prst="orthographicFront"/>
+      <a:lightRig rig="threePt" dir="t"/>
+    </dgm:scene3d>
+    <dgm:sp3d/>
+    <dgm:txPr/>
+    <dgm:style>
+      <a:lnRef idx="2">
+        <a:scrgbClr r="0" g="0" b="0"/>
+      </a:lnRef>
+      <a:fillRef idx="1">
+        <a:scrgbClr r="0" g="0" b="0"/>
+      </a:fillRef>
+      <a:effectRef idx="0">
+        <a:scrgbClr r="0" g="0" b="0"/>
+      </a:effectRef>
+      <a:fontRef idx="minor">
+        <a:schemeClr val="lt1"/>
+      </a:fontRef>
+    </dgm:style>
+  </dgm:styleLbl>
+  <dgm:styleLbl name="asst2">
+    <dgm:scene3d>
+      <a:camera prst="orthographicFront"/>
+      <a:lightRig rig="threePt" dir="t"/>
+    </dgm:scene3d>
+    <dgm:sp3d/>
+    <dgm:txPr/>
+    <dgm:style>
+      <a:lnRef idx="2">
+        <a:scrgbClr r="0" g="0" b="0"/>
+      </a:lnRef>
+      <a:fillRef idx="1">
+        <a:scrgbClr r="0" g="0" b="0"/>
+      </a:fillRef>
+      <a:effectRef idx="0">
+        <a:scrgbClr r="0" g="0" b="0"/>
+      </a:effectRef>
+      <a:fontRef idx="minor">
+        <a:schemeClr val="lt1"/>
+      </a:fontRef>
+    </dgm:style>
+  </dgm:styleLbl>
+  <dgm:styleLbl name="asst3">
+    <dgm:scene3d>
+      <a:camera prst="orthographicFront"/>
+      <a:lightRig rig="threePt" dir="t"/>
+    </dgm:scene3d>
+    <dgm:sp3d/>
+    <dgm:txPr/>
+    <dgm:style>
+      <a:lnRef idx="2">
+        <a:scrgbClr r="0" g="0" b="0"/>
+      </a:lnRef>
+      <a:fillRef idx="1">
+        <a:scrgbClr r="0" g="0" b="0"/>
+      </a:fillRef>
+      <a:effectRef idx="0">
+        <a:scrgbClr r="0" g="0" b="0"/>
+      </a:effectRef>
+      <a:fontRef idx="minor">
+        <a:schemeClr val="lt1"/>
+      </a:fontRef>
+    </dgm:style>
+  </dgm:styleLbl>
+  <dgm:styleLbl name="asst4">
+    <dgm:scene3d>
+      <a:camera prst="orthographicFront"/>
+      <a:lightRig rig="threePt" dir="t"/>
+    </dgm:scene3d>
+    <dgm:sp3d/>
+    <dgm:txPr/>
+    <dgm:style>
+      <a:lnRef idx="2">
+        <a:scrgbClr r="0" g="0" b="0"/>
+      </a:lnRef>
+      <a:fillRef idx="1">
+        <a:scrgbClr r="0" g="0" b="0"/>
+      </a:fillRef>
+      <a:effectRef idx="0">
+        <a:scrgbClr r="0" g="0" b="0"/>
+      </a:effectRef>
+      <a:fontRef idx="minor">
+        <a:schemeClr val="lt1"/>
+      </a:fontRef>
+    </dgm:style>
+  </dgm:styleLbl>
+  <dgm:styleLbl name="parChTrans2D1">
+    <dgm:scene3d>
+      <a:camera prst="orthographicFront"/>
+      <a:lightRig rig="threePt" dir="t"/>
+    </dgm:scene3d>
+    <dgm:sp3d/>
+    <dgm:txPr/>
+    <dgm:style>
+      <a:lnRef idx="2">
+        <a:scrgbClr r="0" g="0" b="0"/>
+      </a:lnRef>
+      <a:fillRef idx="1">
+        <a:scrgbClr r="0" g="0" b="0"/>
+      </a:fillRef>
+      <a:effectRef idx="0">
+        <a:scrgbClr r="0" g="0" b="0"/>
+      </a:effectRef>
+      <a:fontRef idx="minor">
+        <a:schemeClr val="lt1"/>
+      </a:fontRef>
+    </dgm:style>
+  </dgm:styleLbl>
+  <dgm:styleLbl name="parChTrans2D2">
+    <dgm:scene3d>
+      <a:camera prst="orthographicFront"/>
+      <a:lightRig rig="threePt" dir="t"/>
+    </dgm:scene3d>
+    <dgm:sp3d/>
+    <dgm:txPr/>
+    <dgm:style>
+      <a:lnRef idx="2">
+        <a:scrgbClr r="0" g="0" b="0"/>
+      </a:lnRef>
+      <a:fillRef idx="1">
+        <a:scrgbClr r="0" g="0" b="0"/>
+      </a:fillRef>
+      <a:effectRef idx="0">
+        <a:scrgbClr r="0" g="0" b="0"/>
+      </a:effectRef>
+      <a:fontRef idx="minor">
+        <a:schemeClr val="lt1"/>
+      </a:fontRef>
+    </dgm:style>
+  </dgm:styleLbl>
+  <dgm:styleLbl name="parChTrans2D3">
+    <dgm:scene3d>
+      <a:camera prst="orthographicFront"/>
+      <a:lightRig rig="threePt" dir="t"/>
+    </dgm:scene3d>
+    <dgm:sp3d/>
+    <dgm:txPr/>
+    <dgm:style>
+      <a:lnRef idx="2">
+        <a:scrgbClr r="0" g="0" b="0"/>
+      </a:lnRef>
+      <a:fillRef idx="1">
+        <a:scrgbClr r="0" g="0" b="0"/>
+      </a:fillRef>
+      <a:effectRef idx="0">
+        <a:scrgbClr r="0" g="0" b="0"/>
+      </a:effectRef>
+      <a:fontRef idx="minor">
+        <a:schemeClr val="lt1"/>
+      </a:fontRef>
+    </dgm:style>
+  </dgm:styleLbl>
+  <dgm:styleLbl name="parChTrans2D4">
+    <dgm:scene3d>
+      <a:camera prst="orthographicFront"/>
+      <a:lightRig rig="threePt" dir="t"/>
+    </dgm:scene3d>
+    <dgm:sp3d/>
+    <dgm:txPr/>
+    <dgm:style>
+      <a:lnRef idx="2">
+        <a:scrgbClr r="0" g="0" b="0"/>
+      </a:lnRef>
+      <a:fillRef idx="1">
+        <a:scrgbClr r="0" g="0" b="0"/>
+      </a:fillRef>
+      <a:effectRef idx="0">
+        <a:scrgbClr r="0" g="0" b="0"/>
+      </a:effectRef>
+      <a:fontRef idx="minor">
+        <a:schemeClr val="lt1"/>
+      </a:fontRef>
+    </dgm:style>
+  </dgm:styleLbl>
+  <dgm:styleLbl name="parChTrans1D1">
+    <dgm:scene3d>
+      <a:camera prst="orthographicFront"/>
+      <a:lightRig rig="threePt" dir="t"/>
+    </dgm:scene3d>
+    <dgm:sp3d/>
+    <dgm:txPr/>
+    <dgm:style>
+      <a:lnRef idx="2">
+        <a:scrgbClr r="0" g="0" b="0"/>
+      </a:lnRef>
+      <a:fillRef idx="0">
+        <a:scrgbClr r="0" g="0" b="0"/>
+      </a:fillRef>
+      <a:effectRef idx="0">
+        <a:scrgbClr r="0" g="0" b="0"/>
+      </a:effectRef>
+      <a:fontRef idx="minor"/>
+    </dgm:style>
+  </dgm:styleLbl>
+  <dgm:styleLbl name="parChTrans1D2">
+    <dgm:scene3d>
+      <a:camera prst="orthographicFront"/>
+      <a:lightRig rig="threePt" dir="t"/>
+    </dgm:scene3d>
+    <dgm:sp3d/>
+    <dgm:txPr/>
+    <dgm:style>
+      <a:lnRef idx="2">
+        <a:scrgbClr r="0" g="0" b="0"/>
+      </a:lnRef>
+      <a:fillRef idx="0">
+        <a:scrgbClr r="0" g="0" b="0"/>
+      </a:fillRef>
+      <a:effectRef idx="0">
+        <a:scrgbClr r="0" g="0" b="0"/>
+      </a:effectRef>
+      <a:fontRef idx="minor"/>
+    </dgm:style>
+  </dgm:styleLbl>
+  <dgm:styleLbl name="parChTrans1D3">
+    <dgm:scene3d>
+      <a:camera prst="orthographicFront"/>
+      <a:lightRig rig="threePt" dir="t"/>
+    </dgm:scene3d>
+    <dgm:sp3d/>
+    <dgm:txPr/>
+    <dgm:style>
+      <a:lnRef idx="2">
+        <a:scrgbClr r="0" g="0" b="0"/>
+      </a:lnRef>
+      <a:fillRef idx="0">
+        <a:scrgbClr r="0" g="0" b="0"/>
+      </a:fillRef>
+      <a:effectRef idx="0">
+        <a:scrgbClr r="0" g="0" b="0"/>
+      </a:effectRef>
+      <a:fontRef idx="minor"/>
+    </dgm:style>
+  </dgm:styleLbl>
+  <dgm:styleLbl name="parChTrans1D4">
+    <dgm:scene3d>
+      <a:camera prst="orthographicFront"/>
+      <a:lightRig rig="threePt" dir="t"/>
+    </dgm:scene3d>
+    <dgm:sp3d/>
+    <dgm:txPr/>
+    <dgm:style>
+      <a:lnRef idx="2">
+        <a:scrgbClr r="0" g="0" b="0"/>
+      </a:lnRef>
+      <a:fillRef idx="0">
+        <a:scrgbClr r="0" g="0" b="0"/>
+      </a:fillRef>
+      <a:effectRef idx="0">
+        <a:scrgbClr r="0" g="0" b="0"/>
+      </a:effectRef>
+      <a:fontRef idx="minor"/>
+    </dgm:style>
+  </dgm:styleLbl>
+  <dgm:styleLbl name="fgAcc1">
+    <dgm:scene3d>
+      <a:camera prst="orthographicFront"/>
+      <a:lightRig rig="threePt" dir="t"/>
+    </dgm:scene3d>
+    <dgm:sp3d/>
+    <dgm:txPr/>
+    <dgm:style>
+      <a:lnRef idx="2">
+        <a:scrgbClr r="0" g="0" b="0"/>
+      </a:lnRef>
+      <a:fillRef idx="1">
+        <a:scrgbClr r="0" g="0" b="0"/>
+      </a:fillRef>
+      <a:effectRef idx="0">
+        <a:scrgbClr r="0" g="0" b="0"/>
+      </a:effectRef>
+      <a:fontRef idx="minor"/>
+    </dgm:style>
+  </dgm:styleLbl>
+  <dgm:styleLbl name="conFgAcc1">
+    <dgm:scene3d>
+      <a:camera prst="orthographicFront"/>
+      <a:lightRig rig="threePt" dir="t"/>
+    </dgm:scene3d>
+    <dgm:sp3d/>
+    <dgm:txPr/>
+    <dgm:style>
+      <a:lnRef idx="2">
+        <a:scrgbClr r="0" g="0" b="0"/>
+      </a:lnRef>
+      <a:fillRef idx="1">
+        <a:scrgbClr r="0" g="0" b="0"/>
+      </a:fillRef>
+      <a:effectRef idx="0">
+        <a:scrgbClr r="0" g="0" b="0"/>
+      </a:effectRef>
+      <a:fontRef idx="minor"/>
+    </dgm:style>
+  </dgm:styleLbl>
+  <dgm:styleLbl name="alignAcc1">
+    <dgm:scene3d>
+      <a:camera prst="orthographicFront"/>
+      <a:lightRig rig="threePt" dir="t"/>
+    </dgm:scene3d>
+    <dgm:sp3d/>
+    <dgm:txPr/>
+    <dgm:style>
+      <a:lnRef idx="2">
+        <a:scrgbClr r="0" g="0" b="0"/>
+      </a:lnRef>
+      <a:fillRef idx="1">
+        <a:scrgbClr r="0" g="0" b="0"/>
+      </a:fillRef>
+      <a:effectRef idx="0">
+        <a:scrgbClr r="0" g="0" b="0"/>
+      </a:effectRef>
+      <a:fontRef idx="minor"/>
+    </dgm:style>
+  </dgm:styleLbl>
+  <dgm:styleLbl name="trAlignAcc1">
+    <dgm:scene3d>
+      <a:camera prst="orthographicFront"/>
+      <a:lightRig rig="threePt" dir="t"/>
+    </dgm:scene3d>
+    <dgm:sp3d/>
+    <dgm:txPr/>
+    <dgm:style>
+      <a:lnRef idx="1">
+        <a:scrgbClr r="0" g="0" b="0"/>
+      </a:lnRef>
+      <a:fillRef idx="1">
+        <a:scrgbClr r="0" g="0" b="0"/>
+      </a:fillRef>
+      <a:effectRef idx="0">
+        <a:scrgbClr r="0" g="0" b="0"/>
+      </a:effectRef>
+      <a:fontRef idx="minor"/>
+    </dgm:style>
+  </dgm:styleLbl>
+  <dgm:styleLbl name="bgAcc1">
+    <dgm:scene3d>
+      <a:camera prst="orthographicFront"/>
+      <a:lightRig rig="threePt" dir="t"/>
+    </dgm:scene3d>
+    <dgm:sp3d/>
+    <dgm:txPr/>
+    <dgm:style>
+      <a:lnRef idx="2">
+        <a:scrgbClr r="0" g="0" b="0"/>
+      </a:lnRef>
+      <a:fillRef idx="1">
+        <a:scrgbClr r="0" g="0" b="0"/>
+      </a:fillRef>
+      <a:effectRef idx="0">
+        <a:scrgbClr r="0" g="0" b="0"/>
+      </a:effectRef>
+      <a:fontRef idx="minor"/>
+    </dgm:style>
+  </dgm:styleLbl>
+  <dgm:styleLbl name="solidFgAcc1">
+    <dgm:scene3d>
+      <a:camera prst="orthographicFront"/>
+      <a:lightRig rig="threePt" dir="t"/>
+    </dgm:scene3d>
+    <dgm:sp3d/>
+    <dgm:txPr/>
+    <dgm:style>
+      <a:lnRef idx="2">
+        <a:scrgbClr r="0" g="0" b="0"/>
+      </a:lnRef>
+      <a:fillRef idx="1">
+        <a:scrgbClr r="0" g="0" b="0"/>
+      </a:fillRef>
+      <a:effectRef idx="0">
+        <a:scrgbClr r="0" g="0" b="0"/>
+      </a:effectRef>
+      <a:fontRef idx="minor"/>
+    </dgm:style>
+  </dgm:styleLbl>
+  <dgm:styleLbl name="solidAlignAcc1">
+    <dgm:scene3d>
+      <a:camera prst="orthographicFront"/>
+      <a:lightRig rig="threePt" dir="t"/>
+    </dgm:scene3d>
+    <dgm:sp3d/>
+    <dgm:txPr/>
+    <dgm:style>
+      <a:lnRef idx="2">
+        <a:scrgbClr r="0" g="0" b="0"/>
+      </a:lnRef>
+      <a:fillRef idx="1">
+        <a:scrgbClr r="0" g="0" b="0"/>
+      </a:fillRef>
+      <a:effectRef idx="0">
+        <a:scrgbClr r="0" g="0" b="0"/>
+      </a:effectRef>
+      <a:fontRef idx="minor"/>
+    </dgm:style>
+  </dgm:styleLbl>
+  <dgm:styleLbl name="solidBgAcc1">
+    <dgm:scene3d>
+      <a:camera prst="orthographicFront"/>
+      <a:lightRig rig="threePt" dir="t"/>
+    </dgm:scene3d>
+    <dgm:sp3d/>
+    <dgm:txPr/>
+    <dgm:style>
+      <a:lnRef idx="2">
+        <a:scrgbClr r="0" g="0" b="0"/>
+      </a:lnRef>
+      <a:fillRef idx="1">
+        <a:scrgbClr r="0" g="0" b="0"/>
+      </a:fillRef>
+      <a:effectRef idx="0">
+        <a:scrgbClr r="0" g="0" b="0"/>
+      </a:effectRef>
+      <a:fontRef idx="minor"/>
+    </dgm:style>
+  </dgm:styleLbl>
+  <dgm:styleLbl name="fgAccFollowNode1">
+    <dgm:scene3d>
+      <a:camera prst="orthographicFront"/>
+      <a:lightRig rig="threePt" dir="t"/>
+    </dgm:scene3d>
+    <dgm:sp3d/>
+    <dgm:txPr/>
+    <dgm:style>
+      <a:lnRef idx="2">
+        <a:scrgbClr r="0" g="0" b="0"/>
+      </a:lnRef>
+      <a:fillRef idx="1">
+        <a:scrgbClr r="0" g="0" b="0"/>
+      </a:fillRef>
+      <a:effectRef idx="0">
+        <a:scrgbClr r="0" g="0" b="0"/>
+      </a:effectRef>
+      <a:fontRef idx="minor"/>
+    </dgm:style>
+  </dgm:styleLbl>
+  <dgm:styleLbl name="alignAccFollowNode1">
+    <dgm:scene3d>
+      <a:camera prst="orthographicFront"/>
+      <a:lightRig rig="threePt" dir="t"/>
+    </dgm:scene3d>
+    <dgm:sp3d/>
+    <dgm:txPr/>
+    <dgm:style>
+      <a:lnRef idx="2">
+        <a:scrgbClr r="0" g="0" b="0"/>
+      </a:lnRef>
+      <a:fillRef idx="1">
+        <a:scrgbClr r="0" g="0" b="0"/>
+      </a:fillRef>
+      <a:effectRef idx="0">
+        <a:scrgbClr r="0" g="0" b="0"/>
+      </a:effectRef>
+      <a:fontRef idx="minor"/>
+    </dgm:style>
+  </dgm:styleLbl>
+  <dgm:styleLbl name="bgAccFollowNode1">
+    <dgm:scene3d>
+      <a:camera prst="orthographicFront"/>
+      <a:lightRig rig="threePt" dir="t"/>
+    </dgm:scene3d>
+    <dgm:sp3d/>
+    <dgm:txPr/>
+    <dgm:style>
+      <a:lnRef idx="2">
+        <a:scrgbClr r="0" g="0" b="0"/>
+      </a:lnRef>
+      <a:fillRef idx="1">
+        <a:scrgbClr r="0" g="0" b="0"/>
+      </a:fillRef>
+      <a:effectRef idx="0">
+        <a:scrgbClr r="0" g="0" b="0"/>
+      </a:effectRef>
+      <a:fontRef idx="minor"/>
+    </dgm:style>
+  </dgm:styleLbl>
+  <dgm:styleLbl name="fgAcc0">
+    <dgm:scene3d>
+      <a:camera prst="orthographicFront"/>
+      <a:lightRig rig="threePt" dir="t"/>
+    </dgm:scene3d>
+    <dgm:sp3d/>
+    <dgm:txPr/>
+    <dgm:style>
+      <a:lnRef idx="2">
+        <a:scrgbClr r="0" g="0" b="0"/>
+      </a:lnRef>
+      <a:fillRef idx="1">
+        <a:scrgbClr r="0" g="0" b="0"/>
+      </a:fillRef>
+      <a:effectRef idx="0">
+        <a:scrgbClr r="0" g="0" b="0"/>
+      </a:effectRef>
+      <a:fontRef idx="minor"/>
+    </dgm:style>
+  </dgm:styleLbl>
+  <dgm:styleLbl name="fgAcc2">
+    <dgm:scene3d>
+      <a:camera prst="orthographicFront"/>
+      <a:lightRig rig="threePt" dir="t"/>
+    </dgm:scene3d>
+    <dgm:sp3d/>
+    <dgm:txPr/>
+    <dgm:style>
+      <a:lnRef idx="2">
+        <a:scrgbClr r="0" g="0" b="0"/>
+      </a:lnRef>
+      <a:fillRef idx="1">
+        <a:scrgbClr r="0" g="0" b="0"/>
+      </a:fillRef>
+      <a:effectRef idx="0">
+        <a:scrgbClr r="0" g="0" b="0"/>
+      </a:effectRef>
+      <a:fontRef idx="minor"/>
+    </dgm:style>
+  </dgm:styleLbl>
+  <dgm:styleLbl name="fgAcc3">
+    <dgm:scene3d>
+      <a:camera prst="orthographicFront"/>
+      <a:lightRig rig="threePt" dir="t"/>
+    </dgm:scene3d>
+    <dgm:sp3d/>
+    <dgm:txPr/>
+    <dgm:style>
+      <a:lnRef idx="2">
+        <a:scrgbClr r="0" g="0" b="0"/>
+      </a:lnRef>
+      <a:fillRef idx="1">
+        <a:scrgbClr r="0" g="0" b="0"/>
+      </a:fillRef>
+      <a:effectRef idx="0">
+        <a:scrgbClr r="0" g="0" b="0"/>
+      </a:effectRef>
+      <a:fontRef idx="minor"/>
+    </dgm:style>
+  </dgm:styleLbl>
+  <dgm:styleLbl name="fgAcc4">
+    <dgm:scene3d>
+      <a:camera prst="orthographicFront"/>
+      <a:lightRig rig="threePt" dir="t"/>
+    </dgm:scene3d>
+    <dgm:sp3d/>
+    <dgm:txPr/>
+    <dgm:style>
+      <a:lnRef idx="2">
+        <a:scrgbClr r="0" g="0" b="0"/>
+      </a:lnRef>
+      <a:fillRef idx="1">
+        <a:scrgbClr r="0" g="0" b="0"/>
+      </a:fillRef>
+      <a:effectRef idx="0">
+        <a:scrgbClr r="0" g="0" b="0"/>
+      </a:effectRef>
+      <a:fontRef idx="minor"/>
+    </dgm:style>
+  </dgm:styleLbl>
+  <dgm:styleLbl name="bgShp">
+    <dgm:scene3d>
+      <a:camera prst="orthographicFront"/>
+      <a:lightRig rig="threePt" dir="t"/>
+    </dgm:scene3d>
+    <dgm:sp3d/>
+    <dgm:txPr/>
+    <dgm:style>
+      <a:lnRef idx="0">
+        <a:scrgbClr r="0" g="0" b="0"/>
+      </a:lnRef>
+      <a:fillRef idx="1">
+        <a:scrgbClr r="0" g="0" b="0"/>
+      </a:fillRef>
+      <a:effectRef idx="0">
+        <a:scrgbClr r="0" g="0" b="0"/>
+      </a:effectRef>
+      <a:fontRef idx="minor"/>
+    </dgm:style>
+  </dgm:styleLbl>
+  <dgm:styleLbl name="dkBgShp">
+    <dgm:scene3d>
+      <a:camera prst="orthographicFront"/>
+      <a:lightRig rig="threePt" dir="t"/>
+    </dgm:scene3d>
+    <dgm:sp3d/>
+    <dgm:txPr/>
+    <dgm:style>
+      <a:lnRef idx="0">
+        <a:scrgbClr r="0" g="0" b="0"/>
+      </a:lnRef>
+      <a:fillRef idx="1">
+        <a:scrgbClr r="0" g="0" b="0"/>
+      </a:fillRef>
+      <a:effectRef idx="0">
+        <a:scrgbClr r="0" g="0" b="0"/>
+      </a:effectRef>
+      <a:fontRef idx="minor"/>
+    </dgm:style>
+  </dgm:styleLbl>
+  <dgm:styleLbl name="trBgShp">
+    <dgm:scene3d>
+      <a:camera prst="orthographicFront"/>
+      <a:lightRig rig="threePt" dir="t"/>
+    </dgm:scene3d>
+    <dgm:sp3d/>
+    <dgm:txPr/>
+    <dgm:style>
+      <a:lnRef idx="0">
+        <a:scrgbClr r="0" g="0" b="0"/>
+      </a:lnRef>
+      <a:fillRef idx="1">
+        <a:scrgbClr r="0" g="0" b="0"/>
+      </a:fillRef>
+      <a:effectRef idx="0">
+        <a:scrgbClr r="0" g="0" b="0"/>
+      </a:effectRef>
+      <a:fontRef idx="minor"/>
+    </dgm:style>
+  </dgm:styleLbl>
+  <dgm:styleLbl name="fgShp">
+    <dgm:scene3d>
+      <a:camera prst="orthographicFront"/>
+      <a:lightRig rig="threePt" dir="t"/>
+    </dgm:scene3d>
+    <dgm:sp3d/>
+    <dgm:txPr/>
+    <dgm:style>
+      <a:lnRef idx="2">
+        <a:scrgbClr r="0" g="0" b="0"/>
+      </a:lnRef>
+      <a:fillRef idx="1">
+        <a:scrgbClr r="0" g="0" b="0"/>
+      </a:fillRef>
+      <a:effectRef idx="0">
+        <a:scrgbClr r="0" g="0" b="0"/>
+      </a:effectRef>
+      <a:fontRef idx="minor"/>
+    </dgm:style>
+  </dgm:styleLbl>
+  <dgm:styleLbl name="revTx">
+    <dgm:scene3d>
+      <a:camera prst="orthographicFront"/>
+      <a:lightRig rig="threePt" dir="t"/>
+    </dgm:scene3d>
+    <dgm:sp3d/>
+    <dgm:txPr/>
+    <dgm:style>
+      <a:lnRef idx="0">
+        <a:scrgbClr r="0" g="0" b="0"/>
+      </a:lnRef>
+      <a:fillRef idx="0">
+        <a:scrgbClr r="0" g="0" b="0"/>
+      </a:fillRef>
+      <a:effectRef idx="0">
+        <a:scrgbClr r="0" g="0" b="0"/>
+      </a:effectRef>
+      <a:fontRef idx="minor"/>
+    </dgm:style>
+  </dgm:styleLbl>
+</dgm:styleDef>
+</file>
+
 <file path=ppt/slideLayouts/slideLayout1.xml><?xml version="1.0" encoding="utf-8"?>
 <p:sldLayout xmlns:a="http://schemas.openxmlformats.org/drawingml/2006/main" xmlns:r="http://schemas.openxmlformats.org/officeDocument/2006/relationships" xmlns:p="http://schemas.openxmlformats.org/presentationml/2006/main" type="title" preserve="1">
   <p:cSld name="Title Slide">
@@ -9757,7 +15191,7 @@
           <a:p>
             <a:fld id="{C128FA71-3A18-48C0-980F-4B68F7F63042}" type="datetime1">
               <a:rPr lang="en-US" smtClean="0"/>
-              <a:t>4/23/2025</a:t>
+              <a:t>4/26/2025</a:t>
             </a:fld>
             <a:endParaRPr lang="en-US"/>
           </a:p>
@@ -9965,7 +15399,7 @@
           <a:p>
             <a:fld id="{7104EDB3-C0E8-45F8-9E1D-1B6C8D1880C0}" type="datetime1">
               <a:rPr lang="en-US" smtClean="0"/>
-              <a:t>4/23/2025</a:t>
+              <a:t>4/26/2025</a:t>
             </a:fld>
             <a:endParaRPr lang="en-US"/>
           </a:p>
@@ -10175,7 +15609,7 @@
           <a:p>
             <a:fld id="{9CF0EC4B-54ED-4041-B552-9BA760FA3DBA}" type="datetime1">
               <a:rPr lang="en-US" smtClean="0"/>
-              <a:t>4/23/2025</a:t>
+              <a:t>4/26/2025</a:t>
             </a:fld>
             <a:endParaRPr lang="en-US"/>
           </a:p>
@@ -10373,7 +15807,7 @@
           <a:p>
             <a:fld id="{51C1210E-201E-4473-82AC-2466F5386C38}" type="datetime1">
               <a:rPr lang="en-US" smtClean="0"/>
-              <a:t>4/23/2025</a:t>
+              <a:t>4/26/2025</a:t>
             </a:fld>
             <a:endParaRPr lang="en-US"/>
           </a:p>
@@ -10651,7 +16085,7 @@
           <a:p>
             <a:fld id="{B01EA198-6CAB-4B8F-B93F-1F9C8C4B6CE7}" type="datetime1">
               <a:rPr lang="en-US" smtClean="0"/>
-              <a:t>4/23/2025</a:t>
+              <a:t>4/26/2025</a:t>
             </a:fld>
             <a:endParaRPr lang="en-US"/>
           </a:p>
@@ -10923,7 +16357,7 @@
           <a:p>
             <a:fld id="{CA06041F-4525-44D5-AA4F-332294BF1F56}" type="datetime1">
               <a:rPr lang="en-US" smtClean="0"/>
-              <a:t>4/23/2025</a:t>
+              <a:t>4/26/2025</a:t>
             </a:fld>
             <a:endParaRPr lang="en-US"/>
           </a:p>
@@ -11347,7 +16781,7 @@
           <a:p>
             <a:fld id="{F9557091-BBDF-4EB9-BA6B-2BB67AC4FC0F}" type="datetime1">
               <a:rPr lang="en-US" smtClean="0"/>
-              <a:t>4/23/2025</a:t>
+              <a:t>4/26/2025</a:t>
             </a:fld>
             <a:endParaRPr lang="en-US"/>
           </a:p>
@@ -11488,7 +16922,7 @@
           <a:p>
             <a:fld id="{2D6B226B-77A6-410C-9796-083F278E0125}" type="datetime1">
               <a:rPr lang="en-US" smtClean="0"/>
-              <a:t>4/23/2025</a:t>
+              <a:t>4/26/2025</a:t>
             </a:fld>
             <a:endParaRPr lang="en-US"/>
           </a:p>
@@ -11601,7 +17035,7 @@
           <a:p>
             <a:fld id="{A23A578B-D289-4C40-8593-3D356C49DA58}" type="datetime1">
               <a:rPr lang="en-US" smtClean="0"/>
-              <a:t>4/23/2025</a:t>
+              <a:t>4/26/2025</a:t>
             </a:fld>
             <a:endParaRPr lang="en-US"/>
           </a:p>
@@ -11920,7 +17354,7 @@
           <a:p>
             <a:fld id="{713DFAE3-14DB-48A7-A80F-80DDB072CE3D}" type="datetime1">
               <a:rPr lang="en-US" smtClean="0"/>
-              <a:t>4/23/2025</a:t>
+              <a:t>4/26/2025</a:t>
             </a:fld>
             <a:endParaRPr lang="en-US"/>
           </a:p>
@@ -12214,7 +17648,7 @@
           <a:p>
             <a:fld id="{92C5EAEF-6478-4102-8F5D-A5FE9FC97ACB}" type="datetime1">
               <a:rPr lang="en-US" smtClean="0"/>
-              <a:t>4/23/2025</a:t>
+              <a:t>4/26/2025</a:t>
             </a:fld>
             <a:endParaRPr lang="en-US"/>
           </a:p>
@@ -12455,7 +17889,7 @@
           <a:p>
             <a:fld id="{67F45AC6-C491-4585-A584-9CE2AF7D5500}" type="datetime1">
               <a:rPr lang="en-US" smtClean="0"/>
-              <a:t>4/23/2025</a:t>
+              <a:t>4/26/2025</a:t>
             </a:fld>
             <a:endParaRPr lang="en-US"/>
           </a:p>
@@ -13006,7 +18440,7 @@
         </p:nvSpPr>
         <p:spPr>
           <a:xfrm>
-            <a:off x="2599122" y="5057968"/>
+            <a:off x="2599119" y="5663535"/>
             <a:ext cx="6993759" cy="558089"/>
           </a:xfrm>
         </p:spPr>
@@ -13022,8 +18456,19 @@
               </a:lnSpc>
             </a:pPr>
             <a:r>
-              <a:rPr lang="pt-BR" b="1" dirty="0"/>
-              <a:t>Diagnóstico de desempenho e oportunidades de melhoria</a:t>
+              <a:rPr lang="pt-BR" sz="1050" b="1" dirty="0"/>
+              <a:t>Apresentado por Willian Monteiro</a:t>
+            </a:r>
+          </a:p>
+          <a:p>
+            <a:pPr>
+              <a:lnSpc>
+                <a:spcPct val="110000"/>
+              </a:lnSpc>
+            </a:pPr>
+            <a:r>
+              <a:rPr lang="pt-BR" sz="1050" b="1" dirty="0"/>
+              <a:t>25 Abril 2025</a:t>
             </a:r>
           </a:p>
         </p:txBody>
@@ -13074,6 +18519,210 @@
           </a:extLst>
         </p:spPr>
       </p:pic>
+      <p:sp>
+        <p:nvSpPr>
+          <p:cNvPr id="4" name="Subtítulo 2">
+            <a:extLst>
+              <a:ext uri="{FF2B5EF4-FFF2-40B4-BE49-F238E27FC236}">
+                <a16:creationId xmlns:a16="http://schemas.microsoft.com/office/drawing/2014/main" id="{9420AB3C-0E6A-8A56-DB7B-F626B573F88A}"/>
+              </a:ext>
+            </a:extLst>
+          </p:cNvPr>
+          <p:cNvSpPr txBox="1">
+            <a:spLocks/>
+          </p:cNvSpPr>
+          <p:nvPr/>
+        </p:nvSpPr>
+        <p:spPr>
+          <a:xfrm>
+            <a:off x="2599119" y="5027159"/>
+            <a:ext cx="6993759" cy="558089"/>
+          </a:xfrm>
+          <a:prstGeom prst="rect">
+            <a:avLst/>
+          </a:prstGeom>
+        </p:spPr>
+        <p:txBody>
+          <a:bodyPr vert="horz" lIns="91440" tIns="45720" rIns="91440" bIns="45720" rtlCol="0" anchor="t">
+            <a:noAutofit/>
+          </a:bodyPr>
+          <a:lstStyle>
+            <a:lvl1pPr marL="0" indent="0" algn="ctr" defTabSz="914400" rtl="0" eaLnBrk="1" latinLnBrk="0" hangingPunct="1">
+              <a:lnSpc>
+                <a:spcPct val="120000"/>
+              </a:lnSpc>
+              <a:spcBef>
+                <a:spcPts val="1000"/>
+              </a:spcBef>
+              <a:buFont typeface="Arial" panose="020B0604020202020204" pitchFamily="34" charset="0"/>
+              <a:buNone/>
+              <a:defRPr sz="1800" kern="1200">
+                <a:solidFill>
+                  <a:schemeClr val="tx1"/>
+                </a:solidFill>
+                <a:latin typeface="+mn-lt"/>
+                <a:ea typeface="+mn-ea"/>
+                <a:cs typeface="+mn-cs"/>
+              </a:defRPr>
+            </a:lvl1pPr>
+            <a:lvl2pPr marL="457200" indent="0" algn="ctr" defTabSz="914400" rtl="0" eaLnBrk="1" latinLnBrk="0" hangingPunct="1">
+              <a:lnSpc>
+                <a:spcPct val="120000"/>
+              </a:lnSpc>
+              <a:spcBef>
+                <a:spcPts val="500"/>
+              </a:spcBef>
+              <a:buFont typeface="Arial" panose="020B0604020202020204" pitchFamily="34" charset="0"/>
+              <a:buNone/>
+              <a:defRPr sz="2000" kern="1200">
+                <a:solidFill>
+                  <a:schemeClr val="tx1"/>
+                </a:solidFill>
+                <a:latin typeface="+mn-lt"/>
+                <a:ea typeface="+mn-ea"/>
+                <a:cs typeface="+mn-cs"/>
+              </a:defRPr>
+            </a:lvl2pPr>
+            <a:lvl3pPr marL="914400" indent="0" algn="ctr" defTabSz="914400" rtl="0" eaLnBrk="1" latinLnBrk="0" hangingPunct="1">
+              <a:lnSpc>
+                <a:spcPct val="120000"/>
+              </a:lnSpc>
+              <a:spcBef>
+                <a:spcPts val="500"/>
+              </a:spcBef>
+              <a:buFont typeface="Arial" panose="020B0604020202020204" pitchFamily="34" charset="0"/>
+              <a:buNone/>
+              <a:defRPr sz="1800" kern="1200">
+                <a:solidFill>
+                  <a:schemeClr val="tx1"/>
+                </a:solidFill>
+                <a:latin typeface="+mn-lt"/>
+                <a:ea typeface="+mn-ea"/>
+                <a:cs typeface="+mn-cs"/>
+              </a:defRPr>
+            </a:lvl3pPr>
+            <a:lvl4pPr marL="1371600" indent="0" algn="ctr" defTabSz="914400" rtl="0" eaLnBrk="1" latinLnBrk="0" hangingPunct="1">
+              <a:lnSpc>
+                <a:spcPct val="120000"/>
+              </a:lnSpc>
+              <a:spcBef>
+                <a:spcPts val="500"/>
+              </a:spcBef>
+              <a:buFont typeface="Arial" panose="020B0604020202020204" pitchFamily="34" charset="0"/>
+              <a:buNone/>
+              <a:defRPr sz="1600" kern="1200">
+                <a:solidFill>
+                  <a:schemeClr val="tx1"/>
+                </a:solidFill>
+                <a:latin typeface="+mn-lt"/>
+                <a:ea typeface="+mn-ea"/>
+                <a:cs typeface="+mn-cs"/>
+              </a:defRPr>
+            </a:lvl4pPr>
+            <a:lvl5pPr marL="1828800" indent="0" algn="ctr" defTabSz="914400" rtl="0" eaLnBrk="1" latinLnBrk="0" hangingPunct="1">
+              <a:lnSpc>
+                <a:spcPct val="120000"/>
+              </a:lnSpc>
+              <a:spcBef>
+                <a:spcPts val="500"/>
+              </a:spcBef>
+              <a:buFont typeface="Arial" panose="020B0604020202020204" pitchFamily="34" charset="0"/>
+              <a:buNone/>
+              <a:defRPr sz="1600" kern="1200">
+                <a:solidFill>
+                  <a:schemeClr val="tx1"/>
+                </a:solidFill>
+                <a:latin typeface="+mn-lt"/>
+                <a:ea typeface="+mn-ea"/>
+                <a:cs typeface="+mn-cs"/>
+              </a:defRPr>
+            </a:lvl5pPr>
+            <a:lvl6pPr marL="2286000" indent="0" algn="ctr" defTabSz="914400" rtl="0" eaLnBrk="1" latinLnBrk="0" hangingPunct="1">
+              <a:lnSpc>
+                <a:spcPct val="90000"/>
+              </a:lnSpc>
+              <a:spcBef>
+                <a:spcPts val="500"/>
+              </a:spcBef>
+              <a:buFont typeface="Arial" panose="020B0604020202020204" pitchFamily="34" charset="0"/>
+              <a:buNone/>
+              <a:defRPr sz="1600" kern="1200">
+                <a:solidFill>
+                  <a:schemeClr val="tx1"/>
+                </a:solidFill>
+                <a:latin typeface="+mn-lt"/>
+                <a:ea typeface="+mn-ea"/>
+                <a:cs typeface="+mn-cs"/>
+              </a:defRPr>
+            </a:lvl6pPr>
+            <a:lvl7pPr marL="2743200" indent="0" algn="ctr" defTabSz="914400" rtl="0" eaLnBrk="1" latinLnBrk="0" hangingPunct="1">
+              <a:lnSpc>
+                <a:spcPct val="90000"/>
+              </a:lnSpc>
+              <a:spcBef>
+                <a:spcPts val="500"/>
+              </a:spcBef>
+              <a:buFont typeface="Arial" panose="020B0604020202020204" pitchFamily="34" charset="0"/>
+              <a:buNone/>
+              <a:defRPr sz="1600" kern="1200">
+                <a:solidFill>
+                  <a:schemeClr val="tx1"/>
+                </a:solidFill>
+                <a:latin typeface="+mn-lt"/>
+                <a:ea typeface="+mn-ea"/>
+                <a:cs typeface="+mn-cs"/>
+              </a:defRPr>
+            </a:lvl7pPr>
+            <a:lvl8pPr marL="3200400" indent="0" algn="ctr" defTabSz="914400" rtl="0" eaLnBrk="1" latinLnBrk="0" hangingPunct="1">
+              <a:lnSpc>
+                <a:spcPct val="90000"/>
+              </a:lnSpc>
+              <a:spcBef>
+                <a:spcPts val="500"/>
+              </a:spcBef>
+              <a:buFont typeface="Arial" panose="020B0604020202020204" pitchFamily="34" charset="0"/>
+              <a:buNone/>
+              <a:defRPr sz="1600" kern="1200">
+                <a:solidFill>
+                  <a:schemeClr val="tx1"/>
+                </a:solidFill>
+                <a:latin typeface="+mn-lt"/>
+                <a:ea typeface="+mn-ea"/>
+                <a:cs typeface="+mn-cs"/>
+              </a:defRPr>
+            </a:lvl8pPr>
+            <a:lvl9pPr marL="3657600" indent="0" algn="ctr" defTabSz="914400" rtl="0" eaLnBrk="1" latinLnBrk="0" hangingPunct="1">
+              <a:lnSpc>
+                <a:spcPct val="90000"/>
+              </a:lnSpc>
+              <a:spcBef>
+                <a:spcPts val="500"/>
+              </a:spcBef>
+              <a:buFont typeface="Arial" panose="020B0604020202020204" pitchFamily="34" charset="0"/>
+              <a:buNone/>
+              <a:defRPr sz="1600" kern="1200">
+                <a:solidFill>
+                  <a:schemeClr val="tx1"/>
+                </a:solidFill>
+                <a:latin typeface="+mn-lt"/>
+                <a:ea typeface="+mn-ea"/>
+                <a:cs typeface="+mn-cs"/>
+              </a:defRPr>
+            </a:lvl9pPr>
+          </a:lstStyle>
+          <a:p>
+            <a:pPr>
+              <a:lnSpc>
+                <a:spcPct val="110000"/>
+              </a:lnSpc>
+            </a:pPr>
+            <a:r>
+              <a:rPr lang="pt-BR" b="1" dirty="0"/>
+              <a:t>Diagnóstico de desempenho e oportunidades de melhoria</a:t>
+            </a:r>
+          </a:p>
+        </p:txBody>
+      </p:sp>
     </p:spTree>
     <p:extLst>
       <p:ext uri="{BB962C8B-B14F-4D97-AF65-F5344CB8AC3E}">
@@ -13100,6 +18749,569 @@
 </file>
 
 <file path=ppt/slides/slide2.xml><?xml version="1.0" encoding="utf-8"?>
+<p:sld xmlns:a="http://schemas.openxmlformats.org/drawingml/2006/main" xmlns:r="http://schemas.openxmlformats.org/officeDocument/2006/relationships" xmlns:p="http://schemas.openxmlformats.org/presentationml/2006/main">
+  <p:cSld>
+    <p:spTree>
+      <p:nvGrpSpPr>
+        <p:cNvPr id="1" name=""/>
+        <p:cNvGrpSpPr/>
+        <p:nvPr/>
+      </p:nvGrpSpPr>
+      <p:grpSpPr>
+        <a:xfrm>
+          <a:off x="0" y="0"/>
+          <a:ext cx="0" cy="0"/>
+          <a:chOff x="0" y="0"/>
+          <a:chExt cx="0" cy="0"/>
+        </a:xfrm>
+      </p:grpSpPr>
+      <p:sp>
+        <p:nvSpPr>
+          <p:cNvPr id="2" name="Título 1">
+            <a:extLst>
+              <a:ext uri="{FF2B5EF4-FFF2-40B4-BE49-F238E27FC236}">
+                <a16:creationId xmlns:a16="http://schemas.microsoft.com/office/drawing/2014/main" id="{E64E2B6C-88BD-2B10-C6E7-E759E96DBEA9}"/>
+              </a:ext>
+            </a:extLst>
+          </p:cNvPr>
+          <p:cNvSpPr>
+            <a:spLocks noGrp="1"/>
+          </p:cNvSpPr>
+          <p:nvPr>
+            <p:ph type="title"/>
+          </p:nvPr>
+        </p:nvSpPr>
+        <p:spPr>
+          <a:xfrm>
+            <a:off x="597160" y="553616"/>
+            <a:ext cx="2176020" cy="622397"/>
+          </a:xfrm>
+        </p:spPr>
+        <p:txBody>
+          <a:bodyPr/>
+          <a:lstStyle/>
+          <a:p>
+            <a:r>
+              <a:rPr lang="pt-BR" dirty="0"/>
+              <a:t>Sumário</a:t>
+            </a:r>
+          </a:p>
+        </p:txBody>
+      </p:sp>
+      <p:graphicFrame>
+        <p:nvGraphicFramePr>
+          <p:cNvPr id="6" name="Espaço Reservado para Conteúdo 2">
+            <a:extLst>
+              <a:ext uri="{FF2B5EF4-FFF2-40B4-BE49-F238E27FC236}">
+                <a16:creationId xmlns:a16="http://schemas.microsoft.com/office/drawing/2014/main" id="{179C748A-FB83-9AB4-39D5-D7B6002AD05F}"/>
+              </a:ext>
+            </a:extLst>
+          </p:cNvPr>
+          <p:cNvGraphicFramePr>
+            <a:graphicFrameLocks noGrp="1"/>
+          </p:cNvGraphicFramePr>
+          <p:nvPr>
+            <p:ph idx="1"/>
+            <p:extLst>
+              <p:ext uri="{D42A27DB-BD31-4B8C-83A1-F6EECF244321}">
+                <p14:modId xmlns:p14="http://schemas.microsoft.com/office/powerpoint/2010/main" val="865727576"/>
+              </p:ext>
+            </p:extLst>
+          </p:nvPr>
+        </p:nvGraphicFramePr>
+        <p:xfrm>
+          <a:off x="4385200" y="164892"/>
+          <a:ext cx="6279741" cy="6007307"/>
+        </p:xfrm>
+        <a:graphic>
+          <a:graphicData uri="http://schemas.openxmlformats.org/drawingml/2006/diagram">
+            <dgm:relIds xmlns:dgm="http://schemas.openxmlformats.org/drawingml/2006/diagram" xmlns:r="http://schemas.openxmlformats.org/officeDocument/2006/relationships" r:dm="rId2" r:lo="rId3" r:qs="rId4" r:cs="rId5"/>
+          </a:graphicData>
+        </a:graphic>
+      </p:graphicFrame>
+      <p:sp>
+        <p:nvSpPr>
+          <p:cNvPr id="5" name="Botão de Ação: Avançar ou Próximo 4">
+            <a:hlinkClick r:id="rId7" action="ppaction://hlinksldjump" highlightClick="1"/>
+            <a:extLst>
+              <a:ext uri="{FF2B5EF4-FFF2-40B4-BE49-F238E27FC236}">
+                <a16:creationId xmlns:a16="http://schemas.microsoft.com/office/drawing/2014/main" id="{AE55A16C-D2C1-F880-B420-C0407831AB01}"/>
+              </a:ext>
+            </a:extLst>
+          </p:cNvPr>
+          <p:cNvSpPr/>
+          <p:nvPr/>
+        </p:nvSpPr>
+        <p:spPr>
+          <a:xfrm>
+            <a:off x="3702022" y="2022110"/>
+            <a:ext cx="487076" cy="382249"/>
+          </a:xfrm>
+          <a:prstGeom prst="actionButtonForwardNext">
+            <a:avLst/>
+          </a:prstGeom>
+          <a:solidFill>
+            <a:srgbClr val="CCA404"/>
+          </a:solidFill>
+        </p:spPr>
+        <p:style>
+          <a:lnRef idx="2">
+            <a:schemeClr val="accent1">
+              <a:shade val="15000"/>
+            </a:schemeClr>
+          </a:lnRef>
+          <a:fillRef idx="1">
+            <a:schemeClr val="accent1"/>
+          </a:fillRef>
+          <a:effectRef idx="0">
+            <a:schemeClr val="accent1"/>
+          </a:effectRef>
+          <a:fontRef idx="minor">
+            <a:schemeClr val="lt1"/>
+          </a:fontRef>
+        </p:style>
+        <p:txBody>
+          <a:bodyPr rtlCol="0" anchor="ctr"/>
+          <a:lstStyle/>
+          <a:p>
+            <a:pPr algn="ctr"/>
+            <a:endParaRPr lang="pt-BR"/>
+          </a:p>
+        </p:txBody>
+      </p:sp>
+      <p:sp>
+        <p:nvSpPr>
+          <p:cNvPr id="7" name="Botão de Ação: Avançar ou Próximo 6">
+            <a:hlinkClick r:id="rId8" action="ppaction://hlinksldjump" highlightClick="1"/>
+            <a:extLst>
+              <a:ext uri="{FF2B5EF4-FFF2-40B4-BE49-F238E27FC236}">
+                <a16:creationId xmlns:a16="http://schemas.microsoft.com/office/drawing/2014/main" id="{2CE594FA-01E2-838D-534E-28C6F5AE08B7}"/>
+              </a:ext>
+            </a:extLst>
+          </p:cNvPr>
+          <p:cNvSpPr/>
+          <p:nvPr/>
+        </p:nvSpPr>
+        <p:spPr>
+          <a:xfrm>
+            <a:off x="3702022" y="2635422"/>
+            <a:ext cx="487075" cy="382249"/>
+          </a:xfrm>
+          <a:prstGeom prst="actionButtonForwardNext">
+            <a:avLst/>
+          </a:prstGeom>
+          <a:solidFill>
+            <a:srgbClr val="CCA404"/>
+          </a:solidFill>
+        </p:spPr>
+        <p:style>
+          <a:lnRef idx="2">
+            <a:schemeClr val="accent1">
+              <a:shade val="15000"/>
+            </a:schemeClr>
+          </a:lnRef>
+          <a:fillRef idx="1">
+            <a:schemeClr val="accent1"/>
+          </a:fillRef>
+          <a:effectRef idx="0">
+            <a:schemeClr val="accent1"/>
+          </a:effectRef>
+          <a:fontRef idx="minor">
+            <a:schemeClr val="lt1"/>
+          </a:fontRef>
+        </p:style>
+        <p:txBody>
+          <a:bodyPr rtlCol="0" anchor="ctr"/>
+          <a:lstStyle/>
+          <a:p>
+            <a:pPr algn="ctr"/>
+            <a:endParaRPr lang="pt-BR"/>
+          </a:p>
+        </p:txBody>
+      </p:sp>
+      <p:sp>
+        <p:nvSpPr>
+          <p:cNvPr id="8" name="Botão de Ação: Avançar ou Próximo 7">
+            <a:hlinkClick r:id="rId9" action="ppaction://hlinksldjump" highlightClick="1"/>
+            <a:extLst>
+              <a:ext uri="{FF2B5EF4-FFF2-40B4-BE49-F238E27FC236}">
+                <a16:creationId xmlns:a16="http://schemas.microsoft.com/office/drawing/2014/main" id="{1ACB6AF6-1BA6-1B05-7761-A65765AB878C}"/>
+              </a:ext>
+            </a:extLst>
+          </p:cNvPr>
+          <p:cNvSpPr/>
+          <p:nvPr/>
+        </p:nvSpPr>
+        <p:spPr>
+          <a:xfrm>
+            <a:off x="3702022" y="3274967"/>
+            <a:ext cx="487075" cy="382249"/>
+          </a:xfrm>
+          <a:prstGeom prst="actionButtonForwardNext">
+            <a:avLst/>
+          </a:prstGeom>
+          <a:solidFill>
+            <a:srgbClr val="CCA404"/>
+          </a:solidFill>
+        </p:spPr>
+        <p:style>
+          <a:lnRef idx="2">
+            <a:schemeClr val="accent1">
+              <a:shade val="15000"/>
+            </a:schemeClr>
+          </a:lnRef>
+          <a:fillRef idx="1">
+            <a:schemeClr val="accent1"/>
+          </a:fillRef>
+          <a:effectRef idx="0">
+            <a:schemeClr val="accent1"/>
+          </a:effectRef>
+          <a:fontRef idx="minor">
+            <a:schemeClr val="lt1"/>
+          </a:fontRef>
+        </p:style>
+        <p:txBody>
+          <a:bodyPr rtlCol="0" anchor="ctr"/>
+          <a:lstStyle/>
+          <a:p>
+            <a:pPr algn="ctr"/>
+            <a:endParaRPr lang="pt-BR"/>
+          </a:p>
+        </p:txBody>
+      </p:sp>
+      <p:sp>
+        <p:nvSpPr>
+          <p:cNvPr id="9" name="Botão de Ação: Avançar ou Próximo 8">
+            <a:hlinkClick r:id="rId10" action="ppaction://hlinksldjump" highlightClick="1"/>
+            <a:extLst>
+              <a:ext uri="{FF2B5EF4-FFF2-40B4-BE49-F238E27FC236}">
+                <a16:creationId xmlns:a16="http://schemas.microsoft.com/office/drawing/2014/main" id="{6F762737-B88F-C231-0D39-A72D3286D797}"/>
+              </a:ext>
+            </a:extLst>
+          </p:cNvPr>
+          <p:cNvSpPr/>
+          <p:nvPr/>
+        </p:nvSpPr>
+        <p:spPr>
+          <a:xfrm>
+            <a:off x="3702022" y="3914512"/>
+            <a:ext cx="487076" cy="382249"/>
+          </a:xfrm>
+          <a:prstGeom prst="actionButtonForwardNext">
+            <a:avLst/>
+          </a:prstGeom>
+          <a:solidFill>
+            <a:srgbClr val="CCA404"/>
+          </a:solidFill>
+        </p:spPr>
+        <p:style>
+          <a:lnRef idx="2">
+            <a:schemeClr val="accent1">
+              <a:shade val="15000"/>
+            </a:schemeClr>
+          </a:lnRef>
+          <a:fillRef idx="1">
+            <a:schemeClr val="accent1"/>
+          </a:fillRef>
+          <a:effectRef idx="0">
+            <a:schemeClr val="accent1"/>
+          </a:effectRef>
+          <a:fontRef idx="minor">
+            <a:schemeClr val="lt1"/>
+          </a:fontRef>
+        </p:style>
+        <p:txBody>
+          <a:bodyPr rtlCol="0" anchor="ctr"/>
+          <a:lstStyle/>
+          <a:p>
+            <a:pPr algn="ctr"/>
+            <a:endParaRPr lang="pt-BR"/>
+          </a:p>
+        </p:txBody>
+      </p:sp>
+      <p:sp>
+        <p:nvSpPr>
+          <p:cNvPr id="10" name="Botão de Ação: Avançar ou Próximo 9">
+            <a:hlinkClick r:id="rId11" action="ppaction://hlinksldjump" highlightClick="1"/>
+            <a:extLst>
+              <a:ext uri="{FF2B5EF4-FFF2-40B4-BE49-F238E27FC236}">
+                <a16:creationId xmlns:a16="http://schemas.microsoft.com/office/drawing/2014/main" id="{7ED7C32D-A7B0-FB92-A630-0A8AFC8D7981}"/>
+              </a:ext>
+            </a:extLst>
+          </p:cNvPr>
+          <p:cNvSpPr/>
+          <p:nvPr/>
+        </p:nvSpPr>
+        <p:spPr>
+          <a:xfrm>
+            <a:off x="3702020" y="4561870"/>
+            <a:ext cx="487077" cy="382249"/>
+          </a:xfrm>
+          <a:prstGeom prst="actionButtonForwardNext">
+            <a:avLst/>
+          </a:prstGeom>
+          <a:solidFill>
+            <a:srgbClr val="CCA404"/>
+          </a:solidFill>
+        </p:spPr>
+        <p:style>
+          <a:lnRef idx="2">
+            <a:schemeClr val="accent1">
+              <a:shade val="15000"/>
+            </a:schemeClr>
+          </a:lnRef>
+          <a:fillRef idx="1">
+            <a:schemeClr val="accent1"/>
+          </a:fillRef>
+          <a:effectRef idx="0">
+            <a:schemeClr val="accent1"/>
+          </a:effectRef>
+          <a:fontRef idx="minor">
+            <a:schemeClr val="lt1"/>
+          </a:fontRef>
+        </p:style>
+        <p:txBody>
+          <a:bodyPr rtlCol="0" anchor="ctr"/>
+          <a:lstStyle/>
+          <a:p>
+            <a:pPr algn="ctr"/>
+            <a:endParaRPr lang="pt-BR"/>
+          </a:p>
+        </p:txBody>
+      </p:sp>
+      <p:sp>
+        <p:nvSpPr>
+          <p:cNvPr id="3" name="Botão de Ação: Avançar ou Próximo 2">
+            <a:hlinkClick r:id="rId12" action="ppaction://hlinksldjump" highlightClick="1"/>
+            <a:extLst>
+              <a:ext uri="{FF2B5EF4-FFF2-40B4-BE49-F238E27FC236}">
+                <a16:creationId xmlns:a16="http://schemas.microsoft.com/office/drawing/2014/main" id="{81FEF0FE-2BCA-2718-687B-9A52F13DA98E}"/>
+              </a:ext>
+            </a:extLst>
+          </p:cNvPr>
+          <p:cNvSpPr/>
+          <p:nvPr/>
+        </p:nvSpPr>
+        <p:spPr>
+          <a:xfrm>
+            <a:off x="3702022" y="1392086"/>
+            <a:ext cx="487076" cy="382249"/>
+          </a:xfrm>
+          <a:prstGeom prst="actionButtonForwardNext">
+            <a:avLst/>
+          </a:prstGeom>
+          <a:solidFill>
+            <a:srgbClr val="CCA404"/>
+          </a:solidFill>
+        </p:spPr>
+        <p:style>
+          <a:lnRef idx="2">
+            <a:schemeClr val="accent1">
+              <a:shade val="15000"/>
+            </a:schemeClr>
+          </a:lnRef>
+          <a:fillRef idx="1">
+            <a:schemeClr val="accent1"/>
+          </a:fillRef>
+          <a:effectRef idx="0">
+            <a:schemeClr val="accent1"/>
+          </a:effectRef>
+          <a:fontRef idx="minor">
+            <a:schemeClr val="lt1"/>
+          </a:fontRef>
+        </p:style>
+        <p:txBody>
+          <a:bodyPr rtlCol="0" anchor="ctr"/>
+          <a:lstStyle/>
+          <a:p>
+            <a:pPr algn="ctr"/>
+            <a:endParaRPr lang="pt-BR"/>
+          </a:p>
+        </p:txBody>
+      </p:sp>
+    </p:spTree>
+    <p:extLst>
+      <p:ext uri="{BB962C8B-B14F-4D97-AF65-F5344CB8AC3E}">
+        <p14:creationId xmlns:p14="http://schemas.microsoft.com/office/powerpoint/2010/main" val="3602271015"/>
+      </p:ext>
+    </p:extLst>
+  </p:cSld>
+  <p:clrMapOvr>
+    <a:masterClrMapping/>
+  </p:clrMapOvr>
+</p:sld>
+</file>
+
+<file path=ppt/slides/slide3.xml><?xml version="1.0" encoding="utf-8"?>
+<p:sld xmlns:a="http://schemas.openxmlformats.org/drawingml/2006/main" xmlns:r="http://schemas.openxmlformats.org/officeDocument/2006/relationships" xmlns:p="http://schemas.openxmlformats.org/presentationml/2006/main">
+  <p:cSld>
+    <p:spTree>
+      <p:nvGrpSpPr>
+        <p:cNvPr id="1" name=""/>
+        <p:cNvGrpSpPr/>
+        <p:nvPr/>
+      </p:nvGrpSpPr>
+      <p:grpSpPr>
+        <a:xfrm>
+          <a:off x="0" y="0"/>
+          <a:ext cx="0" cy="0"/>
+          <a:chOff x="0" y="0"/>
+          <a:chExt cx="0" cy="0"/>
+        </a:xfrm>
+      </p:grpSpPr>
+      <p:sp>
+        <p:nvSpPr>
+          <p:cNvPr id="2" name="Título 1">
+            <a:extLst>
+              <a:ext uri="{FF2B5EF4-FFF2-40B4-BE49-F238E27FC236}">
+                <a16:creationId xmlns:a16="http://schemas.microsoft.com/office/drawing/2014/main" id="{08BFC6EA-923C-DA0C-4474-913D6AF42ABA}"/>
+              </a:ext>
+            </a:extLst>
+          </p:cNvPr>
+          <p:cNvSpPr>
+            <a:spLocks noGrp="1"/>
+          </p:cNvSpPr>
+          <p:nvPr>
+            <p:ph type="title"/>
+          </p:nvPr>
+        </p:nvSpPr>
+        <p:spPr/>
+        <p:txBody>
+          <a:bodyPr/>
+          <a:lstStyle/>
+          <a:p>
+            <a:r>
+              <a:rPr lang="pt-BR" dirty="0"/>
+              <a:t>Contexto</a:t>
+            </a:r>
+          </a:p>
+        </p:txBody>
+      </p:sp>
+      <p:graphicFrame>
+        <p:nvGraphicFramePr>
+          <p:cNvPr id="9" name="Espaço Reservado para Conteúdo 2">
+            <a:extLst>
+              <a:ext uri="{FF2B5EF4-FFF2-40B4-BE49-F238E27FC236}">
+                <a16:creationId xmlns:a16="http://schemas.microsoft.com/office/drawing/2014/main" id="{9F8CB830-A221-4640-9D48-75017B53EF22}"/>
+              </a:ext>
+            </a:extLst>
+          </p:cNvPr>
+          <p:cNvGraphicFramePr>
+            <a:graphicFrameLocks noGrp="1"/>
+          </p:cNvGraphicFramePr>
+          <p:nvPr>
+            <p:ph idx="1"/>
+            <p:extLst>
+              <p:ext uri="{D42A27DB-BD31-4B8C-83A1-F6EECF244321}">
+                <p14:modId xmlns:p14="http://schemas.microsoft.com/office/powerpoint/2010/main" val="3575552122"/>
+              </p:ext>
+            </p:extLst>
+          </p:nvPr>
+        </p:nvGraphicFramePr>
+        <p:xfrm>
+          <a:off x="4604972" y="685799"/>
+          <a:ext cx="7089258" cy="5486400"/>
+        </p:xfrm>
+        <a:graphic>
+          <a:graphicData uri="http://schemas.openxmlformats.org/drawingml/2006/diagram">
+            <dgm:relIds xmlns:dgm="http://schemas.openxmlformats.org/drawingml/2006/diagram" xmlns:r="http://schemas.openxmlformats.org/officeDocument/2006/relationships" r:dm="rId2" r:lo="rId3" r:qs="rId4" r:cs="rId5"/>
+          </a:graphicData>
+        </a:graphic>
+      </p:graphicFrame>
+      <p:pic>
+        <p:nvPicPr>
+          <p:cNvPr id="5" name="Imagem 4" descr="Desenho de uma pessoa&#10;&#10;O conteúdo gerado por IA pode estar incorreto.">
+            <a:extLst>
+              <a:ext uri="{FF2B5EF4-FFF2-40B4-BE49-F238E27FC236}">
+                <a16:creationId xmlns:a16="http://schemas.microsoft.com/office/drawing/2014/main" id="{94E731BB-447C-4E8E-32C1-E7F944722579}"/>
+              </a:ext>
+            </a:extLst>
+          </p:cNvPr>
+          <p:cNvPicPr>
+            <a:picLocks noChangeAspect="1"/>
+          </p:cNvPicPr>
+          <p:nvPr/>
+        </p:nvPicPr>
+        <p:blipFill>
+          <a:blip r:embed="rId7"/>
+          <a:stretch>
+            <a:fillRect/>
+          </a:stretch>
+        </p:blipFill>
+        <p:spPr>
+          <a:xfrm>
+            <a:off x="779489" y="1734730"/>
+            <a:ext cx="3413305" cy="3263796"/>
+          </a:xfrm>
+          <a:prstGeom prst="rect">
+            <a:avLst/>
+          </a:prstGeom>
+        </p:spPr>
+      </p:pic>
+      <p:sp>
+        <p:nvSpPr>
+          <p:cNvPr id="6" name="Botão de Ação: Avançar ou Próximo 5">
+            <a:hlinkClick r:id="rId8" action="ppaction://hlinksldjump" highlightClick="1"/>
+            <a:extLst>
+              <a:ext uri="{FF2B5EF4-FFF2-40B4-BE49-F238E27FC236}">
+                <a16:creationId xmlns:a16="http://schemas.microsoft.com/office/drawing/2014/main" id="{5AD8B9A2-18C5-55B7-7865-C25117B3F15B}"/>
+              </a:ext>
+            </a:extLst>
+          </p:cNvPr>
+          <p:cNvSpPr/>
+          <p:nvPr/>
+        </p:nvSpPr>
+        <p:spPr>
+          <a:xfrm>
+            <a:off x="353622" y="6113259"/>
+            <a:ext cx="425867" cy="302531"/>
+          </a:xfrm>
+          <a:prstGeom prst="actionButtonForwardNext">
+            <a:avLst/>
+          </a:prstGeom>
+          <a:solidFill>
+            <a:srgbClr val="CCA404"/>
+          </a:solidFill>
+        </p:spPr>
+        <p:style>
+          <a:lnRef idx="2">
+            <a:schemeClr val="accent1">
+              <a:shade val="15000"/>
+            </a:schemeClr>
+          </a:lnRef>
+          <a:fillRef idx="1">
+            <a:schemeClr val="accent1"/>
+          </a:fillRef>
+          <a:effectRef idx="0">
+            <a:schemeClr val="accent1"/>
+          </a:effectRef>
+          <a:fontRef idx="minor">
+            <a:schemeClr val="lt1"/>
+          </a:fontRef>
+        </p:style>
+        <p:txBody>
+          <a:bodyPr rtlCol="0" anchor="ctr"/>
+          <a:lstStyle/>
+          <a:p>
+            <a:pPr algn="ctr"/>
+            <a:endParaRPr lang="pt-BR"/>
+          </a:p>
+        </p:txBody>
+      </p:sp>
+    </p:spTree>
+    <p:extLst>
+      <p:ext uri="{BB962C8B-B14F-4D97-AF65-F5344CB8AC3E}">
+        <p14:creationId xmlns:p14="http://schemas.microsoft.com/office/powerpoint/2010/main" val="3294902907"/>
+      </p:ext>
+    </p:extLst>
+  </p:cSld>
+  <p:clrMapOvr>
+    <a:masterClrMapping/>
+  </p:clrMapOvr>
+</p:sld>
+</file>
+
+<file path=ppt/slides/slide4.xml><?xml version="1.0" encoding="utf-8"?>
 <p:sld xmlns:a="http://schemas.openxmlformats.org/drawingml/2006/main" xmlns:r="http://schemas.openxmlformats.org/officeDocument/2006/relationships" xmlns:p="http://schemas.openxmlformats.org/presentationml/2006/main">
   <p:cSld>
     <p:bg>
@@ -13291,7 +19503,7 @@
             <p:ph idx="1"/>
             <p:extLst>
               <p:ext uri="{D42A27DB-BD31-4B8C-83A1-F6EECF244321}">
-                <p14:modId xmlns:p14="http://schemas.microsoft.com/office/powerpoint/2010/main" val="1200481705"/>
+                <p14:modId xmlns:p14="http://schemas.microsoft.com/office/powerpoint/2010/main" val="2882998227"/>
               </p:ext>
             </p:extLst>
           </p:nvPr>
@@ -13306,6 +19518,56 @@
           </a:graphicData>
         </a:graphic>
       </p:graphicFrame>
+      <p:sp>
+        <p:nvSpPr>
+          <p:cNvPr id="3" name="Botão de Ação: Avançar ou Próximo 2">
+            <a:hlinkClick r:id="rId7" action="ppaction://hlinksldjump" highlightClick="1"/>
+            <a:extLst>
+              <a:ext uri="{FF2B5EF4-FFF2-40B4-BE49-F238E27FC236}">
+                <a16:creationId xmlns:a16="http://schemas.microsoft.com/office/drawing/2014/main" id="{8023CE38-1865-D0BA-32E6-1BF989CE6A78}"/>
+              </a:ext>
+            </a:extLst>
+          </p:cNvPr>
+          <p:cNvSpPr/>
+          <p:nvPr/>
+        </p:nvSpPr>
+        <p:spPr>
+          <a:xfrm>
+            <a:off x="353622" y="6113259"/>
+            <a:ext cx="425867" cy="302531"/>
+          </a:xfrm>
+          <a:prstGeom prst="actionButtonForwardNext">
+            <a:avLst/>
+          </a:prstGeom>
+          <a:solidFill>
+            <a:srgbClr val="CCA404"/>
+          </a:solidFill>
+        </p:spPr>
+        <p:style>
+          <a:lnRef idx="2">
+            <a:schemeClr val="accent1">
+              <a:shade val="15000"/>
+            </a:schemeClr>
+          </a:lnRef>
+          <a:fillRef idx="1">
+            <a:schemeClr val="accent1"/>
+          </a:fillRef>
+          <a:effectRef idx="0">
+            <a:schemeClr val="accent1"/>
+          </a:effectRef>
+          <a:fontRef idx="minor">
+            <a:schemeClr val="lt1"/>
+          </a:fontRef>
+        </p:style>
+        <p:txBody>
+          <a:bodyPr rtlCol="0" anchor="ctr"/>
+          <a:lstStyle/>
+          <a:p>
+            <a:pPr algn="ctr"/>
+            <a:endParaRPr lang="pt-BR"/>
+          </a:p>
+        </p:txBody>
+      </p:sp>
     </p:spTree>
     <p:extLst>
       <p:ext uri="{BB962C8B-B14F-4D97-AF65-F5344CB8AC3E}">
@@ -13331,7 +19593,7 @@
 </p:sld>
 </file>
 
-<file path=ppt/slides/slide3.xml><?xml version="1.0" encoding="utf-8"?>
+<file path=ppt/slides/slide5.xml><?xml version="1.0" encoding="utf-8"?>
 <p:sld xmlns:a="http://schemas.openxmlformats.org/drawingml/2006/main" xmlns:r="http://schemas.openxmlformats.org/officeDocument/2006/relationships" xmlns:p="http://schemas.openxmlformats.org/presentationml/2006/main">
   <p:cSld>
     <p:spTree>
@@ -13398,7 +19660,7 @@
             <p:ph idx="1"/>
             <p:extLst>
               <p:ext uri="{D42A27DB-BD31-4B8C-83A1-F6EECF244321}">
-                <p14:modId xmlns:p14="http://schemas.microsoft.com/office/powerpoint/2010/main" val="2834470392"/>
+                <p14:modId xmlns:p14="http://schemas.microsoft.com/office/powerpoint/2010/main" val="681404008"/>
               </p:ext>
             </p:extLst>
           </p:nvPr>
@@ -13485,7 +19747,7 @@
         <p:spPr>
           <a:xfrm>
             <a:off x="1160353" y="2940709"/>
-            <a:ext cx="2694969" cy="369332"/>
+            <a:ext cx="3081293" cy="369332"/>
           </a:xfrm>
           <a:prstGeom prst="rect">
             <a:avLst/>
@@ -13500,16 +19762,58 @@
           <a:p>
             <a:r>
               <a:rPr lang="pt-BR" b="1" dirty="0"/>
-              <a:t>AVG </a:t>
+              <a:t>Taxa Média de Satisfação</a:t>
             </a:r>
-            <a:r>
-              <a:rPr lang="pt-BR" b="1" dirty="0" err="1"/>
-              <a:t>Satisfaction</a:t>
-            </a:r>
-            <a:r>
-              <a:rPr lang="pt-BR" b="1" dirty="0"/>
-              <a:t> Rate</a:t>
-            </a:r>
+          </a:p>
+        </p:txBody>
+      </p:sp>
+      <p:sp>
+        <p:nvSpPr>
+          <p:cNvPr id="4" name="Botão de Ação: Avançar ou Próximo 3">
+            <a:hlinkClick r:id="rId3" action="ppaction://hlinksldjump" highlightClick="1"/>
+            <a:extLst>
+              <a:ext uri="{FF2B5EF4-FFF2-40B4-BE49-F238E27FC236}">
+                <a16:creationId xmlns:a16="http://schemas.microsoft.com/office/drawing/2014/main" id="{80A8D74F-F6DE-2680-2645-0F7E502FE83B}"/>
+              </a:ext>
+            </a:extLst>
+          </p:cNvPr>
+          <p:cNvSpPr/>
+          <p:nvPr/>
+        </p:nvSpPr>
+        <p:spPr>
+          <a:xfrm>
+            <a:off x="353622" y="6113259"/>
+            <a:ext cx="425867" cy="302531"/>
+          </a:xfrm>
+          <a:prstGeom prst="actionButtonForwardNext">
+            <a:avLst/>
+          </a:prstGeom>
+          <a:solidFill>
+            <a:srgbClr val="CCA404"/>
+          </a:solidFill>
+        </p:spPr>
+        <p:style>
+          <a:lnRef idx="2">
+            <a:schemeClr val="accent1">
+              <a:shade val="15000"/>
+            </a:schemeClr>
+          </a:lnRef>
+          <a:fillRef idx="1">
+            <a:schemeClr val="accent1"/>
+          </a:fillRef>
+          <a:effectRef idx="0">
+            <a:schemeClr val="accent1"/>
+          </a:effectRef>
+          <a:fontRef idx="minor">
+            <a:schemeClr val="lt1"/>
+          </a:fontRef>
+        </p:style>
+        <p:txBody>
+          <a:bodyPr rtlCol="0" anchor="ctr"/>
+          <a:lstStyle/>
+          <a:p>
+            <a:pPr algn="ctr"/>
+            <a:endParaRPr lang="pt-BR"/>
           </a:p>
         </p:txBody>
       </p:sp>
@@ -13538,7 +19842,7 @@
 </p:sld>
 </file>
 
-<file path=ppt/slides/slide4.xml><?xml version="1.0" encoding="utf-8"?>
+<file path=ppt/slides/slide6.xml><?xml version="1.0" encoding="utf-8"?>
 <p:sld xmlns:a="http://schemas.openxmlformats.org/drawingml/2006/main" xmlns:r="http://schemas.openxmlformats.org/officeDocument/2006/relationships" xmlns:p="http://schemas.openxmlformats.org/presentationml/2006/main">
   <p:cSld>
     <p:spTree>
@@ -14074,7 +20378,7 @@
         </p:nvSpPr>
         <p:spPr>
           <a:xfrm>
-            <a:off x="597160" y="1861416"/>
+            <a:off x="597160" y="1663508"/>
             <a:ext cx="4124742" cy="3728895"/>
           </a:xfrm>
         </p:spPr>
@@ -14123,6 +20427,56 @@
           </a:p>
         </p:txBody>
       </p:sp>
+      <p:sp>
+        <p:nvSpPr>
+          <p:cNvPr id="3" name="Botão de Ação: Avançar ou Próximo 2">
+            <a:hlinkClick r:id="rId2" action="ppaction://hlinksldjump" highlightClick="1"/>
+            <a:extLst>
+              <a:ext uri="{FF2B5EF4-FFF2-40B4-BE49-F238E27FC236}">
+                <a16:creationId xmlns:a16="http://schemas.microsoft.com/office/drawing/2014/main" id="{CB5962CA-43AB-E3DD-D514-6068E768EA97}"/>
+              </a:ext>
+            </a:extLst>
+          </p:cNvPr>
+          <p:cNvSpPr/>
+          <p:nvPr/>
+        </p:nvSpPr>
+        <p:spPr>
+          <a:xfrm>
+            <a:off x="353622" y="6113259"/>
+            <a:ext cx="425867" cy="302531"/>
+          </a:xfrm>
+          <a:prstGeom prst="actionButtonForwardNext">
+            <a:avLst/>
+          </a:prstGeom>
+          <a:solidFill>
+            <a:srgbClr val="CCA404"/>
+          </a:solidFill>
+        </p:spPr>
+        <p:style>
+          <a:lnRef idx="2">
+            <a:schemeClr val="accent1">
+              <a:shade val="15000"/>
+            </a:schemeClr>
+          </a:lnRef>
+          <a:fillRef idx="1">
+            <a:schemeClr val="accent1"/>
+          </a:fillRef>
+          <a:effectRef idx="0">
+            <a:schemeClr val="accent1"/>
+          </a:effectRef>
+          <a:fontRef idx="minor">
+            <a:schemeClr val="lt1"/>
+          </a:fontRef>
+        </p:style>
+        <p:txBody>
+          <a:bodyPr rtlCol="0" anchor="ctr"/>
+          <a:lstStyle/>
+          <a:p>
+            <a:pPr algn="ctr"/>
+            <a:endParaRPr lang="pt-BR"/>
+          </a:p>
+        </p:txBody>
+      </p:sp>
     </p:spTree>
     <p:extLst>
       <p:ext uri="{BB962C8B-B14F-4D97-AF65-F5344CB8AC3E}">
@@ -14148,7 +20502,7 @@
 </p:sld>
 </file>
 
-<file path=ppt/slides/slide5.xml><?xml version="1.0" encoding="utf-8"?>
+<file path=ppt/slides/slide7.xml><?xml version="1.0" encoding="utf-8"?>
 <p:sld xmlns:a="http://schemas.openxmlformats.org/drawingml/2006/main" xmlns:r="http://schemas.openxmlformats.org/officeDocument/2006/relationships" xmlns:p="http://schemas.openxmlformats.org/presentationml/2006/main">
   <p:cSld>
     <p:spTree>
@@ -14188,15 +20542,7 @@
           <a:p>
             <a:r>
               <a:rPr lang="pt-BR" dirty="0"/>
-              <a:t>Principais </a:t>
-            </a:r>
-            <a:r>
-              <a:rPr lang="pt-BR" dirty="0" err="1"/>
-              <a:t>Influencidores</a:t>
-            </a:r>
-            <a:r>
-              <a:rPr lang="pt-BR" dirty="0"/>
-              <a:t> de Rotatividade</a:t>
+              <a:t>Principais Influenciadores de Rotatividade</a:t>
             </a:r>
           </a:p>
         </p:txBody>
@@ -14217,7 +20563,7 @@
             <p:ph idx="1"/>
             <p:extLst>
               <p:ext uri="{D42A27DB-BD31-4B8C-83A1-F6EECF244321}">
-                <p14:modId xmlns:p14="http://schemas.microsoft.com/office/powerpoint/2010/main" val="1894961539"/>
+                <p14:modId xmlns:p14="http://schemas.microsoft.com/office/powerpoint/2010/main" val="617223600"/>
               </p:ext>
             </p:extLst>
           </p:nvPr>
@@ -14257,7 +20603,7 @@
           <a:p>
             <a:r>
               <a:rPr lang="pt-BR" dirty="0"/>
-              <a:t>A rotatividade está pulverizada, mas três fatores liderados.</a:t>
+              <a:t>A rotatividade está pulverizada, mas três fatores lideram.</a:t>
             </a:r>
           </a:p>
           <a:p>
@@ -14265,6 +20611,56 @@
               <a:rPr lang="pt-BR" b="1" dirty="0"/>
               <a:t>Melhorar o preço percebido, a qualidade da internet e a experiência do cliente é essencial.</a:t>
             </a:r>
+          </a:p>
+        </p:txBody>
+      </p:sp>
+      <p:sp>
+        <p:nvSpPr>
+          <p:cNvPr id="3" name="Botão de Ação: Avançar ou Próximo 2">
+            <a:hlinkClick r:id="rId3" action="ppaction://hlinksldjump" highlightClick="1"/>
+            <a:extLst>
+              <a:ext uri="{FF2B5EF4-FFF2-40B4-BE49-F238E27FC236}">
+                <a16:creationId xmlns:a16="http://schemas.microsoft.com/office/drawing/2014/main" id="{16D3F609-6448-FFBE-BA0A-0BB60F193648}"/>
+              </a:ext>
+            </a:extLst>
+          </p:cNvPr>
+          <p:cNvSpPr/>
+          <p:nvPr/>
+        </p:nvSpPr>
+        <p:spPr>
+          <a:xfrm>
+            <a:off x="353622" y="6113259"/>
+            <a:ext cx="425867" cy="302531"/>
+          </a:xfrm>
+          <a:prstGeom prst="actionButtonForwardNext">
+            <a:avLst/>
+          </a:prstGeom>
+          <a:solidFill>
+            <a:srgbClr val="CCA404"/>
+          </a:solidFill>
+        </p:spPr>
+        <p:style>
+          <a:lnRef idx="2">
+            <a:schemeClr val="accent1">
+              <a:shade val="15000"/>
+            </a:schemeClr>
+          </a:lnRef>
+          <a:fillRef idx="1">
+            <a:schemeClr val="accent1"/>
+          </a:fillRef>
+          <a:effectRef idx="0">
+            <a:schemeClr val="accent1"/>
+          </a:effectRef>
+          <a:fontRef idx="minor">
+            <a:schemeClr val="lt1"/>
+          </a:fontRef>
+        </p:style>
+        <p:txBody>
+          <a:bodyPr rtlCol="0" anchor="ctr"/>
+          <a:lstStyle/>
+          <a:p>
+            <a:pPr algn="ctr"/>
+            <a:endParaRPr lang="pt-BR"/>
           </a:p>
         </p:txBody>
       </p:sp>
@@ -14293,7 +20689,7 @@
 </p:sld>
 </file>
 
-<file path=ppt/slides/slide6.xml><?xml version="1.0" encoding="utf-8"?>
+<file path=ppt/slides/slide8.xml><?xml version="1.0" encoding="utf-8"?>
 <p:sld xmlns:a="http://schemas.openxmlformats.org/drawingml/2006/main" xmlns:r="http://schemas.openxmlformats.org/officeDocument/2006/relationships" xmlns:p="http://schemas.openxmlformats.org/presentationml/2006/main">
   <p:cSld>
     <p:bg>
@@ -14486,7 +20882,7 @@
             <p:ph idx="1"/>
             <p:extLst>
               <p:ext uri="{D42A27DB-BD31-4B8C-83A1-F6EECF244321}">
-                <p14:modId xmlns:p14="http://schemas.microsoft.com/office/powerpoint/2010/main" val="3838661170"/>
+                <p14:modId xmlns:p14="http://schemas.microsoft.com/office/powerpoint/2010/main" val="4070685980"/>
               </p:ext>
             </p:extLst>
           </p:nvPr>
@@ -14501,6 +20897,56 @@
           </a:graphicData>
         </a:graphic>
       </p:graphicFrame>
+      <p:sp>
+        <p:nvSpPr>
+          <p:cNvPr id="3" name="Botão de Ação: Avançar ou Próximo 2">
+            <a:hlinkClick r:id="rId7" action="ppaction://hlinksldjump" highlightClick="1"/>
+            <a:extLst>
+              <a:ext uri="{FF2B5EF4-FFF2-40B4-BE49-F238E27FC236}">
+                <a16:creationId xmlns:a16="http://schemas.microsoft.com/office/drawing/2014/main" id="{BEF8E029-DBE6-2294-5113-1CDB22890980}"/>
+              </a:ext>
+            </a:extLst>
+          </p:cNvPr>
+          <p:cNvSpPr/>
+          <p:nvPr/>
+        </p:nvSpPr>
+        <p:spPr>
+          <a:xfrm>
+            <a:off x="353622" y="6113259"/>
+            <a:ext cx="425867" cy="302531"/>
+          </a:xfrm>
+          <a:prstGeom prst="actionButtonForwardNext">
+            <a:avLst/>
+          </a:prstGeom>
+          <a:solidFill>
+            <a:srgbClr val="CCA404"/>
+          </a:solidFill>
+        </p:spPr>
+        <p:style>
+          <a:lnRef idx="2">
+            <a:schemeClr val="accent1">
+              <a:shade val="15000"/>
+            </a:schemeClr>
+          </a:lnRef>
+          <a:fillRef idx="1">
+            <a:schemeClr val="accent1"/>
+          </a:fillRef>
+          <a:effectRef idx="0">
+            <a:schemeClr val="accent1"/>
+          </a:effectRef>
+          <a:fontRef idx="minor">
+            <a:schemeClr val="lt1"/>
+          </a:fontRef>
+        </p:style>
+        <p:txBody>
+          <a:bodyPr rtlCol="0" anchor="ctr"/>
+          <a:lstStyle/>
+          <a:p>
+            <a:pPr algn="ctr"/>
+            <a:endParaRPr lang="pt-BR"/>
+          </a:p>
+        </p:txBody>
+      </p:sp>
     </p:spTree>
     <p:extLst>
       <p:ext uri="{BB962C8B-B14F-4D97-AF65-F5344CB8AC3E}">
